--- a/Project_Space_Debris/Ordner_Yu/Folien/20230201/20230124_Liu_Yu.pptx
+++ b/Project_Space_Debris/Ordner_Yu/Folien/20230201/20230124_Liu_Yu.pptx
@@ -5,7 +5,7 @@
     <p:sldMasterId id="2147483648" r:id="rId1"/>
   </p:sldMasterIdLst>
   <p:notesMasterIdLst>
-    <p:notesMasterId r:id="rId14"/>
+    <p:notesMasterId r:id="rId20"/>
   </p:notesMasterIdLst>
   <p:sldIdLst>
     <p:sldId id="280" r:id="rId2"/>
@@ -17,9 +17,15 @@
     <p:sldId id="286" r:id="rId8"/>
     <p:sldId id="287" r:id="rId9"/>
     <p:sldId id="288" r:id="rId10"/>
-    <p:sldId id="289" r:id="rId11"/>
-    <p:sldId id="290" r:id="rId12"/>
-    <p:sldId id="291" r:id="rId13"/>
+    <p:sldId id="290" r:id="rId11"/>
+    <p:sldId id="292" r:id="rId12"/>
+    <p:sldId id="289" r:id="rId13"/>
+    <p:sldId id="291" r:id="rId14"/>
+    <p:sldId id="293" r:id="rId15"/>
+    <p:sldId id="294" r:id="rId16"/>
+    <p:sldId id="295" r:id="rId17"/>
+    <p:sldId id="296" r:id="rId18"/>
+    <p:sldId id="297" r:id="rId19"/>
   </p:sldIdLst>
   <p:sldSz cx="9144000" cy="6858000" type="screen4x3"/>
   <p:notesSz cx="6858000" cy="9144000"/>
@@ -178,1373 +184,6 @@
 <file path=ppt/changesInfos/changesInfo1.xml><?xml version="1.0" encoding="utf-8"?>
 <pc:chgInfo xmlns:a="http://schemas.openxmlformats.org/drawingml/2006/main" xmlns:r="http://schemas.openxmlformats.org/officeDocument/2006/relationships" xmlns:ac="http://schemas.microsoft.com/office/drawing/2013/main/command" xmlns:pc="http://schemas.microsoft.com/office/powerpoint/2013/main/command">
   <pc:docChgLst>
-    <pc:chgData name="Ziqing Yu" userId="76dbd0bb75f3aa62" providerId="LiveId" clId="{C00F1E2B-988F-495B-864B-01751A304B2E}"/>
-    <pc:docChg chg="undo custSel addSld delSld modSld sldOrd">
-      <pc:chgData name="Ziqing Yu" userId="76dbd0bb75f3aa62" providerId="LiveId" clId="{C00F1E2B-988F-495B-864B-01751A304B2E}" dt="2023-01-24T22:24:17.608" v="1642" actId="20577"/>
-      <pc:docMkLst>
-        <pc:docMk/>
-      </pc:docMkLst>
-      <pc:sldChg chg="modSp add del mod">
-        <pc:chgData name="Ziqing Yu" userId="76dbd0bb75f3aa62" providerId="LiveId" clId="{C00F1E2B-988F-495B-864B-01751A304B2E}" dt="2023-01-24T22:24:17.608" v="1642" actId="20577"/>
-        <pc:sldMkLst>
-          <pc:docMk/>
-          <pc:sldMk cId="0" sldId="280"/>
-        </pc:sldMkLst>
-        <pc:spChg chg="mod">
-          <ac:chgData name="Ziqing Yu" userId="76dbd0bb75f3aa62" providerId="LiveId" clId="{C00F1E2B-988F-495B-864B-01751A304B2E}" dt="2023-01-24T22:01:44.974" v="390" actId="20577"/>
-          <ac:spMkLst>
-            <pc:docMk/>
-            <pc:sldMk cId="0" sldId="280"/>
-            <ac:spMk id="3074" creationId="{D82F4DED-3F30-4446-98D1-9098F576EFB6}"/>
-          </ac:spMkLst>
-        </pc:spChg>
-        <pc:spChg chg="mod">
-          <ac:chgData name="Ziqing Yu" userId="76dbd0bb75f3aa62" providerId="LiveId" clId="{C00F1E2B-988F-495B-864B-01751A304B2E}" dt="2023-01-24T22:01:51.109" v="395" actId="20577"/>
-          <ac:spMkLst>
-            <pc:docMk/>
-            <pc:sldMk cId="0" sldId="280"/>
-            <ac:spMk id="3075" creationId="{95F9EF8D-DC87-4E6E-8A25-97BD5CBDFAD3}"/>
-          </ac:spMkLst>
-        </pc:spChg>
-        <pc:spChg chg="mod">
-          <ac:chgData name="Ziqing Yu" userId="76dbd0bb75f3aa62" providerId="LiveId" clId="{C00F1E2B-988F-495B-864B-01751A304B2E}" dt="2023-01-24T22:24:17.608" v="1642" actId="20577"/>
-          <ac:spMkLst>
-            <pc:docMk/>
-            <pc:sldMk cId="0" sldId="280"/>
-            <ac:spMk id="3076" creationId="{969AC5BE-72F8-467E-99A1-0262EF93D23C}"/>
-          </ac:spMkLst>
-        </pc:spChg>
-      </pc:sldChg>
-      <pc:sldChg chg="addSp delSp modSp mod">
-        <pc:chgData name="Ziqing Yu" userId="76dbd0bb75f3aa62" providerId="LiveId" clId="{C00F1E2B-988F-495B-864B-01751A304B2E}" dt="2023-01-24T22:13:09.878" v="955" actId="20577"/>
-        <pc:sldMkLst>
-          <pc:docMk/>
-          <pc:sldMk cId="1938784375" sldId="281"/>
-        </pc:sldMkLst>
-        <pc:spChg chg="mod">
-          <ac:chgData name="Ziqing Yu" userId="76dbd0bb75f3aa62" providerId="LiveId" clId="{C00F1E2B-988F-495B-864B-01751A304B2E}" dt="2023-01-23T20:47:15.913" v="315" actId="20577"/>
-          <ac:spMkLst>
-            <pc:docMk/>
-            <pc:sldMk cId="1938784375" sldId="281"/>
-            <ac:spMk id="2" creationId="{3D546D05-5947-1209-D580-59C6CE84F71C}"/>
-          </ac:spMkLst>
-        </pc:spChg>
-        <pc:spChg chg="add del mod">
-          <ac:chgData name="Ziqing Yu" userId="76dbd0bb75f3aa62" providerId="LiveId" clId="{C00F1E2B-988F-495B-864B-01751A304B2E}" dt="2023-01-23T20:40:21.362" v="19"/>
-          <ac:spMkLst>
-            <pc:docMk/>
-            <pc:sldMk cId="1938784375" sldId="281"/>
-            <ac:spMk id="3" creationId="{167D8DD9-F05C-D945-C360-068B13A96B76}"/>
-          </ac:spMkLst>
-        </pc:spChg>
-        <pc:spChg chg="add del mod">
-          <ac:chgData name="Ziqing Yu" userId="76dbd0bb75f3aa62" providerId="LiveId" clId="{C00F1E2B-988F-495B-864B-01751A304B2E}" dt="2023-01-24T22:06:32.309" v="401"/>
-          <ac:spMkLst>
-            <pc:docMk/>
-            <pc:sldMk cId="1938784375" sldId="281"/>
-            <ac:spMk id="3" creationId="{6B25F02A-3204-FD70-9625-25EB69AC13CE}"/>
-          </ac:spMkLst>
-        </pc:spChg>
-        <pc:spChg chg="add del mod">
-          <ac:chgData name="Ziqing Yu" userId="76dbd0bb75f3aa62" providerId="LiveId" clId="{C00F1E2B-988F-495B-864B-01751A304B2E}" dt="2023-01-24T07:40:31.789" v="346"/>
-          <ac:spMkLst>
-            <pc:docMk/>
-            <pc:sldMk cId="1938784375" sldId="281"/>
-            <ac:spMk id="3" creationId="{76CC8692-0616-9F6E-EC9F-A4A7368C648B}"/>
-          </ac:spMkLst>
-        </pc:spChg>
-        <pc:spChg chg="add mod">
-          <ac:chgData name="Ziqing Yu" userId="76dbd0bb75f3aa62" providerId="LiveId" clId="{C00F1E2B-988F-495B-864B-01751A304B2E}" dt="2023-01-24T22:13:09.878" v="955" actId="20577"/>
-          <ac:spMkLst>
-            <pc:docMk/>
-            <pc:sldMk cId="1938784375" sldId="281"/>
-            <ac:spMk id="8" creationId="{8FE952FB-D007-EACB-9B7E-9F86E08453E7}"/>
-          </ac:spMkLst>
-        </pc:spChg>
-        <pc:picChg chg="add del mod">
-          <ac:chgData name="Ziqing Yu" userId="76dbd0bb75f3aa62" providerId="LiveId" clId="{C00F1E2B-988F-495B-864B-01751A304B2E}" dt="2023-01-24T22:06:27.436" v="400" actId="478"/>
-          <ac:picMkLst>
-            <pc:docMk/>
-            <pc:sldMk cId="1938784375" sldId="281"/>
-            <ac:picMk id="6" creationId="{879E8FBF-DCC3-EEF5-8D76-156D6A6E519E}"/>
-          </ac:picMkLst>
-        </pc:picChg>
-        <pc:picChg chg="del">
-          <ac:chgData name="Ziqing Yu" userId="76dbd0bb75f3aa62" providerId="LiveId" clId="{C00F1E2B-988F-495B-864B-01751A304B2E}" dt="2023-01-23T20:40:16.285" v="17" actId="478"/>
-          <ac:picMkLst>
-            <pc:docMk/>
-            <pc:sldMk cId="1938784375" sldId="281"/>
-            <ac:picMk id="6" creationId="{C8F06D6A-C526-A1B7-AF4C-319A106E10EC}"/>
-          </ac:picMkLst>
-        </pc:picChg>
-        <pc:picChg chg="add del mod">
-          <ac:chgData name="Ziqing Yu" userId="76dbd0bb75f3aa62" providerId="LiveId" clId="{C00F1E2B-988F-495B-864B-01751A304B2E}" dt="2023-01-24T07:40:26.848" v="345" actId="478"/>
-          <ac:picMkLst>
-            <pc:docMk/>
-            <pc:sldMk cId="1938784375" sldId="281"/>
-            <ac:picMk id="7" creationId="{6939E842-0A8F-C064-ED71-AF150AF7EC5E}"/>
-          </ac:picMkLst>
-        </pc:picChg>
-        <pc:picChg chg="add mod">
-          <ac:chgData name="Ziqing Yu" userId="76dbd0bb75f3aa62" providerId="LiveId" clId="{C00F1E2B-988F-495B-864B-01751A304B2E}" dt="2023-01-24T22:06:33.595" v="404" actId="1076"/>
-          <ac:picMkLst>
-            <pc:docMk/>
-            <pc:sldMk cId="1938784375" sldId="281"/>
-            <ac:picMk id="7" creationId="{BE885932-EDA0-11BC-73BE-F41BCFE87F34}"/>
-          </ac:picMkLst>
-        </pc:picChg>
-      </pc:sldChg>
-      <pc:sldChg chg="addSp delSp modSp mod">
-        <pc:chgData name="Ziqing Yu" userId="76dbd0bb75f3aa62" providerId="LiveId" clId="{C00F1E2B-988F-495B-864B-01751A304B2E}" dt="2023-01-24T22:24:00.296" v="1629" actId="1076"/>
-        <pc:sldMkLst>
-          <pc:docMk/>
-          <pc:sldMk cId="831859171" sldId="282"/>
-        </pc:sldMkLst>
-        <pc:spChg chg="mod">
-          <ac:chgData name="Ziqing Yu" userId="76dbd0bb75f3aa62" providerId="LiveId" clId="{C00F1E2B-988F-495B-864B-01751A304B2E}" dt="2023-01-24T07:29:09.008" v="339" actId="20577"/>
-          <ac:spMkLst>
-            <pc:docMk/>
-            <pc:sldMk cId="831859171" sldId="282"/>
-            <ac:spMk id="2" creationId="{BEFA3EE9-727C-8314-2B93-54796962C99C}"/>
-          </ac:spMkLst>
-        </pc:spChg>
-        <pc:spChg chg="add del mod">
-          <ac:chgData name="Ziqing Yu" userId="76dbd0bb75f3aa62" providerId="LiveId" clId="{C00F1E2B-988F-495B-864B-01751A304B2E}" dt="2023-01-24T07:28:54.343" v="316"/>
-          <ac:spMkLst>
-            <pc:docMk/>
-            <pc:sldMk cId="831859171" sldId="282"/>
-            <ac:spMk id="3" creationId="{71320EA0-5DCE-7322-D0FE-B810A0EC4269}"/>
-          </ac:spMkLst>
-        </pc:spChg>
-        <pc:spChg chg="add del">
-          <ac:chgData name="Ziqing Yu" userId="76dbd0bb75f3aa62" providerId="LiveId" clId="{C00F1E2B-988F-495B-864B-01751A304B2E}" dt="2023-01-24T22:01:20.832" v="364" actId="22"/>
-          <ac:spMkLst>
-            <pc:docMk/>
-            <pc:sldMk cId="831859171" sldId="282"/>
-            <ac:spMk id="5" creationId="{8D0F7803-EA04-A4A9-5570-D806622F233C}"/>
-          </ac:spMkLst>
-        </pc:spChg>
-        <pc:spChg chg="add del mod">
-          <ac:chgData name="Ziqing Yu" userId="76dbd0bb75f3aa62" providerId="LiveId" clId="{C00F1E2B-988F-495B-864B-01751A304B2E}" dt="2023-01-24T22:06:37.163" v="406"/>
-          <ac:spMkLst>
-            <pc:docMk/>
-            <pc:sldMk cId="831859171" sldId="282"/>
-            <ac:spMk id="6" creationId="{A8E3EC84-BF0B-4AE0-8D3B-C109970FB67F}"/>
-          </ac:spMkLst>
-        </pc:spChg>
-        <pc:spChg chg="add del mod">
-          <ac:chgData name="Ziqing Yu" userId="76dbd0bb75f3aa62" providerId="LiveId" clId="{C00F1E2B-988F-495B-864B-01751A304B2E}" dt="2023-01-24T07:40:40.644" v="351"/>
-          <ac:spMkLst>
-            <pc:docMk/>
-            <pc:sldMk cId="831859171" sldId="282"/>
-            <ac:spMk id="7" creationId="{37F3A353-5921-206C-9CA8-BDAEA727C9BD}"/>
-          </ac:spMkLst>
-        </pc:spChg>
-        <pc:spChg chg="add mod">
-          <ac:chgData name="Ziqing Yu" userId="76dbd0bb75f3aa62" providerId="LiveId" clId="{C00F1E2B-988F-495B-864B-01751A304B2E}" dt="2023-01-24T22:24:00.296" v="1629" actId="1076"/>
-          <ac:spMkLst>
-            <pc:docMk/>
-            <pc:sldMk cId="831859171" sldId="282"/>
-            <ac:spMk id="10" creationId="{BADF6A8C-E2AF-7F3F-A50B-A24E6E5CD52A}"/>
-          </ac:spMkLst>
-        </pc:spChg>
-        <pc:picChg chg="add del mod">
-          <ac:chgData name="Ziqing Yu" userId="76dbd0bb75f3aa62" providerId="LiveId" clId="{C00F1E2B-988F-495B-864B-01751A304B2E}" dt="2023-01-24T07:40:36.609" v="350" actId="478"/>
-          <ac:picMkLst>
-            <pc:docMk/>
-            <pc:sldMk cId="831859171" sldId="282"/>
-            <ac:picMk id="6" creationId="{C541B1E0-938E-9918-8405-0B15BA1FFEBF}"/>
-          </ac:picMkLst>
-        </pc:picChg>
-        <pc:picChg chg="del">
-          <ac:chgData name="Ziqing Yu" userId="76dbd0bb75f3aa62" providerId="LiveId" clId="{C00F1E2B-988F-495B-864B-01751A304B2E}" dt="2023-01-23T20:40:17.476" v="18" actId="478"/>
-          <ac:picMkLst>
-            <pc:docMk/>
-            <pc:sldMk cId="831859171" sldId="282"/>
-            <ac:picMk id="6" creationId="{CA6B0118-9595-73C8-40F8-0FA43CA74BE0}"/>
-          </ac:picMkLst>
-        </pc:picChg>
-        <pc:picChg chg="add mod">
-          <ac:chgData name="Ziqing Yu" userId="76dbd0bb75f3aa62" providerId="LiveId" clId="{C00F1E2B-988F-495B-864B-01751A304B2E}" dt="2023-01-24T22:16:31.186" v="1241" actId="1076"/>
-          <ac:picMkLst>
-            <pc:docMk/>
-            <pc:sldMk cId="831859171" sldId="282"/>
-            <ac:picMk id="8" creationId="{37A28BC5-E518-2B40-1F27-1FA878F90AC8}"/>
-          </ac:picMkLst>
-        </pc:picChg>
-        <pc:picChg chg="add del mod">
-          <ac:chgData name="Ziqing Yu" userId="76dbd0bb75f3aa62" providerId="LiveId" clId="{C00F1E2B-988F-495B-864B-01751A304B2E}" dt="2023-01-24T22:06:35.247" v="405" actId="478"/>
-          <ac:picMkLst>
-            <pc:docMk/>
-            <pc:sldMk cId="831859171" sldId="282"/>
-            <ac:picMk id="9" creationId="{2129D0BC-8C85-56B8-A8FF-6D55C6007C71}"/>
-          </ac:picMkLst>
-        </pc:picChg>
-      </pc:sldChg>
-      <pc:sldChg chg="addSp delSp modSp new mod ord">
-        <pc:chgData name="Ziqing Yu" userId="76dbd0bb75f3aa62" providerId="LiveId" clId="{C00F1E2B-988F-495B-864B-01751A304B2E}" dt="2023-01-24T22:12:39.927" v="922" actId="20577"/>
-        <pc:sldMkLst>
-          <pc:docMk/>
-          <pc:sldMk cId="1369771716" sldId="283"/>
-        </pc:sldMkLst>
-        <pc:spChg chg="add del mod">
-          <ac:chgData name="Ziqing Yu" userId="76dbd0bb75f3aa62" providerId="LiveId" clId="{C00F1E2B-988F-495B-864B-01751A304B2E}" dt="2023-01-24T07:49:48.050" v="360"/>
-          <ac:spMkLst>
-            <pc:docMk/>
-            <pc:sldMk cId="1369771716" sldId="283"/>
-            <ac:spMk id="3" creationId="{1B7A37BB-FEA0-3487-823C-9E3523EA74DB}"/>
-          </ac:spMkLst>
-        </pc:spChg>
-        <pc:spChg chg="del">
-          <ac:chgData name="Ziqing Yu" userId="76dbd0bb75f3aa62" providerId="LiveId" clId="{C00F1E2B-988F-495B-864B-01751A304B2E}" dt="2023-01-24T07:37:32.804" v="340"/>
-          <ac:spMkLst>
-            <pc:docMk/>
-            <pc:sldMk cId="1369771716" sldId="283"/>
-            <ac:spMk id="3" creationId="{6212CEAB-E925-A5CA-9EC9-67C73DA90C8F}"/>
-          </ac:spMkLst>
-        </pc:spChg>
-        <pc:spChg chg="add del mod">
-          <ac:chgData name="Ziqing Yu" userId="76dbd0bb75f3aa62" providerId="LiveId" clId="{C00F1E2B-988F-495B-864B-01751A304B2E}" dt="2023-01-24T22:06:25.247" v="397"/>
-          <ac:spMkLst>
-            <pc:docMk/>
-            <pc:sldMk cId="1369771716" sldId="283"/>
-            <ac:spMk id="3" creationId="{EFC7FF12-2726-8A4F-4E3F-C772E84D9F56}"/>
-          </ac:spMkLst>
-        </pc:spChg>
-        <pc:spChg chg="add del mod">
-          <ac:chgData name="Ziqing Yu" userId="76dbd0bb75f3aa62" providerId="LiveId" clId="{C00F1E2B-988F-495B-864B-01751A304B2E}" dt="2023-01-24T07:40:45.279" v="355"/>
-          <ac:spMkLst>
-            <pc:docMk/>
-            <pc:sldMk cId="1369771716" sldId="283"/>
-            <ac:spMk id="7" creationId="{E226F9E3-2B9E-1C01-832A-0E772A5712B9}"/>
-          </ac:spMkLst>
-        </pc:spChg>
-        <pc:spChg chg="add del mod">
-          <ac:chgData name="Ziqing Yu" userId="76dbd0bb75f3aa62" providerId="LiveId" clId="{C00F1E2B-988F-495B-864B-01751A304B2E}" dt="2023-01-24T22:12:39.927" v="922" actId="20577"/>
-          <ac:spMkLst>
-            <pc:docMk/>
-            <pc:sldMk cId="1369771716" sldId="283"/>
-            <ac:spMk id="8" creationId="{C1C04AE6-2948-6EA5-3781-6B1B71471EDE}"/>
-          </ac:spMkLst>
-        </pc:spChg>
-        <pc:picChg chg="add del mod">
-          <ac:chgData name="Ziqing Yu" userId="76dbd0bb75f3aa62" providerId="LiveId" clId="{C00F1E2B-988F-495B-864B-01751A304B2E}" dt="2023-01-24T07:40:43.754" v="354" actId="478"/>
-          <ac:picMkLst>
-            <pc:docMk/>
-            <pc:sldMk cId="1369771716" sldId="283"/>
-            <ac:picMk id="6" creationId="{83800EAF-2EBA-2EE3-4799-0BCC42D90ABE}"/>
-          </ac:picMkLst>
-        </pc:picChg>
-        <pc:picChg chg="add del mod">
-          <ac:chgData name="Ziqing Yu" userId="76dbd0bb75f3aa62" providerId="LiveId" clId="{C00F1E2B-988F-495B-864B-01751A304B2E}" dt="2023-01-24T22:06:17.917" v="396" actId="478"/>
-          <ac:picMkLst>
-            <pc:docMk/>
-            <pc:sldMk cId="1369771716" sldId="283"/>
-            <ac:picMk id="6" creationId="{E412BA59-3B60-0DA8-9BE1-6A61F7EEF660}"/>
-          </ac:picMkLst>
-        </pc:picChg>
-        <pc:picChg chg="add mod">
-          <ac:chgData name="Ziqing Yu" userId="76dbd0bb75f3aa62" providerId="LiveId" clId="{C00F1E2B-988F-495B-864B-01751A304B2E}" dt="2023-01-24T22:11:24.594" v="807" actId="1076"/>
-          <ac:picMkLst>
-            <pc:docMk/>
-            <pc:sldMk cId="1369771716" sldId="283"/>
-            <ac:picMk id="7" creationId="{819375F3-4009-CA2F-C69B-5100E2A0F908}"/>
-          </ac:picMkLst>
-        </pc:picChg>
-        <pc:picChg chg="add del mod">
-          <ac:chgData name="Ziqing Yu" userId="76dbd0bb75f3aa62" providerId="LiveId" clId="{C00F1E2B-988F-495B-864B-01751A304B2E}" dt="2023-01-24T07:49:46.403" v="359" actId="478"/>
-          <ac:picMkLst>
-            <pc:docMk/>
-            <pc:sldMk cId="1369771716" sldId="283"/>
-            <ac:picMk id="9" creationId="{0B871FA5-FA67-7680-4E89-5644F3DCADB5}"/>
-          </ac:picMkLst>
-        </pc:picChg>
-      </pc:sldChg>
-      <pc:sldChg chg="modSp new mod ord">
-        <pc:chgData name="Ziqing Yu" userId="76dbd0bb75f3aa62" providerId="LiveId" clId="{C00F1E2B-988F-495B-864B-01751A304B2E}" dt="2023-01-24T22:12:57.834" v="951" actId="20577"/>
-        <pc:sldMkLst>
-          <pc:docMk/>
-          <pc:sldMk cId="2029808732" sldId="284"/>
-        </pc:sldMkLst>
-        <pc:spChg chg="mod">
-          <ac:chgData name="Ziqing Yu" userId="76dbd0bb75f3aa62" providerId="LiveId" clId="{C00F1E2B-988F-495B-864B-01751A304B2E}" dt="2023-01-24T22:07:10.097" v="454" actId="20577"/>
-          <ac:spMkLst>
-            <pc:docMk/>
-            <pc:sldMk cId="2029808732" sldId="284"/>
-            <ac:spMk id="2" creationId="{5CF9B908-FB4F-41D6-893C-57FAB556F4CC}"/>
-          </ac:spMkLst>
-        </pc:spChg>
-        <pc:spChg chg="mod">
-          <ac:chgData name="Ziqing Yu" userId="76dbd0bb75f3aa62" providerId="LiveId" clId="{C00F1E2B-988F-495B-864B-01751A304B2E}" dt="2023-01-24T22:12:57.834" v="951" actId="20577"/>
-          <ac:spMkLst>
-            <pc:docMk/>
-            <pc:sldMk cId="2029808732" sldId="284"/>
-            <ac:spMk id="3" creationId="{359BC6BB-813C-7EAC-7221-52586C1F141A}"/>
-          </ac:spMkLst>
-        </pc:spChg>
-      </pc:sldChg>
-      <pc:sldChg chg="addSp delSp modSp new mod">
-        <pc:chgData name="Ziqing Yu" userId="76dbd0bb75f3aa62" providerId="LiveId" clId="{C00F1E2B-988F-495B-864B-01751A304B2E}" dt="2023-01-24T22:16:15.664" v="1240" actId="20577"/>
-        <pc:sldMkLst>
-          <pc:docMk/>
-          <pc:sldMk cId="663382584" sldId="285"/>
-        </pc:sldMkLst>
-        <pc:spChg chg="mod">
-          <ac:chgData name="Ziqing Yu" userId="76dbd0bb75f3aa62" providerId="LiveId" clId="{C00F1E2B-988F-495B-864B-01751A304B2E}" dt="2023-01-24T22:16:15.664" v="1240" actId="20577"/>
-          <ac:spMkLst>
-            <pc:docMk/>
-            <pc:sldMk cId="663382584" sldId="285"/>
-            <ac:spMk id="2" creationId="{B2961A59-F36B-F3CF-82E7-579A1282CFC7}"/>
-          </ac:spMkLst>
-        </pc:spChg>
-        <pc:spChg chg="del">
-          <ac:chgData name="Ziqing Yu" userId="76dbd0bb75f3aa62" providerId="LiveId" clId="{C00F1E2B-988F-495B-864B-01751A304B2E}" dt="2023-01-24T22:13:25.915" v="957"/>
-          <ac:spMkLst>
-            <pc:docMk/>
-            <pc:sldMk cId="663382584" sldId="285"/>
-            <ac:spMk id="3" creationId="{28EB2069-865F-6A47-092D-673F3F0C4841}"/>
-          </ac:spMkLst>
-        </pc:spChg>
-        <pc:spChg chg="add mod">
-          <ac:chgData name="Ziqing Yu" userId="76dbd0bb75f3aa62" providerId="LiveId" clId="{C00F1E2B-988F-495B-864B-01751A304B2E}" dt="2023-01-24T22:16:10.097" v="1225" actId="20577"/>
-          <ac:spMkLst>
-            <pc:docMk/>
-            <pc:sldMk cId="663382584" sldId="285"/>
-            <ac:spMk id="6" creationId="{A9F8AC8E-AA70-C17D-B929-B069D85B7E3B}"/>
-          </ac:spMkLst>
-        </pc:spChg>
-        <pc:picChg chg="add mod">
-          <ac:chgData name="Ziqing Yu" userId="76dbd0bb75f3aa62" providerId="LiveId" clId="{C00F1E2B-988F-495B-864B-01751A304B2E}" dt="2023-01-24T22:13:29.058" v="959" actId="1076"/>
-          <ac:picMkLst>
-            <pc:docMk/>
-            <pc:sldMk cId="663382584" sldId="285"/>
-            <ac:picMk id="5" creationId="{9953F1AD-91EF-AFDF-DA40-A62F062D0174}"/>
-          </ac:picMkLst>
-        </pc:picChg>
-      </pc:sldChg>
-    </pc:docChg>
-  </pc:docChgLst>
-  <pc:docChgLst>
-    <pc:chgData name="Ziqing Yu" userId="76dbd0bb75f3aa62" providerId="LiveId" clId="{31473BE9-0D82-4ABB-A311-CB31F9F364DA}"/>
-    <pc:docChg chg="custSel addSld modSld sldOrd">
-      <pc:chgData name="Ziqing Yu" userId="76dbd0bb75f3aa62" providerId="LiveId" clId="{31473BE9-0D82-4ABB-A311-CB31F9F364DA}" dt="2022-11-28T12:17:32.979" v="432" actId="1076"/>
-      <pc:docMkLst>
-        <pc:docMk/>
-      </pc:docMkLst>
-      <pc:sldChg chg="addSp delSp modSp">
-        <pc:chgData name="Ziqing Yu" userId="76dbd0bb75f3aa62" providerId="LiveId" clId="{31473BE9-0D82-4ABB-A311-CB31F9F364DA}" dt="2022-11-28T11:53:41.058" v="75"/>
-        <pc:sldMkLst>
-          <pc:docMk/>
-          <pc:sldMk cId="1143448818" sldId="331"/>
-        </pc:sldMkLst>
-        <pc:spChg chg="add del mod">
-          <ac:chgData name="Ziqing Yu" userId="76dbd0bb75f3aa62" providerId="LiveId" clId="{31473BE9-0D82-4ABB-A311-CB31F9F364DA}" dt="2022-11-28T09:58:13.792" v="4"/>
-          <ac:spMkLst>
-            <pc:docMk/>
-            <pc:sldMk cId="1143448818" sldId="331"/>
-            <ac:spMk id="3" creationId="{515A6880-5681-613B-C928-7C17710861FA}"/>
-          </ac:spMkLst>
-        </pc:spChg>
-        <pc:spChg chg="add del mod">
-          <ac:chgData name="Ziqing Yu" userId="76dbd0bb75f3aa62" providerId="LiveId" clId="{31473BE9-0D82-4ABB-A311-CB31F9F364DA}" dt="2022-11-28T11:53:41.058" v="75"/>
-          <ac:spMkLst>
-            <pc:docMk/>
-            <pc:sldMk cId="1143448818" sldId="331"/>
-            <ac:spMk id="8" creationId="{2DC1B85C-5557-DDA1-85EF-9B8E62AEBE14}"/>
-          </ac:spMkLst>
-        </pc:spChg>
-        <pc:picChg chg="del">
-          <ac:chgData name="Ziqing Yu" userId="76dbd0bb75f3aa62" providerId="LiveId" clId="{31473BE9-0D82-4ABB-A311-CB31F9F364DA}" dt="2022-11-28T09:57:16.303" v="0" actId="478"/>
-          <ac:picMkLst>
-            <pc:docMk/>
-            <pc:sldMk cId="1143448818" sldId="331"/>
-            <ac:picMk id="6" creationId="{E36797CF-0C87-94B1-0BF1-1A5EC4A521EA}"/>
-          </ac:picMkLst>
-        </pc:picChg>
-        <pc:picChg chg="add del mod">
-          <ac:chgData name="Ziqing Yu" userId="76dbd0bb75f3aa62" providerId="LiveId" clId="{31473BE9-0D82-4ABB-A311-CB31F9F364DA}" dt="2022-11-28T11:53:37.347" v="74" actId="478"/>
-          <ac:picMkLst>
-            <pc:docMk/>
-            <pc:sldMk cId="1143448818" sldId="331"/>
-            <ac:picMk id="7" creationId="{65AD185A-6648-4797-8300-DC73A3DB6B36}"/>
-          </ac:picMkLst>
-        </pc:picChg>
-        <pc:picChg chg="add mod">
-          <ac:chgData name="Ziqing Yu" userId="76dbd0bb75f3aa62" providerId="LiveId" clId="{31473BE9-0D82-4ABB-A311-CB31F9F364DA}" dt="2022-11-28T11:53:41.058" v="75"/>
-          <ac:picMkLst>
-            <pc:docMk/>
-            <pc:sldMk cId="1143448818" sldId="331"/>
-            <ac:picMk id="10" creationId="{895C56A5-4D66-140E-04CC-200CEC6B33BD}"/>
-          </ac:picMkLst>
-        </pc:picChg>
-      </pc:sldChg>
-      <pc:sldChg chg="addSp delSp modSp">
-        <pc:chgData name="Ziqing Yu" userId="76dbd0bb75f3aa62" providerId="LiveId" clId="{31473BE9-0D82-4ABB-A311-CB31F9F364DA}" dt="2022-11-28T11:54:06.389" v="79"/>
-        <pc:sldMkLst>
-          <pc:docMk/>
-          <pc:sldMk cId="2308039067" sldId="332"/>
-        </pc:sldMkLst>
-        <pc:spChg chg="add del mod">
-          <ac:chgData name="Ziqing Yu" userId="76dbd0bb75f3aa62" providerId="LiveId" clId="{31473BE9-0D82-4ABB-A311-CB31F9F364DA}" dt="2022-11-28T09:58:23.357" v="5"/>
-          <ac:spMkLst>
-            <pc:docMk/>
-            <pc:sldMk cId="2308039067" sldId="332"/>
-            <ac:spMk id="3" creationId="{70B0C9CD-0EB5-1EC5-EA4F-2A030F23D47B}"/>
-          </ac:spMkLst>
-        </pc:spChg>
-        <pc:spChg chg="add del mod">
-          <ac:chgData name="Ziqing Yu" userId="76dbd0bb75f3aa62" providerId="LiveId" clId="{31473BE9-0D82-4ABB-A311-CB31F9F364DA}" dt="2022-11-28T11:53:48.213" v="77"/>
-          <ac:spMkLst>
-            <pc:docMk/>
-            <pc:sldMk cId="2308039067" sldId="332"/>
-            <ac:spMk id="8" creationId="{E43BF0C1-9DEC-465D-8415-3769EB5770F6}"/>
-          </ac:spMkLst>
-        </pc:spChg>
-        <pc:spChg chg="add del mod">
-          <ac:chgData name="Ziqing Yu" userId="76dbd0bb75f3aa62" providerId="LiveId" clId="{31473BE9-0D82-4ABB-A311-CB31F9F364DA}" dt="2022-11-28T11:54:06.389" v="79"/>
-          <ac:spMkLst>
-            <pc:docMk/>
-            <pc:sldMk cId="2308039067" sldId="332"/>
-            <ac:spMk id="11" creationId="{ABABF254-C6A2-35B4-553A-2DE058F198B2}"/>
-          </ac:spMkLst>
-        </pc:spChg>
-        <pc:picChg chg="del">
-          <ac:chgData name="Ziqing Yu" userId="76dbd0bb75f3aa62" providerId="LiveId" clId="{31473BE9-0D82-4ABB-A311-CB31F9F364DA}" dt="2022-11-28T09:57:18.282" v="1" actId="478"/>
-          <ac:picMkLst>
-            <pc:docMk/>
-            <pc:sldMk cId="2308039067" sldId="332"/>
-            <ac:picMk id="6" creationId="{AB2452CF-75E4-9C1B-2B8E-6A18725F7890}"/>
-          </ac:picMkLst>
-        </pc:picChg>
-        <pc:picChg chg="add del mod">
-          <ac:chgData name="Ziqing Yu" userId="76dbd0bb75f3aa62" providerId="LiveId" clId="{31473BE9-0D82-4ABB-A311-CB31F9F364DA}" dt="2022-11-28T11:53:46.087" v="76" actId="478"/>
-          <ac:picMkLst>
-            <pc:docMk/>
-            <pc:sldMk cId="2308039067" sldId="332"/>
-            <ac:picMk id="7" creationId="{41DD7833-6D13-E8B1-1935-158AC36556E1}"/>
-          </ac:picMkLst>
-        </pc:picChg>
-        <pc:picChg chg="add del mod">
-          <ac:chgData name="Ziqing Yu" userId="76dbd0bb75f3aa62" providerId="LiveId" clId="{31473BE9-0D82-4ABB-A311-CB31F9F364DA}" dt="2022-11-28T11:54:05.009" v="78" actId="478"/>
-          <ac:picMkLst>
-            <pc:docMk/>
-            <pc:sldMk cId="2308039067" sldId="332"/>
-            <ac:picMk id="10" creationId="{250A259D-817E-99A7-6A5E-F8EA8D25056C}"/>
-          </ac:picMkLst>
-        </pc:picChg>
-        <pc:picChg chg="add mod">
-          <ac:chgData name="Ziqing Yu" userId="76dbd0bb75f3aa62" providerId="LiveId" clId="{31473BE9-0D82-4ABB-A311-CB31F9F364DA}" dt="2022-11-28T11:54:06.389" v="79"/>
-          <ac:picMkLst>
-            <pc:docMk/>
-            <pc:sldMk cId="2308039067" sldId="332"/>
-            <ac:picMk id="13" creationId="{1EA2E59E-5B82-B801-EA18-95455E7569D4}"/>
-          </ac:picMkLst>
-        </pc:picChg>
-      </pc:sldChg>
-      <pc:sldChg chg="addSp delSp modSp">
-        <pc:chgData name="Ziqing Yu" userId="76dbd0bb75f3aa62" providerId="LiveId" clId="{31473BE9-0D82-4ABB-A311-CB31F9F364DA}" dt="2022-11-28T11:55:58.715" v="81"/>
-        <pc:sldMkLst>
-          <pc:docMk/>
-          <pc:sldMk cId="3235998305" sldId="333"/>
-        </pc:sldMkLst>
-        <pc:spChg chg="add del mod">
-          <ac:chgData name="Ziqing Yu" userId="76dbd0bb75f3aa62" providerId="LiveId" clId="{31473BE9-0D82-4ABB-A311-CB31F9F364DA}" dt="2022-11-28T09:58:30.739" v="6"/>
-          <ac:spMkLst>
-            <pc:docMk/>
-            <pc:sldMk cId="3235998305" sldId="333"/>
-            <ac:spMk id="3" creationId="{0818C924-39F0-A7B5-3B9E-4D7A1F5BF66C}"/>
-          </ac:spMkLst>
-        </pc:spChg>
-        <pc:spChg chg="add del mod">
-          <ac:chgData name="Ziqing Yu" userId="76dbd0bb75f3aa62" providerId="LiveId" clId="{31473BE9-0D82-4ABB-A311-CB31F9F364DA}" dt="2022-11-28T11:55:58.715" v="81"/>
-          <ac:spMkLst>
-            <pc:docMk/>
-            <pc:sldMk cId="3235998305" sldId="333"/>
-            <ac:spMk id="8" creationId="{5D7CAE46-E851-EAC2-603E-76A533807E75}"/>
-          </ac:spMkLst>
-        </pc:spChg>
-        <pc:picChg chg="del">
-          <ac:chgData name="Ziqing Yu" userId="76dbd0bb75f3aa62" providerId="LiveId" clId="{31473BE9-0D82-4ABB-A311-CB31F9F364DA}" dt="2022-11-28T09:57:20.156" v="2" actId="478"/>
-          <ac:picMkLst>
-            <pc:docMk/>
-            <pc:sldMk cId="3235998305" sldId="333"/>
-            <ac:picMk id="6" creationId="{9A07E448-944D-8A1D-9D89-BD88E38243EC}"/>
-          </ac:picMkLst>
-        </pc:picChg>
-        <pc:picChg chg="add del mod">
-          <ac:chgData name="Ziqing Yu" userId="76dbd0bb75f3aa62" providerId="LiveId" clId="{31473BE9-0D82-4ABB-A311-CB31F9F364DA}" dt="2022-11-28T11:55:53.084" v="80" actId="478"/>
-          <ac:picMkLst>
-            <pc:docMk/>
-            <pc:sldMk cId="3235998305" sldId="333"/>
-            <ac:picMk id="7" creationId="{9D3D4FC1-CD6E-7C05-BD61-55E047C567DE}"/>
-          </ac:picMkLst>
-        </pc:picChg>
-        <pc:picChg chg="add mod">
-          <ac:chgData name="Ziqing Yu" userId="76dbd0bb75f3aa62" providerId="LiveId" clId="{31473BE9-0D82-4ABB-A311-CB31F9F364DA}" dt="2022-11-28T11:55:58.715" v="81"/>
-          <ac:picMkLst>
-            <pc:docMk/>
-            <pc:sldMk cId="3235998305" sldId="333"/>
-            <ac:picMk id="10" creationId="{589D8906-6CC5-AE18-D501-1F906DBA2E59}"/>
-          </ac:picMkLst>
-        </pc:picChg>
-      </pc:sldChg>
-      <pc:sldChg chg="addSp delSp modSp">
-        <pc:chgData name="Ziqing Yu" userId="76dbd0bb75f3aa62" providerId="LiveId" clId="{31473BE9-0D82-4ABB-A311-CB31F9F364DA}" dt="2022-11-28T11:56:02.218" v="83"/>
-        <pc:sldMkLst>
-          <pc:docMk/>
-          <pc:sldMk cId="2542230651" sldId="334"/>
-        </pc:sldMkLst>
-        <pc:spChg chg="add del mod">
-          <ac:chgData name="Ziqing Yu" userId="76dbd0bb75f3aa62" providerId="LiveId" clId="{31473BE9-0D82-4ABB-A311-CB31F9F364DA}" dt="2022-11-28T09:58:40.525" v="7"/>
-          <ac:spMkLst>
-            <pc:docMk/>
-            <pc:sldMk cId="2542230651" sldId="334"/>
-            <ac:spMk id="3" creationId="{38740C02-63DD-15D3-759E-A491FD5C937D}"/>
-          </ac:spMkLst>
-        </pc:spChg>
-        <pc:spChg chg="add del mod">
-          <ac:chgData name="Ziqing Yu" userId="76dbd0bb75f3aa62" providerId="LiveId" clId="{31473BE9-0D82-4ABB-A311-CB31F9F364DA}" dt="2022-11-28T11:56:02.218" v="83"/>
-          <ac:spMkLst>
-            <pc:docMk/>
-            <pc:sldMk cId="2542230651" sldId="334"/>
-            <ac:spMk id="8" creationId="{33EFAC18-992D-9E56-1454-793B8524999A}"/>
-          </ac:spMkLst>
-        </pc:spChg>
-        <pc:picChg chg="del">
-          <ac:chgData name="Ziqing Yu" userId="76dbd0bb75f3aa62" providerId="LiveId" clId="{31473BE9-0D82-4ABB-A311-CB31F9F364DA}" dt="2022-11-28T09:57:21.581" v="3" actId="478"/>
-          <ac:picMkLst>
-            <pc:docMk/>
-            <pc:sldMk cId="2542230651" sldId="334"/>
-            <ac:picMk id="6" creationId="{A73D9CFB-70AB-C648-7CA2-87A2A4B9BDDF}"/>
-          </ac:picMkLst>
-        </pc:picChg>
-        <pc:picChg chg="add del mod">
-          <ac:chgData name="Ziqing Yu" userId="76dbd0bb75f3aa62" providerId="LiveId" clId="{31473BE9-0D82-4ABB-A311-CB31F9F364DA}" dt="2022-11-28T11:56:00.352" v="82" actId="478"/>
-          <ac:picMkLst>
-            <pc:docMk/>
-            <pc:sldMk cId="2542230651" sldId="334"/>
-            <ac:picMk id="7" creationId="{992CD2A4-2020-DB92-558B-6FF4236CFAEA}"/>
-          </ac:picMkLst>
-        </pc:picChg>
-        <pc:picChg chg="add mod">
-          <ac:chgData name="Ziqing Yu" userId="76dbd0bb75f3aa62" providerId="LiveId" clId="{31473BE9-0D82-4ABB-A311-CB31F9F364DA}" dt="2022-11-28T11:56:02.218" v="83"/>
-          <ac:picMkLst>
-            <pc:docMk/>
-            <pc:sldMk cId="2542230651" sldId="334"/>
-            <ac:picMk id="10" creationId="{266AC3CF-29CF-D1E1-1506-31C5C5A70E15}"/>
-          </ac:picMkLst>
-        </pc:picChg>
-      </pc:sldChg>
-      <pc:sldChg chg="addSp delSp modSp">
-        <pc:chgData name="Ziqing Yu" userId="76dbd0bb75f3aa62" providerId="LiveId" clId="{31473BE9-0D82-4ABB-A311-CB31F9F364DA}" dt="2022-11-28T11:56:25.313" v="89"/>
-        <pc:sldMkLst>
-          <pc:docMk/>
-          <pc:sldMk cId="1093912996" sldId="335"/>
-        </pc:sldMkLst>
-        <pc:spChg chg="add del mod">
-          <ac:chgData name="Ziqing Yu" userId="76dbd0bb75f3aa62" providerId="LiveId" clId="{31473BE9-0D82-4ABB-A311-CB31F9F364DA}" dt="2022-11-28T09:59:18.479" v="42"/>
-          <ac:spMkLst>
-            <pc:docMk/>
-            <pc:sldMk cId="1093912996" sldId="335"/>
-            <ac:spMk id="3" creationId="{C8198042-F23C-2073-EFDD-293B67B427A8}"/>
-          </ac:spMkLst>
-        </pc:spChg>
-        <pc:spChg chg="add del mod">
-          <ac:chgData name="Ziqing Yu" userId="76dbd0bb75f3aa62" providerId="LiveId" clId="{31473BE9-0D82-4ABB-A311-CB31F9F364DA}" dt="2022-11-28T11:56:25.313" v="89"/>
-          <ac:spMkLst>
-            <pc:docMk/>
-            <pc:sldMk cId="1093912996" sldId="335"/>
-            <ac:spMk id="8" creationId="{6B4D7261-11F7-8808-7E74-DE8B1C9D71E6}"/>
-          </ac:spMkLst>
-        </pc:spChg>
-        <pc:picChg chg="del">
-          <ac:chgData name="Ziqing Yu" userId="76dbd0bb75f3aa62" providerId="LiveId" clId="{31473BE9-0D82-4ABB-A311-CB31F9F364DA}" dt="2022-11-28T09:58:43.675" v="8" actId="478"/>
-          <ac:picMkLst>
-            <pc:docMk/>
-            <pc:sldMk cId="1093912996" sldId="335"/>
-            <ac:picMk id="6" creationId="{4B7C3BBC-773F-7FD6-3F75-7E7CD4050D96}"/>
-          </ac:picMkLst>
-        </pc:picChg>
-        <pc:picChg chg="add del mod">
-          <ac:chgData name="Ziqing Yu" userId="76dbd0bb75f3aa62" providerId="LiveId" clId="{31473BE9-0D82-4ABB-A311-CB31F9F364DA}" dt="2022-11-28T11:56:21.009" v="88" actId="478"/>
-          <ac:picMkLst>
-            <pc:docMk/>
-            <pc:sldMk cId="1093912996" sldId="335"/>
-            <ac:picMk id="7" creationId="{7C034ED8-5DE6-1F23-2D3D-FAF394C4E109}"/>
-          </ac:picMkLst>
-        </pc:picChg>
-        <pc:picChg chg="add mod">
-          <ac:chgData name="Ziqing Yu" userId="76dbd0bb75f3aa62" providerId="LiveId" clId="{31473BE9-0D82-4ABB-A311-CB31F9F364DA}" dt="2022-11-28T11:56:25.313" v="89"/>
-          <ac:picMkLst>
-            <pc:docMk/>
-            <pc:sldMk cId="1093912996" sldId="335"/>
-            <ac:picMk id="10" creationId="{5448A35C-BA44-B9B2-6467-EE82AF3578F6}"/>
-          </ac:picMkLst>
-        </pc:picChg>
-      </pc:sldChg>
-      <pc:sldChg chg="addSp delSp modSp">
-        <pc:chgData name="Ziqing Yu" userId="76dbd0bb75f3aa62" providerId="LiveId" clId="{31473BE9-0D82-4ABB-A311-CB31F9F364DA}" dt="2022-11-28T11:56:30.650" v="91"/>
-        <pc:sldMkLst>
-          <pc:docMk/>
-          <pc:sldMk cId="865096269" sldId="336"/>
-        </pc:sldMkLst>
-        <pc:spChg chg="add del mod">
-          <ac:chgData name="Ziqing Yu" userId="76dbd0bb75f3aa62" providerId="LiveId" clId="{31473BE9-0D82-4ABB-A311-CB31F9F364DA}" dt="2022-11-28T09:59:23.299" v="43"/>
-          <ac:spMkLst>
-            <pc:docMk/>
-            <pc:sldMk cId="865096269" sldId="336"/>
-            <ac:spMk id="3" creationId="{C18E66B5-1C4F-670C-FE70-BAA182CEB97F}"/>
-          </ac:spMkLst>
-        </pc:spChg>
-        <pc:spChg chg="add del mod">
-          <ac:chgData name="Ziqing Yu" userId="76dbd0bb75f3aa62" providerId="LiveId" clId="{31473BE9-0D82-4ABB-A311-CB31F9F364DA}" dt="2022-11-28T11:56:30.650" v="91"/>
-          <ac:spMkLst>
-            <pc:docMk/>
-            <pc:sldMk cId="865096269" sldId="336"/>
-            <ac:spMk id="8" creationId="{1EDB8D48-7858-FC8C-C074-799307CACBC3}"/>
-          </ac:spMkLst>
-        </pc:spChg>
-        <pc:picChg chg="del">
-          <ac:chgData name="Ziqing Yu" userId="76dbd0bb75f3aa62" providerId="LiveId" clId="{31473BE9-0D82-4ABB-A311-CB31F9F364DA}" dt="2022-11-28T09:58:45.355" v="9" actId="478"/>
-          <ac:picMkLst>
-            <pc:docMk/>
-            <pc:sldMk cId="865096269" sldId="336"/>
-            <ac:picMk id="6" creationId="{C07E94F7-35C7-609A-926A-8CB008CBA15A}"/>
-          </ac:picMkLst>
-        </pc:picChg>
-        <pc:picChg chg="add del mod">
-          <ac:chgData name="Ziqing Yu" userId="76dbd0bb75f3aa62" providerId="LiveId" clId="{31473BE9-0D82-4ABB-A311-CB31F9F364DA}" dt="2022-11-28T11:56:28.121" v="90" actId="478"/>
-          <ac:picMkLst>
-            <pc:docMk/>
-            <pc:sldMk cId="865096269" sldId="336"/>
-            <ac:picMk id="7" creationId="{AA9D7BDF-1117-1888-581B-8A930EBC82BD}"/>
-          </ac:picMkLst>
-        </pc:picChg>
-        <pc:picChg chg="add mod">
-          <ac:chgData name="Ziqing Yu" userId="76dbd0bb75f3aa62" providerId="LiveId" clId="{31473BE9-0D82-4ABB-A311-CB31F9F364DA}" dt="2022-11-28T11:56:30.650" v="91"/>
-          <ac:picMkLst>
-            <pc:docMk/>
-            <pc:sldMk cId="865096269" sldId="336"/>
-            <ac:picMk id="10" creationId="{5D697B87-8FC5-8F9E-BB87-E28AE0BC0C24}"/>
-          </ac:picMkLst>
-        </pc:picChg>
-      </pc:sldChg>
-      <pc:sldChg chg="addSp delSp modSp mod">
-        <pc:chgData name="Ziqing Yu" userId="76dbd0bb75f3aa62" providerId="LiveId" clId="{31473BE9-0D82-4ABB-A311-CB31F9F364DA}" dt="2022-11-28T12:06:39.792" v="310" actId="404"/>
-        <pc:sldMkLst>
-          <pc:docMk/>
-          <pc:sldMk cId="771101650" sldId="337"/>
-        </pc:sldMkLst>
-        <pc:spChg chg="add del mod">
-          <ac:chgData name="Ziqing Yu" userId="76dbd0bb75f3aa62" providerId="LiveId" clId="{31473BE9-0D82-4ABB-A311-CB31F9F364DA}" dt="2022-11-28T09:59:40.676" v="44"/>
-          <ac:spMkLst>
-            <pc:docMk/>
-            <pc:sldMk cId="771101650" sldId="337"/>
-            <ac:spMk id="3" creationId="{F7129D25-F3D3-AF7C-2980-089BB300F76F}"/>
-          </ac:spMkLst>
-        </pc:spChg>
-        <pc:spChg chg="mod">
-          <ac:chgData name="Ziqing Yu" userId="76dbd0bb75f3aa62" providerId="LiveId" clId="{31473BE9-0D82-4ABB-A311-CB31F9F364DA}" dt="2022-11-28T12:05:07.855" v="282" actId="1076"/>
-          <ac:spMkLst>
-            <pc:docMk/>
-            <pc:sldMk cId="771101650" sldId="337"/>
-            <ac:spMk id="4" creationId="{4A63128B-3CE0-EF46-C06D-78099419E853}"/>
-          </ac:spMkLst>
-        </pc:spChg>
-        <pc:spChg chg="add del mod">
-          <ac:chgData name="Ziqing Yu" userId="76dbd0bb75f3aa62" providerId="LiveId" clId="{31473BE9-0D82-4ABB-A311-CB31F9F364DA}" dt="2022-11-28T11:56:35.715" v="93"/>
-          <ac:spMkLst>
-            <pc:docMk/>
-            <pc:sldMk cId="771101650" sldId="337"/>
-            <ac:spMk id="8" creationId="{CD3316D2-21EF-6924-8346-FB4CAFF1553A}"/>
-          </ac:spMkLst>
-        </pc:spChg>
-        <pc:spChg chg="add mod">
-          <ac:chgData name="Ziqing Yu" userId="76dbd0bb75f3aa62" providerId="LiveId" clId="{31473BE9-0D82-4ABB-A311-CB31F9F364DA}" dt="2022-11-28T12:06:39.792" v="310" actId="404"/>
-          <ac:spMkLst>
-            <pc:docMk/>
-            <pc:sldMk cId="771101650" sldId="337"/>
-            <ac:spMk id="11" creationId="{544BB1EA-0B70-401D-B0F0-6157239155E8}"/>
-          </ac:spMkLst>
-        </pc:spChg>
-        <pc:picChg chg="del">
-          <ac:chgData name="Ziqing Yu" userId="76dbd0bb75f3aa62" providerId="LiveId" clId="{31473BE9-0D82-4ABB-A311-CB31F9F364DA}" dt="2022-11-28T09:58:46.952" v="10" actId="478"/>
-          <ac:picMkLst>
-            <pc:docMk/>
-            <pc:sldMk cId="771101650" sldId="337"/>
-            <ac:picMk id="6" creationId="{E9F17CBF-420C-F7AD-ED80-1D64129048A1}"/>
-          </ac:picMkLst>
-        </pc:picChg>
-        <pc:picChg chg="add del mod">
-          <ac:chgData name="Ziqing Yu" userId="76dbd0bb75f3aa62" providerId="LiveId" clId="{31473BE9-0D82-4ABB-A311-CB31F9F364DA}" dt="2022-11-28T11:56:33.786" v="92" actId="478"/>
-          <ac:picMkLst>
-            <pc:docMk/>
-            <pc:sldMk cId="771101650" sldId="337"/>
-            <ac:picMk id="7" creationId="{9170DBED-59D8-C5B7-3F40-2D99A4562562}"/>
-          </ac:picMkLst>
-        </pc:picChg>
-        <pc:picChg chg="add mod">
-          <ac:chgData name="Ziqing Yu" userId="76dbd0bb75f3aa62" providerId="LiveId" clId="{31473BE9-0D82-4ABB-A311-CB31F9F364DA}" dt="2022-11-28T11:56:35.715" v="93"/>
-          <ac:picMkLst>
-            <pc:docMk/>
-            <pc:sldMk cId="771101650" sldId="337"/>
-            <ac:picMk id="10" creationId="{8E2ED661-6EA3-5136-BC6D-DA55864EF0BB}"/>
-          </ac:picMkLst>
-        </pc:picChg>
-      </pc:sldChg>
-      <pc:sldChg chg="addSp delSp modSp">
-        <pc:chgData name="Ziqing Yu" userId="76dbd0bb75f3aa62" providerId="LiveId" clId="{31473BE9-0D82-4ABB-A311-CB31F9F364DA}" dt="2022-11-28T11:56:40.688" v="95"/>
-        <pc:sldMkLst>
-          <pc:docMk/>
-          <pc:sldMk cId="397777219" sldId="338"/>
-        </pc:sldMkLst>
-        <pc:spChg chg="add del mod">
-          <ac:chgData name="Ziqing Yu" userId="76dbd0bb75f3aa62" providerId="LiveId" clId="{31473BE9-0D82-4ABB-A311-CB31F9F364DA}" dt="2022-11-28T10:02:28.018" v="45"/>
-          <ac:spMkLst>
-            <pc:docMk/>
-            <pc:sldMk cId="397777219" sldId="338"/>
-            <ac:spMk id="3" creationId="{C720AADB-57C5-3F17-5D20-6B0385FC3FF5}"/>
-          </ac:spMkLst>
-        </pc:spChg>
-        <pc:spChg chg="add del mod">
-          <ac:chgData name="Ziqing Yu" userId="76dbd0bb75f3aa62" providerId="LiveId" clId="{31473BE9-0D82-4ABB-A311-CB31F9F364DA}" dt="2022-11-28T11:56:40.688" v="95"/>
-          <ac:spMkLst>
-            <pc:docMk/>
-            <pc:sldMk cId="397777219" sldId="338"/>
-            <ac:spMk id="8" creationId="{7A5BF87F-4567-ED9F-2746-0E9FFB29752C}"/>
-          </ac:spMkLst>
-        </pc:spChg>
-        <pc:picChg chg="del">
-          <ac:chgData name="Ziqing Yu" userId="76dbd0bb75f3aa62" providerId="LiveId" clId="{31473BE9-0D82-4ABB-A311-CB31F9F364DA}" dt="2022-11-28T09:58:48.393" v="11" actId="478"/>
-          <ac:picMkLst>
-            <pc:docMk/>
-            <pc:sldMk cId="397777219" sldId="338"/>
-            <ac:picMk id="6" creationId="{453EA8A3-4C46-4FB1-8BD2-AF4F2E2C3FC3}"/>
-          </ac:picMkLst>
-        </pc:picChg>
-        <pc:picChg chg="add del mod">
-          <ac:chgData name="Ziqing Yu" userId="76dbd0bb75f3aa62" providerId="LiveId" clId="{31473BE9-0D82-4ABB-A311-CB31F9F364DA}" dt="2022-11-28T11:56:37.903" v="94" actId="478"/>
-          <ac:picMkLst>
-            <pc:docMk/>
-            <pc:sldMk cId="397777219" sldId="338"/>
-            <ac:picMk id="7" creationId="{7528C4D8-0E1A-2BCD-42D3-169339ECBB5D}"/>
-          </ac:picMkLst>
-        </pc:picChg>
-        <pc:picChg chg="add mod">
-          <ac:chgData name="Ziqing Yu" userId="76dbd0bb75f3aa62" providerId="LiveId" clId="{31473BE9-0D82-4ABB-A311-CB31F9F364DA}" dt="2022-11-28T11:56:40.688" v="95"/>
-          <ac:picMkLst>
-            <pc:docMk/>
-            <pc:sldMk cId="397777219" sldId="338"/>
-            <ac:picMk id="10" creationId="{250BA0DA-2805-4D2B-AF49-58757653DD4C}"/>
-          </ac:picMkLst>
-        </pc:picChg>
-      </pc:sldChg>
-      <pc:sldChg chg="addSp delSp modSp">
-        <pc:chgData name="Ziqing Yu" userId="76dbd0bb75f3aa62" providerId="LiveId" clId="{31473BE9-0D82-4ABB-A311-CB31F9F364DA}" dt="2022-11-28T12:00:11.527" v="101"/>
-        <pc:sldMkLst>
-          <pc:docMk/>
-          <pc:sldMk cId="3074370798" sldId="339"/>
-        </pc:sldMkLst>
-        <pc:spChg chg="add del mod">
-          <ac:chgData name="Ziqing Yu" userId="76dbd0bb75f3aa62" providerId="LiveId" clId="{31473BE9-0D82-4ABB-A311-CB31F9F364DA}" dt="2022-11-28T10:04:08.656" v="61"/>
-          <ac:spMkLst>
-            <pc:docMk/>
-            <pc:sldMk cId="3074370798" sldId="339"/>
-            <ac:spMk id="3" creationId="{6345BA41-86D6-0701-7D6E-267CD73CC211}"/>
-          </ac:spMkLst>
-        </pc:spChg>
-        <pc:spChg chg="add del mod">
-          <ac:chgData name="Ziqing Yu" userId="76dbd0bb75f3aa62" providerId="LiveId" clId="{31473BE9-0D82-4ABB-A311-CB31F9F364DA}" dt="2022-11-28T12:00:11.527" v="101"/>
-          <ac:spMkLst>
-            <pc:docMk/>
-            <pc:sldMk cId="3074370798" sldId="339"/>
-            <ac:spMk id="8" creationId="{D0361286-C215-AE0A-9EAA-BF1182BC774F}"/>
-          </ac:spMkLst>
-        </pc:spChg>
-        <pc:picChg chg="del">
-          <ac:chgData name="Ziqing Yu" userId="76dbd0bb75f3aa62" providerId="LiveId" clId="{31473BE9-0D82-4ABB-A311-CB31F9F364DA}" dt="2022-11-28T10:02:56.780" v="47" actId="478"/>
-          <ac:picMkLst>
-            <pc:docMk/>
-            <pc:sldMk cId="3074370798" sldId="339"/>
-            <ac:picMk id="6" creationId="{C253CD45-05B4-A617-D859-9311FB91B7B8}"/>
-          </ac:picMkLst>
-        </pc:picChg>
-        <pc:picChg chg="add del mod">
-          <ac:chgData name="Ziqing Yu" userId="76dbd0bb75f3aa62" providerId="LiveId" clId="{31473BE9-0D82-4ABB-A311-CB31F9F364DA}" dt="2022-11-28T12:00:07.016" v="100" actId="478"/>
-          <ac:picMkLst>
-            <pc:docMk/>
-            <pc:sldMk cId="3074370798" sldId="339"/>
-            <ac:picMk id="7" creationId="{214729FB-B7AD-2E17-6514-678E240DF2BA}"/>
-          </ac:picMkLst>
-        </pc:picChg>
-        <pc:picChg chg="add mod">
-          <ac:chgData name="Ziqing Yu" userId="76dbd0bb75f3aa62" providerId="LiveId" clId="{31473BE9-0D82-4ABB-A311-CB31F9F364DA}" dt="2022-11-28T12:00:11.527" v="101"/>
-          <ac:picMkLst>
-            <pc:docMk/>
-            <pc:sldMk cId="3074370798" sldId="339"/>
-            <ac:picMk id="10" creationId="{BFC187BE-1477-7C92-6FDF-928BB5648590}"/>
-          </ac:picMkLst>
-        </pc:picChg>
-      </pc:sldChg>
-      <pc:sldChg chg="addSp delSp modSp">
-        <pc:chgData name="Ziqing Yu" userId="76dbd0bb75f3aa62" providerId="LiveId" clId="{31473BE9-0D82-4ABB-A311-CB31F9F364DA}" dt="2022-11-28T12:00:20.464" v="103"/>
-        <pc:sldMkLst>
-          <pc:docMk/>
-          <pc:sldMk cId="3153467899" sldId="340"/>
-        </pc:sldMkLst>
-        <pc:spChg chg="add del mod">
-          <ac:chgData name="Ziqing Yu" userId="76dbd0bb75f3aa62" providerId="LiveId" clId="{31473BE9-0D82-4ABB-A311-CB31F9F364DA}" dt="2022-11-28T10:04:14.909" v="62"/>
-          <ac:spMkLst>
-            <pc:docMk/>
-            <pc:sldMk cId="3153467899" sldId="340"/>
-            <ac:spMk id="3" creationId="{F351FF12-6C09-4776-099A-A37FA381DF76}"/>
-          </ac:spMkLst>
-        </pc:spChg>
-        <pc:spChg chg="add del mod">
-          <ac:chgData name="Ziqing Yu" userId="76dbd0bb75f3aa62" providerId="LiveId" clId="{31473BE9-0D82-4ABB-A311-CB31F9F364DA}" dt="2022-11-28T12:00:20.464" v="103"/>
-          <ac:spMkLst>
-            <pc:docMk/>
-            <pc:sldMk cId="3153467899" sldId="340"/>
-            <ac:spMk id="8" creationId="{3295EBF3-5D25-7F00-1CBF-9450D9368830}"/>
-          </ac:spMkLst>
-        </pc:spChg>
-        <pc:picChg chg="del">
-          <ac:chgData name="Ziqing Yu" userId="76dbd0bb75f3aa62" providerId="LiveId" clId="{31473BE9-0D82-4ABB-A311-CB31F9F364DA}" dt="2022-11-28T10:02:58.756" v="48" actId="478"/>
-          <ac:picMkLst>
-            <pc:docMk/>
-            <pc:sldMk cId="3153467899" sldId="340"/>
-            <ac:picMk id="6" creationId="{3AD9C9A4-89A7-C8DF-DD57-58AB7596A34E}"/>
-          </ac:picMkLst>
-        </pc:picChg>
-        <pc:picChg chg="add del mod">
-          <ac:chgData name="Ziqing Yu" userId="76dbd0bb75f3aa62" providerId="LiveId" clId="{31473BE9-0D82-4ABB-A311-CB31F9F364DA}" dt="2022-11-28T12:00:16.241" v="102" actId="478"/>
-          <ac:picMkLst>
-            <pc:docMk/>
-            <pc:sldMk cId="3153467899" sldId="340"/>
-            <ac:picMk id="7" creationId="{6B1E1EBC-3181-223F-A37E-E1546793B136}"/>
-          </ac:picMkLst>
-        </pc:picChg>
-        <pc:picChg chg="add mod">
-          <ac:chgData name="Ziqing Yu" userId="76dbd0bb75f3aa62" providerId="LiveId" clId="{31473BE9-0D82-4ABB-A311-CB31F9F364DA}" dt="2022-11-28T12:00:20.464" v="103"/>
-          <ac:picMkLst>
-            <pc:docMk/>
-            <pc:sldMk cId="3153467899" sldId="340"/>
-            <ac:picMk id="10" creationId="{D77F68D8-D2BB-130F-D5E6-C067731112CE}"/>
-          </ac:picMkLst>
-        </pc:picChg>
-      </pc:sldChg>
-      <pc:sldChg chg="addSp delSp modSp">
-        <pc:chgData name="Ziqing Yu" userId="76dbd0bb75f3aa62" providerId="LiveId" clId="{31473BE9-0D82-4ABB-A311-CB31F9F364DA}" dt="2022-11-28T12:00:26.799" v="105"/>
-        <pc:sldMkLst>
-          <pc:docMk/>
-          <pc:sldMk cId="2180464758" sldId="341"/>
-        </pc:sldMkLst>
-        <pc:spChg chg="add del mod">
-          <ac:chgData name="Ziqing Yu" userId="76dbd0bb75f3aa62" providerId="LiveId" clId="{31473BE9-0D82-4ABB-A311-CB31F9F364DA}" dt="2022-11-28T10:04:24.043" v="63"/>
-          <ac:spMkLst>
-            <pc:docMk/>
-            <pc:sldMk cId="2180464758" sldId="341"/>
-            <ac:spMk id="3" creationId="{4288367A-FB5B-14C8-2533-2B6030738B14}"/>
-          </ac:spMkLst>
-        </pc:spChg>
-        <pc:spChg chg="add del mod">
-          <ac:chgData name="Ziqing Yu" userId="76dbd0bb75f3aa62" providerId="LiveId" clId="{31473BE9-0D82-4ABB-A311-CB31F9F364DA}" dt="2022-11-28T12:00:26.799" v="105"/>
-          <ac:spMkLst>
-            <pc:docMk/>
-            <pc:sldMk cId="2180464758" sldId="341"/>
-            <ac:spMk id="8" creationId="{56C88922-C155-67ED-90F3-06B068FA8A8C}"/>
-          </ac:spMkLst>
-        </pc:spChg>
-        <pc:picChg chg="del">
-          <ac:chgData name="Ziqing Yu" userId="76dbd0bb75f3aa62" providerId="LiveId" clId="{31473BE9-0D82-4ABB-A311-CB31F9F364DA}" dt="2022-11-28T10:03:01.307" v="49" actId="478"/>
-          <ac:picMkLst>
-            <pc:docMk/>
-            <pc:sldMk cId="2180464758" sldId="341"/>
-            <ac:picMk id="6" creationId="{A5B0797D-32DD-FC92-018A-84B2D796E9C4}"/>
-          </ac:picMkLst>
-        </pc:picChg>
-        <pc:picChg chg="add del mod">
-          <ac:chgData name="Ziqing Yu" userId="76dbd0bb75f3aa62" providerId="LiveId" clId="{31473BE9-0D82-4ABB-A311-CB31F9F364DA}" dt="2022-11-28T12:00:23.029" v="104" actId="478"/>
-          <ac:picMkLst>
-            <pc:docMk/>
-            <pc:sldMk cId="2180464758" sldId="341"/>
-            <ac:picMk id="7" creationId="{4DBC6355-82C5-6EDD-9249-21E5C1AEEDAD}"/>
-          </ac:picMkLst>
-        </pc:picChg>
-        <pc:picChg chg="add mod">
-          <ac:chgData name="Ziqing Yu" userId="76dbd0bb75f3aa62" providerId="LiveId" clId="{31473BE9-0D82-4ABB-A311-CB31F9F364DA}" dt="2022-11-28T12:00:26.799" v="105"/>
-          <ac:picMkLst>
-            <pc:docMk/>
-            <pc:sldMk cId="2180464758" sldId="341"/>
-            <ac:picMk id="10" creationId="{0E7D6C4D-BD41-2457-B378-6CE5307EDEDF}"/>
-          </ac:picMkLst>
-        </pc:picChg>
-      </pc:sldChg>
-      <pc:sldChg chg="addSp delSp modSp">
-        <pc:chgData name="Ziqing Yu" userId="76dbd0bb75f3aa62" providerId="LiveId" clId="{31473BE9-0D82-4ABB-A311-CB31F9F364DA}" dt="2022-11-28T12:00:33.363" v="107"/>
-        <pc:sldMkLst>
-          <pc:docMk/>
-          <pc:sldMk cId="1946814930" sldId="342"/>
-        </pc:sldMkLst>
-        <pc:spChg chg="add del mod">
-          <ac:chgData name="Ziqing Yu" userId="76dbd0bb75f3aa62" providerId="LiveId" clId="{31473BE9-0D82-4ABB-A311-CB31F9F364DA}" dt="2022-11-28T10:04:28.052" v="64"/>
-          <ac:spMkLst>
-            <pc:docMk/>
-            <pc:sldMk cId="1946814930" sldId="342"/>
-            <ac:spMk id="3" creationId="{701D5FAE-91F8-7708-2501-C5F240803BCE}"/>
-          </ac:spMkLst>
-        </pc:spChg>
-        <pc:spChg chg="add del mod">
-          <ac:chgData name="Ziqing Yu" userId="76dbd0bb75f3aa62" providerId="LiveId" clId="{31473BE9-0D82-4ABB-A311-CB31F9F364DA}" dt="2022-11-28T12:00:33.363" v="107"/>
-          <ac:spMkLst>
-            <pc:docMk/>
-            <pc:sldMk cId="1946814930" sldId="342"/>
-            <ac:spMk id="8" creationId="{2049FB2D-5E4E-7747-2A87-A224C1B4F80F}"/>
-          </ac:spMkLst>
-        </pc:spChg>
-        <pc:picChg chg="del">
-          <ac:chgData name="Ziqing Yu" userId="76dbd0bb75f3aa62" providerId="LiveId" clId="{31473BE9-0D82-4ABB-A311-CB31F9F364DA}" dt="2022-11-28T10:03:02.902" v="50" actId="478"/>
-          <ac:picMkLst>
-            <pc:docMk/>
-            <pc:sldMk cId="1946814930" sldId="342"/>
-            <ac:picMk id="6" creationId="{E0AFB8F3-EDBC-F4C3-BE84-3859F090F6F6}"/>
-          </ac:picMkLst>
-        </pc:picChg>
-        <pc:picChg chg="add del mod">
-          <ac:chgData name="Ziqing Yu" userId="76dbd0bb75f3aa62" providerId="LiveId" clId="{31473BE9-0D82-4ABB-A311-CB31F9F364DA}" dt="2022-11-28T12:00:31.335" v="106" actId="478"/>
-          <ac:picMkLst>
-            <pc:docMk/>
-            <pc:sldMk cId="1946814930" sldId="342"/>
-            <ac:picMk id="7" creationId="{E5C74089-833A-2095-0EB1-961386142761}"/>
-          </ac:picMkLst>
-        </pc:picChg>
-        <pc:picChg chg="add mod">
-          <ac:chgData name="Ziqing Yu" userId="76dbd0bb75f3aa62" providerId="LiveId" clId="{31473BE9-0D82-4ABB-A311-CB31F9F364DA}" dt="2022-11-28T12:00:33.363" v="107"/>
-          <ac:picMkLst>
-            <pc:docMk/>
-            <pc:sldMk cId="1946814930" sldId="342"/>
-            <ac:picMk id="10" creationId="{4617C52E-A695-7082-F459-2AF0CE9E54FC}"/>
-          </ac:picMkLst>
-        </pc:picChg>
-      </pc:sldChg>
-      <pc:sldChg chg="addSp delSp modSp">
-        <pc:chgData name="Ziqing Yu" userId="76dbd0bb75f3aa62" providerId="LiveId" clId="{31473BE9-0D82-4ABB-A311-CB31F9F364DA}" dt="2022-11-28T12:00:38.722" v="109"/>
-        <pc:sldMkLst>
-          <pc:docMk/>
-          <pc:sldMk cId="2997382355" sldId="343"/>
-        </pc:sldMkLst>
-        <pc:spChg chg="add del mod">
-          <ac:chgData name="Ziqing Yu" userId="76dbd0bb75f3aa62" providerId="LiveId" clId="{31473BE9-0D82-4ABB-A311-CB31F9F364DA}" dt="2022-11-28T10:04:32.917" v="65"/>
-          <ac:spMkLst>
-            <pc:docMk/>
-            <pc:sldMk cId="2997382355" sldId="343"/>
-            <ac:spMk id="3" creationId="{33EB6375-DFF8-900D-DB7B-3D2BCF15661E}"/>
-          </ac:spMkLst>
-        </pc:spChg>
-        <pc:spChg chg="add del mod">
-          <ac:chgData name="Ziqing Yu" userId="76dbd0bb75f3aa62" providerId="LiveId" clId="{31473BE9-0D82-4ABB-A311-CB31F9F364DA}" dt="2022-11-28T12:00:38.722" v="109"/>
-          <ac:spMkLst>
-            <pc:docMk/>
-            <pc:sldMk cId="2997382355" sldId="343"/>
-            <ac:spMk id="8" creationId="{F0A68D4A-159C-F1E3-C290-97C73B920A6A}"/>
-          </ac:spMkLst>
-        </pc:spChg>
-        <pc:picChg chg="del">
-          <ac:chgData name="Ziqing Yu" userId="76dbd0bb75f3aa62" providerId="LiveId" clId="{31473BE9-0D82-4ABB-A311-CB31F9F364DA}" dt="2022-11-28T10:03:05.200" v="51" actId="478"/>
-          <ac:picMkLst>
-            <pc:docMk/>
-            <pc:sldMk cId="2997382355" sldId="343"/>
-            <ac:picMk id="6" creationId="{5B71D951-3393-940B-6778-FD80F6EBCADD}"/>
-          </ac:picMkLst>
-        </pc:picChg>
-        <pc:picChg chg="add del mod">
-          <ac:chgData name="Ziqing Yu" userId="76dbd0bb75f3aa62" providerId="LiveId" clId="{31473BE9-0D82-4ABB-A311-CB31F9F364DA}" dt="2022-11-28T12:00:35.511" v="108" actId="478"/>
-          <ac:picMkLst>
-            <pc:docMk/>
-            <pc:sldMk cId="2997382355" sldId="343"/>
-            <ac:picMk id="7" creationId="{A4D42452-DC61-A105-A279-85C5E11D88E2}"/>
-          </ac:picMkLst>
-        </pc:picChg>
-        <pc:picChg chg="add mod">
-          <ac:chgData name="Ziqing Yu" userId="76dbd0bb75f3aa62" providerId="LiveId" clId="{31473BE9-0D82-4ABB-A311-CB31F9F364DA}" dt="2022-11-28T12:00:38.722" v="109"/>
-          <ac:picMkLst>
-            <pc:docMk/>
-            <pc:sldMk cId="2997382355" sldId="343"/>
-            <ac:picMk id="10" creationId="{7FDC660C-A276-E360-8DD3-33A3606A0374}"/>
-          </ac:picMkLst>
-        </pc:picChg>
-      </pc:sldChg>
-      <pc:sldChg chg="addSp delSp modSp">
-        <pc:chgData name="Ziqing Yu" userId="76dbd0bb75f3aa62" providerId="LiveId" clId="{31473BE9-0D82-4ABB-A311-CB31F9F364DA}" dt="2022-11-28T12:00:42.193" v="111"/>
-        <pc:sldMkLst>
-          <pc:docMk/>
-          <pc:sldMk cId="1226457351" sldId="344"/>
-        </pc:sldMkLst>
-        <pc:spChg chg="add del mod">
-          <ac:chgData name="Ziqing Yu" userId="76dbd0bb75f3aa62" providerId="LiveId" clId="{31473BE9-0D82-4ABB-A311-CB31F9F364DA}" dt="2022-11-28T10:04:36.908" v="66"/>
-          <ac:spMkLst>
-            <pc:docMk/>
-            <pc:sldMk cId="1226457351" sldId="344"/>
-            <ac:spMk id="3" creationId="{DD5A3945-9A6F-0EAA-35D2-9A2953DFA767}"/>
-          </ac:spMkLst>
-        </pc:spChg>
-        <pc:spChg chg="add del mod">
-          <ac:chgData name="Ziqing Yu" userId="76dbd0bb75f3aa62" providerId="LiveId" clId="{31473BE9-0D82-4ABB-A311-CB31F9F364DA}" dt="2022-11-28T12:00:42.193" v="111"/>
-          <ac:spMkLst>
-            <pc:docMk/>
-            <pc:sldMk cId="1226457351" sldId="344"/>
-            <ac:spMk id="8" creationId="{C7D2B7BE-47E3-EBD4-C5AB-B3DCD0418D82}"/>
-          </ac:spMkLst>
-        </pc:spChg>
-        <pc:picChg chg="del">
-          <ac:chgData name="Ziqing Yu" userId="76dbd0bb75f3aa62" providerId="LiveId" clId="{31473BE9-0D82-4ABB-A311-CB31F9F364DA}" dt="2022-11-28T10:03:06.504" v="52" actId="478"/>
-          <ac:picMkLst>
-            <pc:docMk/>
-            <pc:sldMk cId="1226457351" sldId="344"/>
-            <ac:picMk id="6" creationId="{B9E4A37B-0551-F2B2-90C9-A960539106B2}"/>
-          </ac:picMkLst>
-        </pc:picChg>
-        <pc:picChg chg="add del mod">
-          <ac:chgData name="Ziqing Yu" userId="76dbd0bb75f3aa62" providerId="LiveId" clId="{31473BE9-0D82-4ABB-A311-CB31F9F364DA}" dt="2022-11-28T12:00:40.573" v="110" actId="478"/>
-          <ac:picMkLst>
-            <pc:docMk/>
-            <pc:sldMk cId="1226457351" sldId="344"/>
-            <ac:picMk id="7" creationId="{37608D7F-65DB-A4B0-83CB-6CF642DD9151}"/>
-          </ac:picMkLst>
-        </pc:picChg>
-        <pc:picChg chg="add mod">
-          <ac:chgData name="Ziqing Yu" userId="76dbd0bb75f3aa62" providerId="LiveId" clId="{31473BE9-0D82-4ABB-A311-CB31F9F364DA}" dt="2022-11-28T12:00:42.193" v="111"/>
-          <ac:picMkLst>
-            <pc:docMk/>
-            <pc:sldMk cId="1226457351" sldId="344"/>
-            <ac:picMk id="10" creationId="{C21653A5-D80D-3A00-ECB8-32D48C85D593}"/>
-          </ac:picMkLst>
-        </pc:picChg>
-      </pc:sldChg>
-      <pc:sldChg chg="addSp delSp modSp ord">
-        <pc:chgData name="Ziqing Yu" userId="76dbd0bb75f3aa62" providerId="LiveId" clId="{31473BE9-0D82-4ABB-A311-CB31F9F364DA}" dt="2022-11-28T11:56:09.271" v="85"/>
-        <pc:sldMkLst>
-          <pc:docMk/>
-          <pc:sldMk cId="2225581001" sldId="345"/>
-        </pc:sldMkLst>
-        <pc:spChg chg="add del mod">
-          <ac:chgData name="Ziqing Yu" userId="76dbd0bb75f3aa62" providerId="LiveId" clId="{31473BE9-0D82-4ABB-A311-CB31F9F364DA}" dt="2022-11-28T10:03:39.081" v="59"/>
-          <ac:spMkLst>
-            <pc:docMk/>
-            <pc:sldMk cId="2225581001" sldId="345"/>
-            <ac:spMk id="3" creationId="{5C1C85D3-1FDD-25EB-1B25-4FD6C3ADD866}"/>
-          </ac:spMkLst>
-        </pc:spChg>
-        <pc:spChg chg="add del mod">
-          <ac:chgData name="Ziqing Yu" userId="76dbd0bb75f3aa62" providerId="LiveId" clId="{31473BE9-0D82-4ABB-A311-CB31F9F364DA}" dt="2022-11-28T11:56:09.271" v="85"/>
-          <ac:spMkLst>
-            <pc:docMk/>
-            <pc:sldMk cId="2225581001" sldId="345"/>
-            <ac:spMk id="8" creationId="{BD3FCFA4-85DB-7282-A4E0-9B1472452A29}"/>
-          </ac:spMkLst>
-        </pc:spChg>
-        <pc:picChg chg="del">
-          <ac:chgData name="Ziqing Yu" userId="76dbd0bb75f3aa62" providerId="LiveId" clId="{31473BE9-0D82-4ABB-A311-CB31F9F364DA}" dt="2022-11-28T10:03:09.056" v="53" actId="478"/>
-          <ac:picMkLst>
-            <pc:docMk/>
-            <pc:sldMk cId="2225581001" sldId="345"/>
-            <ac:picMk id="6" creationId="{2AB0166D-F6D9-120B-2DA9-F05B11DBCF7C}"/>
-          </ac:picMkLst>
-        </pc:picChg>
-        <pc:picChg chg="add del mod">
-          <ac:chgData name="Ziqing Yu" userId="76dbd0bb75f3aa62" providerId="LiveId" clId="{31473BE9-0D82-4ABB-A311-CB31F9F364DA}" dt="2022-11-28T11:56:07.370" v="84" actId="478"/>
-          <ac:picMkLst>
-            <pc:docMk/>
-            <pc:sldMk cId="2225581001" sldId="345"/>
-            <ac:picMk id="7" creationId="{E59B8B2A-AF3A-FEFF-830B-165492BBF970}"/>
-          </ac:picMkLst>
-        </pc:picChg>
-        <pc:picChg chg="add mod">
-          <ac:chgData name="Ziqing Yu" userId="76dbd0bb75f3aa62" providerId="LiveId" clId="{31473BE9-0D82-4ABB-A311-CB31F9F364DA}" dt="2022-11-28T11:56:09.271" v="85"/>
-          <ac:picMkLst>
-            <pc:docMk/>
-            <pc:sldMk cId="2225581001" sldId="345"/>
-            <ac:picMk id="10" creationId="{678F0BEA-01FB-6474-2DE7-2B582F0D008F}"/>
-          </ac:picMkLst>
-        </pc:picChg>
-      </pc:sldChg>
-      <pc:sldChg chg="addSp delSp modSp ord">
-        <pc:chgData name="Ziqing Yu" userId="76dbd0bb75f3aa62" providerId="LiveId" clId="{31473BE9-0D82-4ABB-A311-CB31F9F364DA}" dt="2022-11-28T11:56:15.946" v="87"/>
-        <pc:sldMkLst>
-          <pc:docMk/>
-          <pc:sldMk cId="1589648065" sldId="346"/>
-        </pc:sldMkLst>
-        <pc:spChg chg="add del mod">
-          <ac:chgData name="Ziqing Yu" userId="76dbd0bb75f3aa62" providerId="LiveId" clId="{31473BE9-0D82-4ABB-A311-CB31F9F364DA}" dt="2022-11-28T10:03:46.142" v="60"/>
-          <ac:spMkLst>
-            <pc:docMk/>
-            <pc:sldMk cId="1589648065" sldId="346"/>
-            <ac:spMk id="3" creationId="{7ED57D73-D86E-C35D-83B0-585C4DD33474}"/>
-          </ac:spMkLst>
-        </pc:spChg>
-        <pc:spChg chg="add del mod">
-          <ac:chgData name="Ziqing Yu" userId="76dbd0bb75f3aa62" providerId="LiveId" clId="{31473BE9-0D82-4ABB-A311-CB31F9F364DA}" dt="2022-11-28T11:56:15.946" v="87"/>
-          <ac:spMkLst>
-            <pc:docMk/>
-            <pc:sldMk cId="1589648065" sldId="346"/>
-            <ac:spMk id="8" creationId="{C596F27F-DDAC-4332-B447-E0D759E33499}"/>
-          </ac:spMkLst>
-        </pc:spChg>
-        <pc:picChg chg="del">
-          <ac:chgData name="Ziqing Yu" userId="76dbd0bb75f3aa62" providerId="LiveId" clId="{31473BE9-0D82-4ABB-A311-CB31F9F364DA}" dt="2022-11-28T10:03:10.651" v="54" actId="478"/>
-          <ac:picMkLst>
-            <pc:docMk/>
-            <pc:sldMk cId="1589648065" sldId="346"/>
-            <ac:picMk id="6" creationId="{0D93D7EC-70E6-C79A-704B-BAAE0DA76A85}"/>
-          </ac:picMkLst>
-        </pc:picChg>
-        <pc:picChg chg="add del mod">
-          <ac:chgData name="Ziqing Yu" userId="76dbd0bb75f3aa62" providerId="LiveId" clId="{31473BE9-0D82-4ABB-A311-CB31F9F364DA}" dt="2022-11-28T11:56:13.020" v="86" actId="478"/>
-          <ac:picMkLst>
-            <pc:docMk/>
-            <pc:sldMk cId="1589648065" sldId="346"/>
-            <ac:picMk id="7" creationId="{D0BAAD7A-D93E-1937-D3E7-7074AC8D2BD2}"/>
-          </ac:picMkLst>
-        </pc:picChg>
-        <pc:picChg chg="add mod">
-          <ac:chgData name="Ziqing Yu" userId="76dbd0bb75f3aa62" providerId="LiveId" clId="{31473BE9-0D82-4ABB-A311-CB31F9F364DA}" dt="2022-11-28T11:56:15.946" v="87"/>
-          <ac:picMkLst>
-            <pc:docMk/>
-            <pc:sldMk cId="1589648065" sldId="346"/>
-            <ac:picMk id="10" creationId="{966DAEC7-1C5E-3FBC-23D7-8BCE95F52D48}"/>
-          </ac:picMkLst>
-        </pc:picChg>
-      </pc:sldChg>
-      <pc:sldChg chg="addSp delSp modSp new mod">
-        <pc:chgData name="Ziqing Yu" userId="76dbd0bb75f3aa62" providerId="LiveId" clId="{31473BE9-0D82-4ABB-A311-CB31F9F364DA}" dt="2022-11-28T12:04:43.447" v="266" actId="1076"/>
-        <pc:sldMkLst>
-          <pc:docMk/>
-          <pc:sldMk cId="4073100235" sldId="347"/>
-        </pc:sldMkLst>
-        <pc:spChg chg="mod">
-          <ac:chgData name="Ziqing Yu" userId="76dbd0bb75f3aa62" providerId="LiveId" clId="{31473BE9-0D82-4ABB-A311-CB31F9F364DA}" dt="2022-11-28T09:59:03.753" v="41" actId="20577"/>
-          <ac:spMkLst>
-            <pc:docMk/>
-            <pc:sldMk cId="4073100235" sldId="347"/>
-            <ac:spMk id="2" creationId="{1BD000A3-7086-5618-B3F5-0A3A9A4DADEC}"/>
-          </ac:spMkLst>
-        </pc:spChg>
-        <pc:spChg chg="del">
-          <ac:chgData name="Ziqing Yu" userId="76dbd0bb75f3aa62" providerId="LiveId" clId="{31473BE9-0D82-4ABB-A311-CB31F9F364DA}" dt="2022-11-28T10:02:50.649" v="46"/>
-          <ac:spMkLst>
-            <pc:docMk/>
-            <pc:sldMk cId="4073100235" sldId="347"/>
-            <ac:spMk id="3" creationId="{AADC61EA-1D42-5C1F-2652-4184952D3FD9}"/>
-          </ac:spMkLst>
-        </pc:spChg>
-        <pc:spChg chg="add del mod">
-          <ac:chgData name="Ziqing Yu" userId="76dbd0bb75f3aa62" providerId="LiveId" clId="{31473BE9-0D82-4ABB-A311-CB31F9F364DA}" dt="2022-11-28T11:56:49.233" v="97"/>
-          <ac:spMkLst>
-            <pc:docMk/>
-            <pc:sldMk cId="4073100235" sldId="347"/>
-            <ac:spMk id="7" creationId="{B8AC3339-C9AF-EB3F-EB87-FA9F4EEA42BE}"/>
-          </ac:spMkLst>
-        </pc:spChg>
-        <pc:spChg chg="add del mod">
-          <ac:chgData name="Ziqing Yu" userId="76dbd0bb75f3aa62" providerId="LiveId" clId="{31473BE9-0D82-4ABB-A311-CB31F9F364DA}" dt="2022-11-28T12:00:00.077" v="99"/>
-          <ac:spMkLst>
-            <pc:docMk/>
-            <pc:sldMk cId="4073100235" sldId="347"/>
-            <ac:spMk id="10" creationId="{7B2144B5-0603-3404-C180-58C79E8103A5}"/>
-          </ac:spMkLst>
-        </pc:spChg>
-        <pc:spChg chg="add mod">
-          <ac:chgData name="Ziqing Yu" userId="76dbd0bb75f3aa62" providerId="LiveId" clId="{31473BE9-0D82-4ABB-A311-CB31F9F364DA}" dt="2022-11-28T12:04:43.447" v="266" actId="1076"/>
-          <ac:spMkLst>
-            <pc:docMk/>
-            <pc:sldMk cId="4073100235" sldId="347"/>
-            <ac:spMk id="13" creationId="{27B21752-8558-A219-6EFA-DD9542AF6305}"/>
-          </ac:spMkLst>
-        </pc:spChg>
-        <pc:picChg chg="add del mod">
-          <ac:chgData name="Ziqing Yu" userId="76dbd0bb75f3aa62" providerId="LiveId" clId="{31473BE9-0D82-4ABB-A311-CB31F9F364DA}" dt="2022-11-28T11:56:44.396" v="96" actId="478"/>
-          <ac:picMkLst>
-            <pc:docMk/>
-            <pc:sldMk cId="4073100235" sldId="347"/>
-            <ac:picMk id="6" creationId="{D4390363-3474-316D-C578-75550E4DC60F}"/>
-          </ac:picMkLst>
-        </pc:picChg>
-        <pc:picChg chg="add del mod">
-          <ac:chgData name="Ziqing Yu" userId="76dbd0bb75f3aa62" providerId="LiveId" clId="{31473BE9-0D82-4ABB-A311-CB31F9F364DA}" dt="2022-11-28T11:59:58.136" v="98" actId="478"/>
-          <ac:picMkLst>
-            <pc:docMk/>
-            <pc:sldMk cId="4073100235" sldId="347"/>
-            <ac:picMk id="9" creationId="{DC83E2A2-58B4-1568-653F-255D71D0A571}"/>
-          </ac:picMkLst>
-        </pc:picChg>
-        <pc:picChg chg="add mod">
-          <ac:chgData name="Ziqing Yu" userId="76dbd0bb75f3aa62" providerId="LiveId" clId="{31473BE9-0D82-4ABB-A311-CB31F9F364DA}" dt="2022-11-28T12:00:00.077" v="99"/>
-          <ac:picMkLst>
-            <pc:docMk/>
-            <pc:sldMk cId="4073100235" sldId="347"/>
-            <ac:picMk id="12" creationId="{704F3BC9-331C-66C1-124D-29C57E087D5B}"/>
-          </ac:picMkLst>
-        </pc:picChg>
-      </pc:sldChg>
-      <pc:sldChg chg="addSp delSp modSp new mod">
-        <pc:chgData name="Ziqing Yu" userId="76dbd0bb75f3aa62" providerId="LiveId" clId="{31473BE9-0D82-4ABB-A311-CB31F9F364DA}" dt="2022-11-28T12:17:32.979" v="432" actId="1076"/>
-        <pc:sldMkLst>
-          <pc:docMk/>
-          <pc:sldMk cId="3534031894" sldId="348"/>
-        </pc:sldMkLst>
-        <pc:spChg chg="mod">
-          <ac:chgData name="Ziqing Yu" userId="76dbd0bb75f3aa62" providerId="LiveId" clId="{31473BE9-0D82-4ABB-A311-CB31F9F364DA}" dt="2022-11-28T10:04:50.755" v="73" actId="20577"/>
-          <ac:spMkLst>
-            <pc:docMk/>
-            <pc:sldMk cId="3534031894" sldId="348"/>
-            <ac:spMk id="2" creationId="{0970B95D-1CF7-AF42-D6D7-E925F0D50440}"/>
-          </ac:spMkLst>
-        </pc:spChg>
-        <pc:spChg chg="del">
-          <ac:chgData name="Ziqing Yu" userId="76dbd0bb75f3aa62" providerId="LiveId" clId="{31473BE9-0D82-4ABB-A311-CB31F9F364DA}" dt="2022-11-28T10:04:46.865" v="68"/>
-          <ac:spMkLst>
-            <pc:docMk/>
-            <pc:sldMk cId="3534031894" sldId="348"/>
-            <ac:spMk id="3" creationId="{3DD36312-8746-3776-E895-5CEF0C201449}"/>
-          </ac:spMkLst>
-        </pc:spChg>
-        <pc:spChg chg="add del mod">
-          <ac:chgData name="Ziqing Yu" userId="76dbd0bb75f3aa62" providerId="LiveId" clId="{31473BE9-0D82-4ABB-A311-CB31F9F364DA}" dt="2022-11-28T12:00:47.866" v="113"/>
-          <ac:spMkLst>
-            <pc:docMk/>
-            <pc:sldMk cId="3534031894" sldId="348"/>
-            <ac:spMk id="7" creationId="{FC9FF127-B889-3FC1-E6EF-C034ED1A344D}"/>
-          </ac:spMkLst>
-        </pc:spChg>
-        <pc:picChg chg="add del mod">
-          <ac:chgData name="Ziqing Yu" userId="76dbd0bb75f3aa62" providerId="LiveId" clId="{31473BE9-0D82-4ABB-A311-CB31F9F364DA}" dt="2022-11-28T12:00:46.047" v="112" actId="478"/>
-          <ac:picMkLst>
-            <pc:docMk/>
-            <pc:sldMk cId="3534031894" sldId="348"/>
-            <ac:picMk id="6" creationId="{7EB81906-264F-0C98-9E2C-675813D90127}"/>
-          </ac:picMkLst>
-        </pc:picChg>
-        <pc:picChg chg="add mod">
-          <ac:chgData name="Ziqing Yu" userId="76dbd0bb75f3aa62" providerId="LiveId" clId="{31473BE9-0D82-4ABB-A311-CB31F9F364DA}" dt="2022-11-28T12:17:32.979" v="432" actId="1076"/>
-          <ac:picMkLst>
-            <pc:docMk/>
-            <pc:sldMk cId="3534031894" sldId="348"/>
-            <ac:picMk id="9" creationId="{3047CD55-112C-107A-F2E2-FF10B5420B93}"/>
-          </ac:picMkLst>
-        </pc:picChg>
-      </pc:sldChg>
-      <pc:sldChg chg="modSp new mod">
-        <pc:chgData name="Ziqing Yu" userId="76dbd0bb75f3aa62" providerId="LiveId" clId="{31473BE9-0D82-4ABB-A311-CB31F9F364DA}" dt="2022-11-28T12:09:11.524" v="339" actId="20577"/>
-        <pc:sldMkLst>
-          <pc:docMk/>
-          <pc:sldMk cId="2777479108" sldId="349"/>
-        </pc:sldMkLst>
-        <pc:spChg chg="mod">
-          <ac:chgData name="Ziqing Yu" userId="76dbd0bb75f3aa62" providerId="LiveId" clId="{31473BE9-0D82-4ABB-A311-CB31F9F364DA}" dt="2022-11-28T12:08:53.870" v="334" actId="20577"/>
-          <ac:spMkLst>
-            <pc:docMk/>
-            <pc:sldMk cId="2777479108" sldId="349"/>
-            <ac:spMk id="2" creationId="{D974E570-66E9-08E8-17FD-F7091F2C083D}"/>
-          </ac:spMkLst>
-        </pc:spChg>
-        <pc:spChg chg="mod">
-          <ac:chgData name="Ziqing Yu" userId="76dbd0bb75f3aa62" providerId="LiveId" clId="{31473BE9-0D82-4ABB-A311-CB31F9F364DA}" dt="2022-11-28T12:09:11.524" v="339" actId="20577"/>
-          <ac:spMkLst>
-            <pc:docMk/>
-            <pc:sldMk cId="2777479108" sldId="349"/>
-            <ac:spMk id="3" creationId="{3716E3B6-A8FE-D458-529B-2F41ED6AD166}"/>
-          </ac:spMkLst>
-        </pc:spChg>
-      </pc:sldChg>
-      <pc:sldChg chg="modSp new mod">
-        <pc:chgData name="Ziqing Yu" userId="76dbd0bb75f3aa62" providerId="LiveId" clId="{31473BE9-0D82-4ABB-A311-CB31F9F364DA}" dt="2022-11-28T12:12:37.800" v="383" actId="20577"/>
-        <pc:sldMkLst>
-          <pc:docMk/>
-          <pc:sldMk cId="1431695431" sldId="350"/>
-        </pc:sldMkLst>
-        <pc:spChg chg="mod">
-          <ac:chgData name="Ziqing Yu" userId="76dbd0bb75f3aa62" providerId="LiveId" clId="{31473BE9-0D82-4ABB-A311-CB31F9F364DA}" dt="2022-11-28T12:12:37.800" v="383" actId="20577"/>
-          <ac:spMkLst>
-            <pc:docMk/>
-            <pc:sldMk cId="1431695431" sldId="350"/>
-            <ac:spMk id="2" creationId="{CD725CEB-8496-7B7C-2B9E-B50AC716951E}"/>
-          </ac:spMkLst>
-        </pc:spChg>
-        <pc:spChg chg="mod">
-          <ac:chgData name="Ziqing Yu" userId="76dbd0bb75f3aa62" providerId="LiveId" clId="{31473BE9-0D82-4ABB-A311-CB31F9F364DA}" dt="2022-11-28T12:11:57.550" v="373" actId="20577"/>
-          <ac:spMkLst>
-            <pc:docMk/>
-            <pc:sldMk cId="1431695431" sldId="350"/>
-            <ac:spMk id="3" creationId="{66BD02D9-1310-76BF-1046-C4F630828CF7}"/>
-          </ac:spMkLst>
-        </pc:spChg>
-      </pc:sldChg>
-      <pc:sldChg chg="modSp new mod">
-        <pc:chgData name="Ziqing Yu" userId="76dbd0bb75f3aa62" providerId="LiveId" clId="{31473BE9-0D82-4ABB-A311-CB31F9F364DA}" dt="2022-11-28T12:17:25.820" v="431" actId="20577"/>
-        <pc:sldMkLst>
-          <pc:docMk/>
-          <pc:sldMk cId="3500917354" sldId="351"/>
-        </pc:sldMkLst>
-        <pc:spChg chg="mod">
-          <ac:chgData name="Ziqing Yu" userId="76dbd0bb75f3aa62" providerId="LiveId" clId="{31473BE9-0D82-4ABB-A311-CB31F9F364DA}" dt="2022-11-28T12:12:46.683" v="411" actId="20577"/>
-          <ac:spMkLst>
-            <pc:docMk/>
-            <pc:sldMk cId="3500917354" sldId="351"/>
-            <ac:spMk id="2" creationId="{E262DF64-DF60-3AE2-5CB2-C16B9B913E15}"/>
-          </ac:spMkLst>
-        </pc:spChg>
-        <pc:spChg chg="mod">
-          <ac:chgData name="Ziqing Yu" userId="76dbd0bb75f3aa62" providerId="LiveId" clId="{31473BE9-0D82-4ABB-A311-CB31F9F364DA}" dt="2022-11-28T12:17:25.820" v="431" actId="20577"/>
-          <ac:spMkLst>
-            <pc:docMk/>
-            <pc:sldMk cId="3500917354" sldId="351"/>
-            <ac:spMk id="3" creationId="{52300C93-EBAB-2E27-9035-E8F3E5857265}"/>
-          </ac:spMkLst>
-        </pc:spChg>
-      </pc:sldChg>
-    </pc:docChg>
-  </pc:docChgLst>
-  <pc:docChgLst>
-    <pc:chgData name="Ziqing Yu" userId="76dbd0bb75f3aa62" providerId="LiveId" clId="{D35B35E3-E0DF-441C-8EAA-AE91011677CB}"/>
-    <pc:docChg chg="modSld">
-      <pc:chgData name="Ziqing Yu" userId="76dbd0bb75f3aa62" providerId="LiveId" clId="{D35B35E3-E0DF-441C-8EAA-AE91011677CB}" dt="2022-11-28T17:12:14.790" v="4" actId="1076"/>
-      <pc:docMkLst>
-        <pc:docMk/>
-      </pc:docMkLst>
-      <pc:sldChg chg="addSp delSp modSp">
-        <pc:chgData name="Ziqing Yu" userId="76dbd0bb75f3aa62" providerId="LiveId" clId="{D35B35E3-E0DF-441C-8EAA-AE91011677CB}" dt="2022-11-28T17:12:14.790" v="4" actId="1076"/>
-        <pc:sldMkLst>
-          <pc:docMk/>
-          <pc:sldMk cId="4073100235" sldId="347"/>
-        </pc:sldMkLst>
-        <pc:spChg chg="add del mod">
-          <ac:chgData name="Ziqing Yu" userId="76dbd0bb75f3aa62" providerId="LiveId" clId="{D35B35E3-E0DF-441C-8EAA-AE91011677CB}" dt="2022-11-28T17:12:13.116" v="1"/>
-          <ac:spMkLst>
-            <pc:docMk/>
-            <pc:sldMk cId="4073100235" sldId="347"/>
-            <ac:spMk id="3" creationId="{10FE0661-E6D2-C348-C14B-14160EB01E5B}"/>
-          </ac:spMkLst>
-        </pc:spChg>
-        <pc:picChg chg="add mod">
-          <ac:chgData name="Ziqing Yu" userId="76dbd0bb75f3aa62" providerId="LiveId" clId="{D35B35E3-E0DF-441C-8EAA-AE91011677CB}" dt="2022-11-28T17:12:14.790" v="4" actId="1076"/>
-          <ac:picMkLst>
-            <pc:docMk/>
-            <pc:sldMk cId="4073100235" sldId="347"/>
-            <ac:picMk id="6" creationId="{7C0837E7-DDFE-7628-D565-F337296304A8}"/>
-          </ac:picMkLst>
-        </pc:picChg>
-        <pc:picChg chg="del">
-          <ac:chgData name="Ziqing Yu" userId="76dbd0bb75f3aa62" providerId="LiveId" clId="{D35B35E3-E0DF-441C-8EAA-AE91011677CB}" dt="2022-11-28T17:11:52.943" v="0" actId="478"/>
-          <ac:picMkLst>
-            <pc:docMk/>
-            <pc:sldMk cId="4073100235" sldId="347"/>
-            <ac:picMk id="12" creationId="{704F3BC9-331C-66C1-124D-29C57E087D5B}"/>
-          </ac:picMkLst>
-        </pc:picChg>
-      </pc:sldChg>
-    </pc:docChg>
-  </pc:docChgLst>
-  <pc:docChgLst>
     <pc:chgData name="Ziqing Yu" userId="76dbd0bb75f3aa62" providerId="LiveId" clId="{FC4BED8D-B233-477F-A57F-A8E1C0AD9783}"/>
     <pc:docChg chg="undo custSel addSld delSld modSld sldOrd">
       <pc:chgData name="Ziqing Yu" userId="76dbd0bb75f3aa62" providerId="LiveId" clId="{FC4BED8D-B233-477F-A57F-A8E1C0AD9783}" dt="2022-12-19T20:09:54.661" v="1044" actId="2696"/>
@@ -2004,6 +643,1333 @@
             <pc:docMk/>
             <pc:sldMk cId="3668761936" sldId="295"/>
             <ac:spMk id="2" creationId="{5C9D74A9-AE3D-F3DD-2BAF-C5DB06F00B4F}"/>
+          </ac:spMkLst>
+        </pc:spChg>
+      </pc:sldChg>
+    </pc:docChg>
+  </pc:docChgLst>
+  <pc:docChgLst>
+    <pc:chgData name="Ziqing Yu" userId="76dbd0bb75f3aa62" providerId="LiveId" clId="{C00F1E2B-988F-495B-864B-01751A304B2E}"/>
+    <pc:docChg chg="undo custSel addSld delSld modSld sldOrd">
+      <pc:chgData name="Ziqing Yu" userId="76dbd0bb75f3aa62" providerId="LiveId" clId="{C00F1E2B-988F-495B-864B-01751A304B2E}" dt="2023-01-24T22:24:17.608" v="1642" actId="20577"/>
+      <pc:docMkLst>
+        <pc:docMk/>
+      </pc:docMkLst>
+      <pc:sldChg chg="modSp add del mod">
+        <pc:chgData name="Ziqing Yu" userId="76dbd0bb75f3aa62" providerId="LiveId" clId="{C00F1E2B-988F-495B-864B-01751A304B2E}" dt="2023-01-24T22:24:17.608" v="1642" actId="20577"/>
+        <pc:sldMkLst>
+          <pc:docMk/>
+          <pc:sldMk cId="0" sldId="280"/>
+        </pc:sldMkLst>
+        <pc:spChg chg="mod">
+          <ac:chgData name="Ziqing Yu" userId="76dbd0bb75f3aa62" providerId="LiveId" clId="{C00F1E2B-988F-495B-864B-01751A304B2E}" dt="2023-01-24T22:01:44.974" v="390" actId="20577"/>
+          <ac:spMkLst>
+            <pc:docMk/>
+            <pc:sldMk cId="0" sldId="280"/>
+            <ac:spMk id="3074" creationId="{D82F4DED-3F30-4446-98D1-9098F576EFB6}"/>
+          </ac:spMkLst>
+        </pc:spChg>
+        <pc:spChg chg="mod">
+          <ac:chgData name="Ziqing Yu" userId="76dbd0bb75f3aa62" providerId="LiveId" clId="{C00F1E2B-988F-495B-864B-01751A304B2E}" dt="2023-01-24T22:01:51.109" v="395" actId="20577"/>
+          <ac:spMkLst>
+            <pc:docMk/>
+            <pc:sldMk cId="0" sldId="280"/>
+            <ac:spMk id="3075" creationId="{95F9EF8D-DC87-4E6E-8A25-97BD5CBDFAD3}"/>
+          </ac:spMkLst>
+        </pc:spChg>
+        <pc:spChg chg="mod">
+          <ac:chgData name="Ziqing Yu" userId="76dbd0bb75f3aa62" providerId="LiveId" clId="{C00F1E2B-988F-495B-864B-01751A304B2E}" dt="2023-01-24T22:24:17.608" v="1642" actId="20577"/>
+          <ac:spMkLst>
+            <pc:docMk/>
+            <pc:sldMk cId="0" sldId="280"/>
+            <ac:spMk id="3076" creationId="{969AC5BE-72F8-467E-99A1-0262EF93D23C}"/>
+          </ac:spMkLst>
+        </pc:spChg>
+      </pc:sldChg>
+      <pc:sldChg chg="addSp delSp modSp mod">
+        <pc:chgData name="Ziqing Yu" userId="76dbd0bb75f3aa62" providerId="LiveId" clId="{C00F1E2B-988F-495B-864B-01751A304B2E}" dt="2023-01-24T22:13:09.878" v="955" actId="20577"/>
+        <pc:sldMkLst>
+          <pc:docMk/>
+          <pc:sldMk cId="1938784375" sldId="281"/>
+        </pc:sldMkLst>
+        <pc:spChg chg="mod">
+          <ac:chgData name="Ziqing Yu" userId="76dbd0bb75f3aa62" providerId="LiveId" clId="{C00F1E2B-988F-495B-864B-01751A304B2E}" dt="2023-01-23T20:47:15.913" v="315" actId="20577"/>
+          <ac:spMkLst>
+            <pc:docMk/>
+            <pc:sldMk cId="1938784375" sldId="281"/>
+            <ac:spMk id="2" creationId="{3D546D05-5947-1209-D580-59C6CE84F71C}"/>
+          </ac:spMkLst>
+        </pc:spChg>
+        <pc:spChg chg="add del mod">
+          <ac:chgData name="Ziqing Yu" userId="76dbd0bb75f3aa62" providerId="LiveId" clId="{C00F1E2B-988F-495B-864B-01751A304B2E}" dt="2023-01-23T20:40:21.362" v="19"/>
+          <ac:spMkLst>
+            <pc:docMk/>
+            <pc:sldMk cId="1938784375" sldId="281"/>
+            <ac:spMk id="3" creationId="{167D8DD9-F05C-D945-C360-068B13A96B76}"/>
+          </ac:spMkLst>
+        </pc:spChg>
+        <pc:spChg chg="add del mod">
+          <ac:chgData name="Ziqing Yu" userId="76dbd0bb75f3aa62" providerId="LiveId" clId="{C00F1E2B-988F-495B-864B-01751A304B2E}" dt="2023-01-24T22:06:32.309" v="401"/>
+          <ac:spMkLst>
+            <pc:docMk/>
+            <pc:sldMk cId="1938784375" sldId="281"/>
+            <ac:spMk id="3" creationId="{6B25F02A-3204-FD70-9625-25EB69AC13CE}"/>
+          </ac:spMkLst>
+        </pc:spChg>
+        <pc:spChg chg="add del mod">
+          <ac:chgData name="Ziqing Yu" userId="76dbd0bb75f3aa62" providerId="LiveId" clId="{C00F1E2B-988F-495B-864B-01751A304B2E}" dt="2023-01-24T07:40:31.789" v="346"/>
+          <ac:spMkLst>
+            <pc:docMk/>
+            <pc:sldMk cId="1938784375" sldId="281"/>
+            <ac:spMk id="3" creationId="{76CC8692-0616-9F6E-EC9F-A4A7368C648B}"/>
+          </ac:spMkLst>
+        </pc:spChg>
+        <pc:spChg chg="add mod">
+          <ac:chgData name="Ziqing Yu" userId="76dbd0bb75f3aa62" providerId="LiveId" clId="{C00F1E2B-988F-495B-864B-01751A304B2E}" dt="2023-01-24T22:13:09.878" v="955" actId="20577"/>
+          <ac:spMkLst>
+            <pc:docMk/>
+            <pc:sldMk cId="1938784375" sldId="281"/>
+            <ac:spMk id="8" creationId="{8FE952FB-D007-EACB-9B7E-9F86E08453E7}"/>
+          </ac:spMkLst>
+        </pc:spChg>
+        <pc:picChg chg="add del mod">
+          <ac:chgData name="Ziqing Yu" userId="76dbd0bb75f3aa62" providerId="LiveId" clId="{C00F1E2B-988F-495B-864B-01751A304B2E}" dt="2023-01-24T22:06:27.436" v="400" actId="478"/>
+          <ac:picMkLst>
+            <pc:docMk/>
+            <pc:sldMk cId="1938784375" sldId="281"/>
+            <ac:picMk id="6" creationId="{879E8FBF-DCC3-EEF5-8D76-156D6A6E519E}"/>
+          </ac:picMkLst>
+        </pc:picChg>
+        <pc:picChg chg="del">
+          <ac:chgData name="Ziqing Yu" userId="76dbd0bb75f3aa62" providerId="LiveId" clId="{C00F1E2B-988F-495B-864B-01751A304B2E}" dt="2023-01-23T20:40:16.285" v="17" actId="478"/>
+          <ac:picMkLst>
+            <pc:docMk/>
+            <pc:sldMk cId="1938784375" sldId="281"/>
+            <ac:picMk id="6" creationId="{C8F06D6A-C526-A1B7-AF4C-319A106E10EC}"/>
+          </ac:picMkLst>
+        </pc:picChg>
+        <pc:picChg chg="add del mod">
+          <ac:chgData name="Ziqing Yu" userId="76dbd0bb75f3aa62" providerId="LiveId" clId="{C00F1E2B-988F-495B-864B-01751A304B2E}" dt="2023-01-24T07:40:26.848" v="345" actId="478"/>
+          <ac:picMkLst>
+            <pc:docMk/>
+            <pc:sldMk cId="1938784375" sldId="281"/>
+            <ac:picMk id="7" creationId="{6939E842-0A8F-C064-ED71-AF150AF7EC5E}"/>
+          </ac:picMkLst>
+        </pc:picChg>
+        <pc:picChg chg="add mod">
+          <ac:chgData name="Ziqing Yu" userId="76dbd0bb75f3aa62" providerId="LiveId" clId="{C00F1E2B-988F-495B-864B-01751A304B2E}" dt="2023-01-24T22:06:33.595" v="404" actId="1076"/>
+          <ac:picMkLst>
+            <pc:docMk/>
+            <pc:sldMk cId="1938784375" sldId="281"/>
+            <ac:picMk id="7" creationId="{BE885932-EDA0-11BC-73BE-F41BCFE87F34}"/>
+          </ac:picMkLst>
+        </pc:picChg>
+      </pc:sldChg>
+      <pc:sldChg chg="addSp delSp modSp mod">
+        <pc:chgData name="Ziqing Yu" userId="76dbd0bb75f3aa62" providerId="LiveId" clId="{C00F1E2B-988F-495B-864B-01751A304B2E}" dt="2023-01-24T22:24:00.296" v="1629" actId="1076"/>
+        <pc:sldMkLst>
+          <pc:docMk/>
+          <pc:sldMk cId="831859171" sldId="282"/>
+        </pc:sldMkLst>
+        <pc:spChg chg="mod">
+          <ac:chgData name="Ziqing Yu" userId="76dbd0bb75f3aa62" providerId="LiveId" clId="{C00F1E2B-988F-495B-864B-01751A304B2E}" dt="2023-01-24T07:29:09.008" v="339" actId="20577"/>
+          <ac:spMkLst>
+            <pc:docMk/>
+            <pc:sldMk cId="831859171" sldId="282"/>
+            <ac:spMk id="2" creationId="{BEFA3EE9-727C-8314-2B93-54796962C99C}"/>
+          </ac:spMkLst>
+        </pc:spChg>
+        <pc:spChg chg="add del mod">
+          <ac:chgData name="Ziqing Yu" userId="76dbd0bb75f3aa62" providerId="LiveId" clId="{C00F1E2B-988F-495B-864B-01751A304B2E}" dt="2023-01-24T07:28:54.343" v="316"/>
+          <ac:spMkLst>
+            <pc:docMk/>
+            <pc:sldMk cId="831859171" sldId="282"/>
+            <ac:spMk id="3" creationId="{71320EA0-5DCE-7322-D0FE-B810A0EC4269}"/>
+          </ac:spMkLst>
+        </pc:spChg>
+        <pc:spChg chg="add del">
+          <ac:chgData name="Ziqing Yu" userId="76dbd0bb75f3aa62" providerId="LiveId" clId="{C00F1E2B-988F-495B-864B-01751A304B2E}" dt="2023-01-24T22:01:20.832" v="364" actId="22"/>
+          <ac:spMkLst>
+            <pc:docMk/>
+            <pc:sldMk cId="831859171" sldId="282"/>
+            <ac:spMk id="5" creationId="{8D0F7803-EA04-A4A9-5570-D806622F233C}"/>
+          </ac:spMkLst>
+        </pc:spChg>
+        <pc:spChg chg="add del mod">
+          <ac:chgData name="Ziqing Yu" userId="76dbd0bb75f3aa62" providerId="LiveId" clId="{C00F1E2B-988F-495B-864B-01751A304B2E}" dt="2023-01-24T22:06:37.163" v="406"/>
+          <ac:spMkLst>
+            <pc:docMk/>
+            <pc:sldMk cId="831859171" sldId="282"/>
+            <ac:spMk id="6" creationId="{A8E3EC84-BF0B-4AE0-8D3B-C109970FB67F}"/>
+          </ac:spMkLst>
+        </pc:spChg>
+        <pc:spChg chg="add del mod">
+          <ac:chgData name="Ziqing Yu" userId="76dbd0bb75f3aa62" providerId="LiveId" clId="{C00F1E2B-988F-495B-864B-01751A304B2E}" dt="2023-01-24T07:40:40.644" v="351"/>
+          <ac:spMkLst>
+            <pc:docMk/>
+            <pc:sldMk cId="831859171" sldId="282"/>
+            <ac:spMk id="7" creationId="{37F3A353-5921-206C-9CA8-BDAEA727C9BD}"/>
+          </ac:spMkLst>
+        </pc:spChg>
+        <pc:spChg chg="add mod">
+          <ac:chgData name="Ziqing Yu" userId="76dbd0bb75f3aa62" providerId="LiveId" clId="{C00F1E2B-988F-495B-864B-01751A304B2E}" dt="2023-01-24T22:24:00.296" v="1629" actId="1076"/>
+          <ac:spMkLst>
+            <pc:docMk/>
+            <pc:sldMk cId="831859171" sldId="282"/>
+            <ac:spMk id="10" creationId="{BADF6A8C-E2AF-7F3F-A50B-A24E6E5CD52A}"/>
+          </ac:spMkLst>
+        </pc:spChg>
+        <pc:picChg chg="add del mod">
+          <ac:chgData name="Ziqing Yu" userId="76dbd0bb75f3aa62" providerId="LiveId" clId="{C00F1E2B-988F-495B-864B-01751A304B2E}" dt="2023-01-24T07:40:36.609" v="350" actId="478"/>
+          <ac:picMkLst>
+            <pc:docMk/>
+            <pc:sldMk cId="831859171" sldId="282"/>
+            <ac:picMk id="6" creationId="{C541B1E0-938E-9918-8405-0B15BA1FFEBF}"/>
+          </ac:picMkLst>
+        </pc:picChg>
+        <pc:picChg chg="del">
+          <ac:chgData name="Ziqing Yu" userId="76dbd0bb75f3aa62" providerId="LiveId" clId="{C00F1E2B-988F-495B-864B-01751A304B2E}" dt="2023-01-23T20:40:17.476" v="18" actId="478"/>
+          <ac:picMkLst>
+            <pc:docMk/>
+            <pc:sldMk cId="831859171" sldId="282"/>
+            <ac:picMk id="6" creationId="{CA6B0118-9595-73C8-40F8-0FA43CA74BE0}"/>
+          </ac:picMkLst>
+        </pc:picChg>
+        <pc:picChg chg="add mod">
+          <ac:chgData name="Ziqing Yu" userId="76dbd0bb75f3aa62" providerId="LiveId" clId="{C00F1E2B-988F-495B-864B-01751A304B2E}" dt="2023-01-24T22:16:31.186" v="1241" actId="1076"/>
+          <ac:picMkLst>
+            <pc:docMk/>
+            <pc:sldMk cId="831859171" sldId="282"/>
+            <ac:picMk id="8" creationId="{37A28BC5-E518-2B40-1F27-1FA878F90AC8}"/>
+          </ac:picMkLst>
+        </pc:picChg>
+        <pc:picChg chg="add del mod">
+          <ac:chgData name="Ziqing Yu" userId="76dbd0bb75f3aa62" providerId="LiveId" clId="{C00F1E2B-988F-495B-864B-01751A304B2E}" dt="2023-01-24T22:06:35.247" v="405" actId="478"/>
+          <ac:picMkLst>
+            <pc:docMk/>
+            <pc:sldMk cId="831859171" sldId="282"/>
+            <ac:picMk id="9" creationId="{2129D0BC-8C85-56B8-A8FF-6D55C6007C71}"/>
+          </ac:picMkLst>
+        </pc:picChg>
+      </pc:sldChg>
+      <pc:sldChg chg="addSp delSp modSp new mod ord">
+        <pc:chgData name="Ziqing Yu" userId="76dbd0bb75f3aa62" providerId="LiveId" clId="{C00F1E2B-988F-495B-864B-01751A304B2E}" dt="2023-01-24T22:12:39.927" v="922" actId="20577"/>
+        <pc:sldMkLst>
+          <pc:docMk/>
+          <pc:sldMk cId="1369771716" sldId="283"/>
+        </pc:sldMkLst>
+        <pc:spChg chg="add del mod">
+          <ac:chgData name="Ziqing Yu" userId="76dbd0bb75f3aa62" providerId="LiveId" clId="{C00F1E2B-988F-495B-864B-01751A304B2E}" dt="2023-01-24T07:49:48.050" v="360"/>
+          <ac:spMkLst>
+            <pc:docMk/>
+            <pc:sldMk cId="1369771716" sldId="283"/>
+            <ac:spMk id="3" creationId="{1B7A37BB-FEA0-3487-823C-9E3523EA74DB}"/>
+          </ac:spMkLst>
+        </pc:spChg>
+        <pc:spChg chg="del">
+          <ac:chgData name="Ziqing Yu" userId="76dbd0bb75f3aa62" providerId="LiveId" clId="{C00F1E2B-988F-495B-864B-01751A304B2E}" dt="2023-01-24T07:37:32.804" v="340"/>
+          <ac:spMkLst>
+            <pc:docMk/>
+            <pc:sldMk cId="1369771716" sldId="283"/>
+            <ac:spMk id="3" creationId="{6212CEAB-E925-A5CA-9EC9-67C73DA90C8F}"/>
+          </ac:spMkLst>
+        </pc:spChg>
+        <pc:spChg chg="add del mod">
+          <ac:chgData name="Ziqing Yu" userId="76dbd0bb75f3aa62" providerId="LiveId" clId="{C00F1E2B-988F-495B-864B-01751A304B2E}" dt="2023-01-24T22:06:25.247" v="397"/>
+          <ac:spMkLst>
+            <pc:docMk/>
+            <pc:sldMk cId="1369771716" sldId="283"/>
+            <ac:spMk id="3" creationId="{EFC7FF12-2726-8A4F-4E3F-C772E84D9F56}"/>
+          </ac:spMkLst>
+        </pc:spChg>
+        <pc:spChg chg="add del mod">
+          <ac:chgData name="Ziqing Yu" userId="76dbd0bb75f3aa62" providerId="LiveId" clId="{C00F1E2B-988F-495B-864B-01751A304B2E}" dt="2023-01-24T07:40:45.279" v="355"/>
+          <ac:spMkLst>
+            <pc:docMk/>
+            <pc:sldMk cId="1369771716" sldId="283"/>
+            <ac:spMk id="7" creationId="{E226F9E3-2B9E-1C01-832A-0E772A5712B9}"/>
+          </ac:spMkLst>
+        </pc:spChg>
+        <pc:spChg chg="add del mod">
+          <ac:chgData name="Ziqing Yu" userId="76dbd0bb75f3aa62" providerId="LiveId" clId="{C00F1E2B-988F-495B-864B-01751A304B2E}" dt="2023-01-24T22:12:39.927" v="922" actId="20577"/>
+          <ac:spMkLst>
+            <pc:docMk/>
+            <pc:sldMk cId="1369771716" sldId="283"/>
+            <ac:spMk id="8" creationId="{C1C04AE6-2948-6EA5-3781-6B1B71471EDE}"/>
+          </ac:spMkLst>
+        </pc:spChg>
+        <pc:picChg chg="add del mod">
+          <ac:chgData name="Ziqing Yu" userId="76dbd0bb75f3aa62" providerId="LiveId" clId="{C00F1E2B-988F-495B-864B-01751A304B2E}" dt="2023-01-24T07:40:43.754" v="354" actId="478"/>
+          <ac:picMkLst>
+            <pc:docMk/>
+            <pc:sldMk cId="1369771716" sldId="283"/>
+            <ac:picMk id="6" creationId="{83800EAF-2EBA-2EE3-4799-0BCC42D90ABE}"/>
+          </ac:picMkLst>
+        </pc:picChg>
+        <pc:picChg chg="add del mod">
+          <ac:chgData name="Ziqing Yu" userId="76dbd0bb75f3aa62" providerId="LiveId" clId="{C00F1E2B-988F-495B-864B-01751A304B2E}" dt="2023-01-24T22:06:17.917" v="396" actId="478"/>
+          <ac:picMkLst>
+            <pc:docMk/>
+            <pc:sldMk cId="1369771716" sldId="283"/>
+            <ac:picMk id="6" creationId="{E412BA59-3B60-0DA8-9BE1-6A61F7EEF660}"/>
+          </ac:picMkLst>
+        </pc:picChg>
+        <pc:picChg chg="add mod">
+          <ac:chgData name="Ziqing Yu" userId="76dbd0bb75f3aa62" providerId="LiveId" clId="{C00F1E2B-988F-495B-864B-01751A304B2E}" dt="2023-01-24T22:11:24.594" v="807" actId="1076"/>
+          <ac:picMkLst>
+            <pc:docMk/>
+            <pc:sldMk cId="1369771716" sldId="283"/>
+            <ac:picMk id="7" creationId="{819375F3-4009-CA2F-C69B-5100E2A0F908}"/>
+          </ac:picMkLst>
+        </pc:picChg>
+        <pc:picChg chg="add del mod">
+          <ac:chgData name="Ziqing Yu" userId="76dbd0bb75f3aa62" providerId="LiveId" clId="{C00F1E2B-988F-495B-864B-01751A304B2E}" dt="2023-01-24T07:49:46.403" v="359" actId="478"/>
+          <ac:picMkLst>
+            <pc:docMk/>
+            <pc:sldMk cId="1369771716" sldId="283"/>
+            <ac:picMk id="9" creationId="{0B871FA5-FA67-7680-4E89-5644F3DCADB5}"/>
+          </ac:picMkLst>
+        </pc:picChg>
+      </pc:sldChg>
+      <pc:sldChg chg="modSp new mod ord">
+        <pc:chgData name="Ziqing Yu" userId="76dbd0bb75f3aa62" providerId="LiveId" clId="{C00F1E2B-988F-495B-864B-01751A304B2E}" dt="2023-01-24T22:12:57.834" v="951" actId="20577"/>
+        <pc:sldMkLst>
+          <pc:docMk/>
+          <pc:sldMk cId="2029808732" sldId="284"/>
+        </pc:sldMkLst>
+        <pc:spChg chg="mod">
+          <ac:chgData name="Ziqing Yu" userId="76dbd0bb75f3aa62" providerId="LiveId" clId="{C00F1E2B-988F-495B-864B-01751A304B2E}" dt="2023-01-24T22:07:10.097" v="454" actId="20577"/>
+          <ac:spMkLst>
+            <pc:docMk/>
+            <pc:sldMk cId="2029808732" sldId="284"/>
+            <ac:spMk id="2" creationId="{5CF9B908-FB4F-41D6-893C-57FAB556F4CC}"/>
+          </ac:spMkLst>
+        </pc:spChg>
+        <pc:spChg chg="mod">
+          <ac:chgData name="Ziqing Yu" userId="76dbd0bb75f3aa62" providerId="LiveId" clId="{C00F1E2B-988F-495B-864B-01751A304B2E}" dt="2023-01-24T22:12:57.834" v="951" actId="20577"/>
+          <ac:spMkLst>
+            <pc:docMk/>
+            <pc:sldMk cId="2029808732" sldId="284"/>
+            <ac:spMk id="3" creationId="{359BC6BB-813C-7EAC-7221-52586C1F141A}"/>
+          </ac:spMkLst>
+        </pc:spChg>
+      </pc:sldChg>
+      <pc:sldChg chg="addSp delSp modSp new mod">
+        <pc:chgData name="Ziqing Yu" userId="76dbd0bb75f3aa62" providerId="LiveId" clId="{C00F1E2B-988F-495B-864B-01751A304B2E}" dt="2023-01-24T22:16:15.664" v="1240" actId="20577"/>
+        <pc:sldMkLst>
+          <pc:docMk/>
+          <pc:sldMk cId="663382584" sldId="285"/>
+        </pc:sldMkLst>
+        <pc:spChg chg="mod">
+          <ac:chgData name="Ziqing Yu" userId="76dbd0bb75f3aa62" providerId="LiveId" clId="{C00F1E2B-988F-495B-864B-01751A304B2E}" dt="2023-01-24T22:16:15.664" v="1240" actId="20577"/>
+          <ac:spMkLst>
+            <pc:docMk/>
+            <pc:sldMk cId="663382584" sldId="285"/>
+            <ac:spMk id="2" creationId="{B2961A59-F36B-F3CF-82E7-579A1282CFC7}"/>
+          </ac:spMkLst>
+        </pc:spChg>
+        <pc:spChg chg="del">
+          <ac:chgData name="Ziqing Yu" userId="76dbd0bb75f3aa62" providerId="LiveId" clId="{C00F1E2B-988F-495B-864B-01751A304B2E}" dt="2023-01-24T22:13:25.915" v="957"/>
+          <ac:spMkLst>
+            <pc:docMk/>
+            <pc:sldMk cId="663382584" sldId="285"/>
+            <ac:spMk id="3" creationId="{28EB2069-865F-6A47-092D-673F3F0C4841}"/>
+          </ac:spMkLst>
+        </pc:spChg>
+        <pc:spChg chg="add mod">
+          <ac:chgData name="Ziqing Yu" userId="76dbd0bb75f3aa62" providerId="LiveId" clId="{C00F1E2B-988F-495B-864B-01751A304B2E}" dt="2023-01-24T22:16:10.097" v="1225" actId="20577"/>
+          <ac:spMkLst>
+            <pc:docMk/>
+            <pc:sldMk cId="663382584" sldId="285"/>
+            <ac:spMk id="6" creationId="{A9F8AC8E-AA70-C17D-B929-B069D85B7E3B}"/>
+          </ac:spMkLst>
+        </pc:spChg>
+        <pc:picChg chg="add mod">
+          <ac:chgData name="Ziqing Yu" userId="76dbd0bb75f3aa62" providerId="LiveId" clId="{C00F1E2B-988F-495B-864B-01751A304B2E}" dt="2023-01-24T22:13:29.058" v="959" actId="1076"/>
+          <ac:picMkLst>
+            <pc:docMk/>
+            <pc:sldMk cId="663382584" sldId="285"/>
+            <ac:picMk id="5" creationId="{9953F1AD-91EF-AFDF-DA40-A62F062D0174}"/>
+          </ac:picMkLst>
+        </pc:picChg>
+      </pc:sldChg>
+    </pc:docChg>
+  </pc:docChgLst>
+  <pc:docChgLst>
+    <pc:chgData name="Ziqing Yu" userId="76dbd0bb75f3aa62" providerId="LiveId" clId="{31473BE9-0D82-4ABB-A311-CB31F9F364DA}"/>
+    <pc:docChg chg="custSel addSld modSld sldOrd">
+      <pc:chgData name="Ziqing Yu" userId="76dbd0bb75f3aa62" providerId="LiveId" clId="{31473BE9-0D82-4ABB-A311-CB31F9F364DA}" dt="2022-11-28T12:17:32.979" v="432" actId="1076"/>
+      <pc:docMkLst>
+        <pc:docMk/>
+      </pc:docMkLst>
+      <pc:sldChg chg="addSp delSp modSp">
+        <pc:chgData name="Ziqing Yu" userId="76dbd0bb75f3aa62" providerId="LiveId" clId="{31473BE9-0D82-4ABB-A311-CB31F9F364DA}" dt="2022-11-28T11:53:41.058" v="75"/>
+        <pc:sldMkLst>
+          <pc:docMk/>
+          <pc:sldMk cId="1143448818" sldId="331"/>
+        </pc:sldMkLst>
+        <pc:spChg chg="add del mod">
+          <ac:chgData name="Ziqing Yu" userId="76dbd0bb75f3aa62" providerId="LiveId" clId="{31473BE9-0D82-4ABB-A311-CB31F9F364DA}" dt="2022-11-28T09:58:13.792" v="4"/>
+          <ac:spMkLst>
+            <pc:docMk/>
+            <pc:sldMk cId="1143448818" sldId="331"/>
+            <ac:spMk id="3" creationId="{515A6880-5681-613B-C928-7C17710861FA}"/>
+          </ac:spMkLst>
+        </pc:spChg>
+        <pc:spChg chg="add del mod">
+          <ac:chgData name="Ziqing Yu" userId="76dbd0bb75f3aa62" providerId="LiveId" clId="{31473BE9-0D82-4ABB-A311-CB31F9F364DA}" dt="2022-11-28T11:53:41.058" v="75"/>
+          <ac:spMkLst>
+            <pc:docMk/>
+            <pc:sldMk cId="1143448818" sldId="331"/>
+            <ac:spMk id="8" creationId="{2DC1B85C-5557-DDA1-85EF-9B8E62AEBE14}"/>
+          </ac:spMkLst>
+        </pc:spChg>
+        <pc:picChg chg="del">
+          <ac:chgData name="Ziqing Yu" userId="76dbd0bb75f3aa62" providerId="LiveId" clId="{31473BE9-0D82-4ABB-A311-CB31F9F364DA}" dt="2022-11-28T09:57:16.303" v="0" actId="478"/>
+          <ac:picMkLst>
+            <pc:docMk/>
+            <pc:sldMk cId="1143448818" sldId="331"/>
+            <ac:picMk id="6" creationId="{E36797CF-0C87-94B1-0BF1-1A5EC4A521EA}"/>
+          </ac:picMkLst>
+        </pc:picChg>
+        <pc:picChg chg="add del mod">
+          <ac:chgData name="Ziqing Yu" userId="76dbd0bb75f3aa62" providerId="LiveId" clId="{31473BE9-0D82-4ABB-A311-CB31F9F364DA}" dt="2022-11-28T11:53:37.347" v="74" actId="478"/>
+          <ac:picMkLst>
+            <pc:docMk/>
+            <pc:sldMk cId="1143448818" sldId="331"/>
+            <ac:picMk id="7" creationId="{65AD185A-6648-4797-8300-DC73A3DB6B36}"/>
+          </ac:picMkLst>
+        </pc:picChg>
+        <pc:picChg chg="add mod">
+          <ac:chgData name="Ziqing Yu" userId="76dbd0bb75f3aa62" providerId="LiveId" clId="{31473BE9-0D82-4ABB-A311-CB31F9F364DA}" dt="2022-11-28T11:53:41.058" v="75"/>
+          <ac:picMkLst>
+            <pc:docMk/>
+            <pc:sldMk cId="1143448818" sldId="331"/>
+            <ac:picMk id="10" creationId="{895C56A5-4D66-140E-04CC-200CEC6B33BD}"/>
+          </ac:picMkLst>
+        </pc:picChg>
+      </pc:sldChg>
+      <pc:sldChg chg="addSp delSp modSp">
+        <pc:chgData name="Ziqing Yu" userId="76dbd0bb75f3aa62" providerId="LiveId" clId="{31473BE9-0D82-4ABB-A311-CB31F9F364DA}" dt="2022-11-28T11:54:06.389" v="79"/>
+        <pc:sldMkLst>
+          <pc:docMk/>
+          <pc:sldMk cId="2308039067" sldId="332"/>
+        </pc:sldMkLst>
+        <pc:spChg chg="add del mod">
+          <ac:chgData name="Ziqing Yu" userId="76dbd0bb75f3aa62" providerId="LiveId" clId="{31473BE9-0D82-4ABB-A311-CB31F9F364DA}" dt="2022-11-28T09:58:23.357" v="5"/>
+          <ac:spMkLst>
+            <pc:docMk/>
+            <pc:sldMk cId="2308039067" sldId="332"/>
+            <ac:spMk id="3" creationId="{70B0C9CD-0EB5-1EC5-EA4F-2A030F23D47B}"/>
+          </ac:spMkLst>
+        </pc:spChg>
+        <pc:spChg chg="add del mod">
+          <ac:chgData name="Ziqing Yu" userId="76dbd0bb75f3aa62" providerId="LiveId" clId="{31473BE9-0D82-4ABB-A311-CB31F9F364DA}" dt="2022-11-28T11:53:48.213" v="77"/>
+          <ac:spMkLst>
+            <pc:docMk/>
+            <pc:sldMk cId="2308039067" sldId="332"/>
+            <ac:spMk id="8" creationId="{E43BF0C1-9DEC-465D-8415-3769EB5770F6}"/>
+          </ac:spMkLst>
+        </pc:spChg>
+        <pc:spChg chg="add del mod">
+          <ac:chgData name="Ziqing Yu" userId="76dbd0bb75f3aa62" providerId="LiveId" clId="{31473BE9-0D82-4ABB-A311-CB31F9F364DA}" dt="2022-11-28T11:54:06.389" v="79"/>
+          <ac:spMkLst>
+            <pc:docMk/>
+            <pc:sldMk cId="2308039067" sldId="332"/>
+            <ac:spMk id="11" creationId="{ABABF254-C6A2-35B4-553A-2DE058F198B2}"/>
+          </ac:spMkLst>
+        </pc:spChg>
+        <pc:picChg chg="del">
+          <ac:chgData name="Ziqing Yu" userId="76dbd0bb75f3aa62" providerId="LiveId" clId="{31473BE9-0D82-4ABB-A311-CB31F9F364DA}" dt="2022-11-28T09:57:18.282" v="1" actId="478"/>
+          <ac:picMkLst>
+            <pc:docMk/>
+            <pc:sldMk cId="2308039067" sldId="332"/>
+            <ac:picMk id="6" creationId="{AB2452CF-75E4-9C1B-2B8E-6A18725F7890}"/>
+          </ac:picMkLst>
+        </pc:picChg>
+        <pc:picChg chg="add del mod">
+          <ac:chgData name="Ziqing Yu" userId="76dbd0bb75f3aa62" providerId="LiveId" clId="{31473BE9-0D82-4ABB-A311-CB31F9F364DA}" dt="2022-11-28T11:53:46.087" v="76" actId="478"/>
+          <ac:picMkLst>
+            <pc:docMk/>
+            <pc:sldMk cId="2308039067" sldId="332"/>
+            <ac:picMk id="7" creationId="{41DD7833-6D13-E8B1-1935-158AC36556E1}"/>
+          </ac:picMkLst>
+        </pc:picChg>
+        <pc:picChg chg="add del mod">
+          <ac:chgData name="Ziqing Yu" userId="76dbd0bb75f3aa62" providerId="LiveId" clId="{31473BE9-0D82-4ABB-A311-CB31F9F364DA}" dt="2022-11-28T11:54:05.009" v="78" actId="478"/>
+          <ac:picMkLst>
+            <pc:docMk/>
+            <pc:sldMk cId="2308039067" sldId="332"/>
+            <ac:picMk id="10" creationId="{250A259D-817E-99A7-6A5E-F8EA8D25056C}"/>
+          </ac:picMkLst>
+        </pc:picChg>
+        <pc:picChg chg="add mod">
+          <ac:chgData name="Ziqing Yu" userId="76dbd0bb75f3aa62" providerId="LiveId" clId="{31473BE9-0D82-4ABB-A311-CB31F9F364DA}" dt="2022-11-28T11:54:06.389" v="79"/>
+          <ac:picMkLst>
+            <pc:docMk/>
+            <pc:sldMk cId="2308039067" sldId="332"/>
+            <ac:picMk id="13" creationId="{1EA2E59E-5B82-B801-EA18-95455E7569D4}"/>
+          </ac:picMkLst>
+        </pc:picChg>
+      </pc:sldChg>
+      <pc:sldChg chg="addSp delSp modSp">
+        <pc:chgData name="Ziqing Yu" userId="76dbd0bb75f3aa62" providerId="LiveId" clId="{31473BE9-0D82-4ABB-A311-CB31F9F364DA}" dt="2022-11-28T11:55:58.715" v="81"/>
+        <pc:sldMkLst>
+          <pc:docMk/>
+          <pc:sldMk cId="3235998305" sldId="333"/>
+        </pc:sldMkLst>
+        <pc:spChg chg="add del mod">
+          <ac:chgData name="Ziqing Yu" userId="76dbd0bb75f3aa62" providerId="LiveId" clId="{31473BE9-0D82-4ABB-A311-CB31F9F364DA}" dt="2022-11-28T09:58:30.739" v="6"/>
+          <ac:spMkLst>
+            <pc:docMk/>
+            <pc:sldMk cId="3235998305" sldId="333"/>
+            <ac:spMk id="3" creationId="{0818C924-39F0-A7B5-3B9E-4D7A1F5BF66C}"/>
+          </ac:spMkLst>
+        </pc:spChg>
+        <pc:spChg chg="add del mod">
+          <ac:chgData name="Ziqing Yu" userId="76dbd0bb75f3aa62" providerId="LiveId" clId="{31473BE9-0D82-4ABB-A311-CB31F9F364DA}" dt="2022-11-28T11:55:58.715" v="81"/>
+          <ac:spMkLst>
+            <pc:docMk/>
+            <pc:sldMk cId="3235998305" sldId="333"/>
+            <ac:spMk id="8" creationId="{5D7CAE46-E851-EAC2-603E-76A533807E75}"/>
+          </ac:spMkLst>
+        </pc:spChg>
+        <pc:picChg chg="del">
+          <ac:chgData name="Ziqing Yu" userId="76dbd0bb75f3aa62" providerId="LiveId" clId="{31473BE9-0D82-4ABB-A311-CB31F9F364DA}" dt="2022-11-28T09:57:20.156" v="2" actId="478"/>
+          <ac:picMkLst>
+            <pc:docMk/>
+            <pc:sldMk cId="3235998305" sldId="333"/>
+            <ac:picMk id="6" creationId="{9A07E448-944D-8A1D-9D89-BD88E38243EC}"/>
+          </ac:picMkLst>
+        </pc:picChg>
+        <pc:picChg chg="add del mod">
+          <ac:chgData name="Ziqing Yu" userId="76dbd0bb75f3aa62" providerId="LiveId" clId="{31473BE9-0D82-4ABB-A311-CB31F9F364DA}" dt="2022-11-28T11:55:53.084" v="80" actId="478"/>
+          <ac:picMkLst>
+            <pc:docMk/>
+            <pc:sldMk cId="3235998305" sldId="333"/>
+            <ac:picMk id="7" creationId="{9D3D4FC1-CD6E-7C05-BD61-55E047C567DE}"/>
+          </ac:picMkLst>
+        </pc:picChg>
+        <pc:picChg chg="add mod">
+          <ac:chgData name="Ziqing Yu" userId="76dbd0bb75f3aa62" providerId="LiveId" clId="{31473BE9-0D82-4ABB-A311-CB31F9F364DA}" dt="2022-11-28T11:55:58.715" v="81"/>
+          <ac:picMkLst>
+            <pc:docMk/>
+            <pc:sldMk cId="3235998305" sldId="333"/>
+            <ac:picMk id="10" creationId="{589D8906-6CC5-AE18-D501-1F906DBA2E59}"/>
+          </ac:picMkLst>
+        </pc:picChg>
+      </pc:sldChg>
+      <pc:sldChg chg="addSp delSp modSp">
+        <pc:chgData name="Ziqing Yu" userId="76dbd0bb75f3aa62" providerId="LiveId" clId="{31473BE9-0D82-4ABB-A311-CB31F9F364DA}" dt="2022-11-28T11:56:02.218" v="83"/>
+        <pc:sldMkLst>
+          <pc:docMk/>
+          <pc:sldMk cId="2542230651" sldId="334"/>
+        </pc:sldMkLst>
+        <pc:spChg chg="add del mod">
+          <ac:chgData name="Ziqing Yu" userId="76dbd0bb75f3aa62" providerId="LiveId" clId="{31473BE9-0D82-4ABB-A311-CB31F9F364DA}" dt="2022-11-28T09:58:40.525" v="7"/>
+          <ac:spMkLst>
+            <pc:docMk/>
+            <pc:sldMk cId="2542230651" sldId="334"/>
+            <ac:spMk id="3" creationId="{38740C02-63DD-15D3-759E-A491FD5C937D}"/>
+          </ac:spMkLst>
+        </pc:spChg>
+        <pc:spChg chg="add del mod">
+          <ac:chgData name="Ziqing Yu" userId="76dbd0bb75f3aa62" providerId="LiveId" clId="{31473BE9-0D82-4ABB-A311-CB31F9F364DA}" dt="2022-11-28T11:56:02.218" v="83"/>
+          <ac:spMkLst>
+            <pc:docMk/>
+            <pc:sldMk cId="2542230651" sldId="334"/>
+            <ac:spMk id="8" creationId="{33EFAC18-992D-9E56-1454-793B8524999A}"/>
+          </ac:spMkLst>
+        </pc:spChg>
+        <pc:picChg chg="del">
+          <ac:chgData name="Ziqing Yu" userId="76dbd0bb75f3aa62" providerId="LiveId" clId="{31473BE9-0D82-4ABB-A311-CB31F9F364DA}" dt="2022-11-28T09:57:21.581" v="3" actId="478"/>
+          <ac:picMkLst>
+            <pc:docMk/>
+            <pc:sldMk cId="2542230651" sldId="334"/>
+            <ac:picMk id="6" creationId="{A73D9CFB-70AB-C648-7CA2-87A2A4B9BDDF}"/>
+          </ac:picMkLst>
+        </pc:picChg>
+        <pc:picChg chg="add del mod">
+          <ac:chgData name="Ziqing Yu" userId="76dbd0bb75f3aa62" providerId="LiveId" clId="{31473BE9-0D82-4ABB-A311-CB31F9F364DA}" dt="2022-11-28T11:56:00.352" v="82" actId="478"/>
+          <ac:picMkLst>
+            <pc:docMk/>
+            <pc:sldMk cId="2542230651" sldId="334"/>
+            <ac:picMk id="7" creationId="{992CD2A4-2020-DB92-558B-6FF4236CFAEA}"/>
+          </ac:picMkLst>
+        </pc:picChg>
+        <pc:picChg chg="add mod">
+          <ac:chgData name="Ziqing Yu" userId="76dbd0bb75f3aa62" providerId="LiveId" clId="{31473BE9-0D82-4ABB-A311-CB31F9F364DA}" dt="2022-11-28T11:56:02.218" v="83"/>
+          <ac:picMkLst>
+            <pc:docMk/>
+            <pc:sldMk cId="2542230651" sldId="334"/>
+            <ac:picMk id="10" creationId="{266AC3CF-29CF-D1E1-1506-31C5C5A70E15}"/>
+          </ac:picMkLst>
+        </pc:picChg>
+      </pc:sldChg>
+      <pc:sldChg chg="addSp delSp modSp">
+        <pc:chgData name="Ziqing Yu" userId="76dbd0bb75f3aa62" providerId="LiveId" clId="{31473BE9-0D82-4ABB-A311-CB31F9F364DA}" dt="2022-11-28T11:56:25.313" v="89"/>
+        <pc:sldMkLst>
+          <pc:docMk/>
+          <pc:sldMk cId="1093912996" sldId="335"/>
+        </pc:sldMkLst>
+        <pc:spChg chg="add del mod">
+          <ac:chgData name="Ziqing Yu" userId="76dbd0bb75f3aa62" providerId="LiveId" clId="{31473BE9-0D82-4ABB-A311-CB31F9F364DA}" dt="2022-11-28T09:59:18.479" v="42"/>
+          <ac:spMkLst>
+            <pc:docMk/>
+            <pc:sldMk cId="1093912996" sldId="335"/>
+            <ac:spMk id="3" creationId="{C8198042-F23C-2073-EFDD-293B67B427A8}"/>
+          </ac:spMkLst>
+        </pc:spChg>
+        <pc:spChg chg="add del mod">
+          <ac:chgData name="Ziqing Yu" userId="76dbd0bb75f3aa62" providerId="LiveId" clId="{31473BE9-0D82-4ABB-A311-CB31F9F364DA}" dt="2022-11-28T11:56:25.313" v="89"/>
+          <ac:spMkLst>
+            <pc:docMk/>
+            <pc:sldMk cId="1093912996" sldId="335"/>
+            <ac:spMk id="8" creationId="{6B4D7261-11F7-8808-7E74-DE8B1C9D71E6}"/>
+          </ac:spMkLst>
+        </pc:spChg>
+        <pc:picChg chg="del">
+          <ac:chgData name="Ziqing Yu" userId="76dbd0bb75f3aa62" providerId="LiveId" clId="{31473BE9-0D82-4ABB-A311-CB31F9F364DA}" dt="2022-11-28T09:58:43.675" v="8" actId="478"/>
+          <ac:picMkLst>
+            <pc:docMk/>
+            <pc:sldMk cId="1093912996" sldId="335"/>
+            <ac:picMk id="6" creationId="{4B7C3BBC-773F-7FD6-3F75-7E7CD4050D96}"/>
+          </ac:picMkLst>
+        </pc:picChg>
+        <pc:picChg chg="add del mod">
+          <ac:chgData name="Ziqing Yu" userId="76dbd0bb75f3aa62" providerId="LiveId" clId="{31473BE9-0D82-4ABB-A311-CB31F9F364DA}" dt="2022-11-28T11:56:21.009" v="88" actId="478"/>
+          <ac:picMkLst>
+            <pc:docMk/>
+            <pc:sldMk cId="1093912996" sldId="335"/>
+            <ac:picMk id="7" creationId="{7C034ED8-5DE6-1F23-2D3D-FAF394C4E109}"/>
+          </ac:picMkLst>
+        </pc:picChg>
+        <pc:picChg chg="add mod">
+          <ac:chgData name="Ziqing Yu" userId="76dbd0bb75f3aa62" providerId="LiveId" clId="{31473BE9-0D82-4ABB-A311-CB31F9F364DA}" dt="2022-11-28T11:56:25.313" v="89"/>
+          <ac:picMkLst>
+            <pc:docMk/>
+            <pc:sldMk cId="1093912996" sldId="335"/>
+            <ac:picMk id="10" creationId="{5448A35C-BA44-B9B2-6467-EE82AF3578F6}"/>
+          </ac:picMkLst>
+        </pc:picChg>
+      </pc:sldChg>
+      <pc:sldChg chg="addSp delSp modSp">
+        <pc:chgData name="Ziqing Yu" userId="76dbd0bb75f3aa62" providerId="LiveId" clId="{31473BE9-0D82-4ABB-A311-CB31F9F364DA}" dt="2022-11-28T11:56:30.650" v="91"/>
+        <pc:sldMkLst>
+          <pc:docMk/>
+          <pc:sldMk cId="865096269" sldId="336"/>
+        </pc:sldMkLst>
+        <pc:spChg chg="add del mod">
+          <ac:chgData name="Ziqing Yu" userId="76dbd0bb75f3aa62" providerId="LiveId" clId="{31473BE9-0D82-4ABB-A311-CB31F9F364DA}" dt="2022-11-28T09:59:23.299" v="43"/>
+          <ac:spMkLst>
+            <pc:docMk/>
+            <pc:sldMk cId="865096269" sldId="336"/>
+            <ac:spMk id="3" creationId="{C18E66B5-1C4F-670C-FE70-BAA182CEB97F}"/>
+          </ac:spMkLst>
+        </pc:spChg>
+        <pc:spChg chg="add del mod">
+          <ac:chgData name="Ziqing Yu" userId="76dbd0bb75f3aa62" providerId="LiveId" clId="{31473BE9-0D82-4ABB-A311-CB31F9F364DA}" dt="2022-11-28T11:56:30.650" v="91"/>
+          <ac:spMkLst>
+            <pc:docMk/>
+            <pc:sldMk cId="865096269" sldId="336"/>
+            <ac:spMk id="8" creationId="{1EDB8D48-7858-FC8C-C074-799307CACBC3}"/>
+          </ac:spMkLst>
+        </pc:spChg>
+        <pc:picChg chg="del">
+          <ac:chgData name="Ziqing Yu" userId="76dbd0bb75f3aa62" providerId="LiveId" clId="{31473BE9-0D82-4ABB-A311-CB31F9F364DA}" dt="2022-11-28T09:58:45.355" v="9" actId="478"/>
+          <ac:picMkLst>
+            <pc:docMk/>
+            <pc:sldMk cId="865096269" sldId="336"/>
+            <ac:picMk id="6" creationId="{C07E94F7-35C7-609A-926A-8CB008CBA15A}"/>
+          </ac:picMkLst>
+        </pc:picChg>
+        <pc:picChg chg="add del mod">
+          <ac:chgData name="Ziqing Yu" userId="76dbd0bb75f3aa62" providerId="LiveId" clId="{31473BE9-0D82-4ABB-A311-CB31F9F364DA}" dt="2022-11-28T11:56:28.121" v="90" actId="478"/>
+          <ac:picMkLst>
+            <pc:docMk/>
+            <pc:sldMk cId="865096269" sldId="336"/>
+            <ac:picMk id="7" creationId="{AA9D7BDF-1117-1888-581B-8A930EBC82BD}"/>
+          </ac:picMkLst>
+        </pc:picChg>
+        <pc:picChg chg="add mod">
+          <ac:chgData name="Ziqing Yu" userId="76dbd0bb75f3aa62" providerId="LiveId" clId="{31473BE9-0D82-4ABB-A311-CB31F9F364DA}" dt="2022-11-28T11:56:30.650" v="91"/>
+          <ac:picMkLst>
+            <pc:docMk/>
+            <pc:sldMk cId="865096269" sldId="336"/>
+            <ac:picMk id="10" creationId="{5D697B87-8FC5-8F9E-BB87-E28AE0BC0C24}"/>
+          </ac:picMkLst>
+        </pc:picChg>
+      </pc:sldChg>
+      <pc:sldChg chg="addSp delSp modSp mod">
+        <pc:chgData name="Ziqing Yu" userId="76dbd0bb75f3aa62" providerId="LiveId" clId="{31473BE9-0D82-4ABB-A311-CB31F9F364DA}" dt="2022-11-28T12:06:39.792" v="310" actId="404"/>
+        <pc:sldMkLst>
+          <pc:docMk/>
+          <pc:sldMk cId="771101650" sldId="337"/>
+        </pc:sldMkLst>
+        <pc:spChg chg="add del mod">
+          <ac:chgData name="Ziqing Yu" userId="76dbd0bb75f3aa62" providerId="LiveId" clId="{31473BE9-0D82-4ABB-A311-CB31F9F364DA}" dt="2022-11-28T09:59:40.676" v="44"/>
+          <ac:spMkLst>
+            <pc:docMk/>
+            <pc:sldMk cId="771101650" sldId="337"/>
+            <ac:spMk id="3" creationId="{F7129D25-F3D3-AF7C-2980-089BB300F76F}"/>
+          </ac:spMkLst>
+        </pc:spChg>
+        <pc:spChg chg="mod">
+          <ac:chgData name="Ziqing Yu" userId="76dbd0bb75f3aa62" providerId="LiveId" clId="{31473BE9-0D82-4ABB-A311-CB31F9F364DA}" dt="2022-11-28T12:05:07.855" v="282" actId="1076"/>
+          <ac:spMkLst>
+            <pc:docMk/>
+            <pc:sldMk cId="771101650" sldId="337"/>
+            <ac:spMk id="4" creationId="{4A63128B-3CE0-EF46-C06D-78099419E853}"/>
+          </ac:spMkLst>
+        </pc:spChg>
+        <pc:spChg chg="add del mod">
+          <ac:chgData name="Ziqing Yu" userId="76dbd0bb75f3aa62" providerId="LiveId" clId="{31473BE9-0D82-4ABB-A311-CB31F9F364DA}" dt="2022-11-28T11:56:35.715" v="93"/>
+          <ac:spMkLst>
+            <pc:docMk/>
+            <pc:sldMk cId="771101650" sldId="337"/>
+            <ac:spMk id="8" creationId="{CD3316D2-21EF-6924-8346-FB4CAFF1553A}"/>
+          </ac:spMkLst>
+        </pc:spChg>
+        <pc:spChg chg="add mod">
+          <ac:chgData name="Ziqing Yu" userId="76dbd0bb75f3aa62" providerId="LiveId" clId="{31473BE9-0D82-4ABB-A311-CB31F9F364DA}" dt="2022-11-28T12:06:39.792" v="310" actId="404"/>
+          <ac:spMkLst>
+            <pc:docMk/>
+            <pc:sldMk cId="771101650" sldId="337"/>
+            <ac:spMk id="11" creationId="{544BB1EA-0B70-401D-B0F0-6157239155E8}"/>
+          </ac:spMkLst>
+        </pc:spChg>
+        <pc:picChg chg="del">
+          <ac:chgData name="Ziqing Yu" userId="76dbd0bb75f3aa62" providerId="LiveId" clId="{31473BE9-0D82-4ABB-A311-CB31F9F364DA}" dt="2022-11-28T09:58:46.952" v="10" actId="478"/>
+          <ac:picMkLst>
+            <pc:docMk/>
+            <pc:sldMk cId="771101650" sldId="337"/>
+            <ac:picMk id="6" creationId="{E9F17CBF-420C-F7AD-ED80-1D64129048A1}"/>
+          </ac:picMkLst>
+        </pc:picChg>
+        <pc:picChg chg="add del mod">
+          <ac:chgData name="Ziqing Yu" userId="76dbd0bb75f3aa62" providerId="LiveId" clId="{31473BE9-0D82-4ABB-A311-CB31F9F364DA}" dt="2022-11-28T11:56:33.786" v="92" actId="478"/>
+          <ac:picMkLst>
+            <pc:docMk/>
+            <pc:sldMk cId="771101650" sldId="337"/>
+            <ac:picMk id="7" creationId="{9170DBED-59D8-C5B7-3F40-2D99A4562562}"/>
+          </ac:picMkLst>
+        </pc:picChg>
+        <pc:picChg chg="add mod">
+          <ac:chgData name="Ziqing Yu" userId="76dbd0bb75f3aa62" providerId="LiveId" clId="{31473BE9-0D82-4ABB-A311-CB31F9F364DA}" dt="2022-11-28T11:56:35.715" v="93"/>
+          <ac:picMkLst>
+            <pc:docMk/>
+            <pc:sldMk cId="771101650" sldId="337"/>
+            <ac:picMk id="10" creationId="{8E2ED661-6EA3-5136-BC6D-DA55864EF0BB}"/>
+          </ac:picMkLst>
+        </pc:picChg>
+      </pc:sldChg>
+      <pc:sldChg chg="addSp delSp modSp">
+        <pc:chgData name="Ziqing Yu" userId="76dbd0bb75f3aa62" providerId="LiveId" clId="{31473BE9-0D82-4ABB-A311-CB31F9F364DA}" dt="2022-11-28T11:56:40.688" v="95"/>
+        <pc:sldMkLst>
+          <pc:docMk/>
+          <pc:sldMk cId="397777219" sldId="338"/>
+        </pc:sldMkLst>
+        <pc:spChg chg="add del mod">
+          <ac:chgData name="Ziqing Yu" userId="76dbd0bb75f3aa62" providerId="LiveId" clId="{31473BE9-0D82-4ABB-A311-CB31F9F364DA}" dt="2022-11-28T10:02:28.018" v="45"/>
+          <ac:spMkLst>
+            <pc:docMk/>
+            <pc:sldMk cId="397777219" sldId="338"/>
+            <ac:spMk id="3" creationId="{C720AADB-57C5-3F17-5D20-6B0385FC3FF5}"/>
+          </ac:spMkLst>
+        </pc:spChg>
+        <pc:spChg chg="add del mod">
+          <ac:chgData name="Ziqing Yu" userId="76dbd0bb75f3aa62" providerId="LiveId" clId="{31473BE9-0D82-4ABB-A311-CB31F9F364DA}" dt="2022-11-28T11:56:40.688" v="95"/>
+          <ac:spMkLst>
+            <pc:docMk/>
+            <pc:sldMk cId="397777219" sldId="338"/>
+            <ac:spMk id="8" creationId="{7A5BF87F-4567-ED9F-2746-0E9FFB29752C}"/>
+          </ac:spMkLst>
+        </pc:spChg>
+        <pc:picChg chg="del">
+          <ac:chgData name="Ziqing Yu" userId="76dbd0bb75f3aa62" providerId="LiveId" clId="{31473BE9-0D82-4ABB-A311-CB31F9F364DA}" dt="2022-11-28T09:58:48.393" v="11" actId="478"/>
+          <ac:picMkLst>
+            <pc:docMk/>
+            <pc:sldMk cId="397777219" sldId="338"/>
+            <ac:picMk id="6" creationId="{453EA8A3-4C46-4FB1-8BD2-AF4F2E2C3FC3}"/>
+          </ac:picMkLst>
+        </pc:picChg>
+        <pc:picChg chg="add del mod">
+          <ac:chgData name="Ziqing Yu" userId="76dbd0bb75f3aa62" providerId="LiveId" clId="{31473BE9-0D82-4ABB-A311-CB31F9F364DA}" dt="2022-11-28T11:56:37.903" v="94" actId="478"/>
+          <ac:picMkLst>
+            <pc:docMk/>
+            <pc:sldMk cId="397777219" sldId="338"/>
+            <ac:picMk id="7" creationId="{7528C4D8-0E1A-2BCD-42D3-169339ECBB5D}"/>
+          </ac:picMkLst>
+        </pc:picChg>
+        <pc:picChg chg="add mod">
+          <ac:chgData name="Ziqing Yu" userId="76dbd0bb75f3aa62" providerId="LiveId" clId="{31473BE9-0D82-4ABB-A311-CB31F9F364DA}" dt="2022-11-28T11:56:40.688" v="95"/>
+          <ac:picMkLst>
+            <pc:docMk/>
+            <pc:sldMk cId="397777219" sldId="338"/>
+            <ac:picMk id="10" creationId="{250BA0DA-2805-4D2B-AF49-58757653DD4C}"/>
+          </ac:picMkLst>
+        </pc:picChg>
+      </pc:sldChg>
+      <pc:sldChg chg="addSp delSp modSp">
+        <pc:chgData name="Ziqing Yu" userId="76dbd0bb75f3aa62" providerId="LiveId" clId="{31473BE9-0D82-4ABB-A311-CB31F9F364DA}" dt="2022-11-28T12:00:11.527" v="101"/>
+        <pc:sldMkLst>
+          <pc:docMk/>
+          <pc:sldMk cId="3074370798" sldId="339"/>
+        </pc:sldMkLst>
+        <pc:spChg chg="add del mod">
+          <ac:chgData name="Ziqing Yu" userId="76dbd0bb75f3aa62" providerId="LiveId" clId="{31473BE9-0D82-4ABB-A311-CB31F9F364DA}" dt="2022-11-28T10:04:08.656" v="61"/>
+          <ac:spMkLst>
+            <pc:docMk/>
+            <pc:sldMk cId="3074370798" sldId="339"/>
+            <ac:spMk id="3" creationId="{6345BA41-86D6-0701-7D6E-267CD73CC211}"/>
+          </ac:spMkLst>
+        </pc:spChg>
+        <pc:spChg chg="add del mod">
+          <ac:chgData name="Ziqing Yu" userId="76dbd0bb75f3aa62" providerId="LiveId" clId="{31473BE9-0D82-4ABB-A311-CB31F9F364DA}" dt="2022-11-28T12:00:11.527" v="101"/>
+          <ac:spMkLst>
+            <pc:docMk/>
+            <pc:sldMk cId="3074370798" sldId="339"/>
+            <ac:spMk id="8" creationId="{D0361286-C215-AE0A-9EAA-BF1182BC774F}"/>
+          </ac:spMkLst>
+        </pc:spChg>
+        <pc:picChg chg="del">
+          <ac:chgData name="Ziqing Yu" userId="76dbd0bb75f3aa62" providerId="LiveId" clId="{31473BE9-0D82-4ABB-A311-CB31F9F364DA}" dt="2022-11-28T10:02:56.780" v="47" actId="478"/>
+          <ac:picMkLst>
+            <pc:docMk/>
+            <pc:sldMk cId="3074370798" sldId="339"/>
+            <ac:picMk id="6" creationId="{C253CD45-05B4-A617-D859-9311FB91B7B8}"/>
+          </ac:picMkLst>
+        </pc:picChg>
+        <pc:picChg chg="add del mod">
+          <ac:chgData name="Ziqing Yu" userId="76dbd0bb75f3aa62" providerId="LiveId" clId="{31473BE9-0D82-4ABB-A311-CB31F9F364DA}" dt="2022-11-28T12:00:07.016" v="100" actId="478"/>
+          <ac:picMkLst>
+            <pc:docMk/>
+            <pc:sldMk cId="3074370798" sldId="339"/>
+            <ac:picMk id="7" creationId="{214729FB-B7AD-2E17-6514-678E240DF2BA}"/>
+          </ac:picMkLst>
+        </pc:picChg>
+        <pc:picChg chg="add mod">
+          <ac:chgData name="Ziqing Yu" userId="76dbd0bb75f3aa62" providerId="LiveId" clId="{31473BE9-0D82-4ABB-A311-CB31F9F364DA}" dt="2022-11-28T12:00:11.527" v="101"/>
+          <ac:picMkLst>
+            <pc:docMk/>
+            <pc:sldMk cId="3074370798" sldId="339"/>
+            <ac:picMk id="10" creationId="{BFC187BE-1477-7C92-6FDF-928BB5648590}"/>
+          </ac:picMkLst>
+        </pc:picChg>
+      </pc:sldChg>
+      <pc:sldChg chg="addSp delSp modSp">
+        <pc:chgData name="Ziqing Yu" userId="76dbd0bb75f3aa62" providerId="LiveId" clId="{31473BE9-0D82-4ABB-A311-CB31F9F364DA}" dt="2022-11-28T12:00:20.464" v="103"/>
+        <pc:sldMkLst>
+          <pc:docMk/>
+          <pc:sldMk cId="3153467899" sldId="340"/>
+        </pc:sldMkLst>
+        <pc:spChg chg="add del mod">
+          <ac:chgData name="Ziqing Yu" userId="76dbd0bb75f3aa62" providerId="LiveId" clId="{31473BE9-0D82-4ABB-A311-CB31F9F364DA}" dt="2022-11-28T10:04:14.909" v="62"/>
+          <ac:spMkLst>
+            <pc:docMk/>
+            <pc:sldMk cId="3153467899" sldId="340"/>
+            <ac:spMk id="3" creationId="{F351FF12-6C09-4776-099A-A37FA381DF76}"/>
+          </ac:spMkLst>
+        </pc:spChg>
+        <pc:spChg chg="add del mod">
+          <ac:chgData name="Ziqing Yu" userId="76dbd0bb75f3aa62" providerId="LiveId" clId="{31473BE9-0D82-4ABB-A311-CB31F9F364DA}" dt="2022-11-28T12:00:20.464" v="103"/>
+          <ac:spMkLst>
+            <pc:docMk/>
+            <pc:sldMk cId="3153467899" sldId="340"/>
+            <ac:spMk id="8" creationId="{3295EBF3-5D25-7F00-1CBF-9450D9368830}"/>
+          </ac:spMkLst>
+        </pc:spChg>
+        <pc:picChg chg="del">
+          <ac:chgData name="Ziqing Yu" userId="76dbd0bb75f3aa62" providerId="LiveId" clId="{31473BE9-0D82-4ABB-A311-CB31F9F364DA}" dt="2022-11-28T10:02:58.756" v="48" actId="478"/>
+          <ac:picMkLst>
+            <pc:docMk/>
+            <pc:sldMk cId="3153467899" sldId="340"/>
+            <ac:picMk id="6" creationId="{3AD9C9A4-89A7-C8DF-DD57-58AB7596A34E}"/>
+          </ac:picMkLst>
+        </pc:picChg>
+        <pc:picChg chg="add del mod">
+          <ac:chgData name="Ziqing Yu" userId="76dbd0bb75f3aa62" providerId="LiveId" clId="{31473BE9-0D82-4ABB-A311-CB31F9F364DA}" dt="2022-11-28T12:00:16.241" v="102" actId="478"/>
+          <ac:picMkLst>
+            <pc:docMk/>
+            <pc:sldMk cId="3153467899" sldId="340"/>
+            <ac:picMk id="7" creationId="{6B1E1EBC-3181-223F-A37E-E1546793B136}"/>
+          </ac:picMkLst>
+        </pc:picChg>
+        <pc:picChg chg="add mod">
+          <ac:chgData name="Ziqing Yu" userId="76dbd0bb75f3aa62" providerId="LiveId" clId="{31473BE9-0D82-4ABB-A311-CB31F9F364DA}" dt="2022-11-28T12:00:20.464" v="103"/>
+          <ac:picMkLst>
+            <pc:docMk/>
+            <pc:sldMk cId="3153467899" sldId="340"/>
+            <ac:picMk id="10" creationId="{D77F68D8-D2BB-130F-D5E6-C067731112CE}"/>
+          </ac:picMkLst>
+        </pc:picChg>
+      </pc:sldChg>
+      <pc:sldChg chg="addSp delSp modSp">
+        <pc:chgData name="Ziqing Yu" userId="76dbd0bb75f3aa62" providerId="LiveId" clId="{31473BE9-0D82-4ABB-A311-CB31F9F364DA}" dt="2022-11-28T12:00:26.799" v="105"/>
+        <pc:sldMkLst>
+          <pc:docMk/>
+          <pc:sldMk cId="2180464758" sldId="341"/>
+        </pc:sldMkLst>
+        <pc:spChg chg="add del mod">
+          <ac:chgData name="Ziqing Yu" userId="76dbd0bb75f3aa62" providerId="LiveId" clId="{31473BE9-0D82-4ABB-A311-CB31F9F364DA}" dt="2022-11-28T10:04:24.043" v="63"/>
+          <ac:spMkLst>
+            <pc:docMk/>
+            <pc:sldMk cId="2180464758" sldId="341"/>
+            <ac:spMk id="3" creationId="{4288367A-FB5B-14C8-2533-2B6030738B14}"/>
+          </ac:spMkLst>
+        </pc:spChg>
+        <pc:spChg chg="add del mod">
+          <ac:chgData name="Ziqing Yu" userId="76dbd0bb75f3aa62" providerId="LiveId" clId="{31473BE9-0D82-4ABB-A311-CB31F9F364DA}" dt="2022-11-28T12:00:26.799" v="105"/>
+          <ac:spMkLst>
+            <pc:docMk/>
+            <pc:sldMk cId="2180464758" sldId="341"/>
+            <ac:spMk id="8" creationId="{56C88922-C155-67ED-90F3-06B068FA8A8C}"/>
+          </ac:spMkLst>
+        </pc:spChg>
+        <pc:picChg chg="del">
+          <ac:chgData name="Ziqing Yu" userId="76dbd0bb75f3aa62" providerId="LiveId" clId="{31473BE9-0D82-4ABB-A311-CB31F9F364DA}" dt="2022-11-28T10:03:01.307" v="49" actId="478"/>
+          <ac:picMkLst>
+            <pc:docMk/>
+            <pc:sldMk cId="2180464758" sldId="341"/>
+            <ac:picMk id="6" creationId="{A5B0797D-32DD-FC92-018A-84B2D796E9C4}"/>
+          </ac:picMkLst>
+        </pc:picChg>
+        <pc:picChg chg="add del mod">
+          <ac:chgData name="Ziqing Yu" userId="76dbd0bb75f3aa62" providerId="LiveId" clId="{31473BE9-0D82-4ABB-A311-CB31F9F364DA}" dt="2022-11-28T12:00:23.029" v="104" actId="478"/>
+          <ac:picMkLst>
+            <pc:docMk/>
+            <pc:sldMk cId="2180464758" sldId="341"/>
+            <ac:picMk id="7" creationId="{4DBC6355-82C5-6EDD-9249-21E5C1AEEDAD}"/>
+          </ac:picMkLst>
+        </pc:picChg>
+        <pc:picChg chg="add mod">
+          <ac:chgData name="Ziqing Yu" userId="76dbd0bb75f3aa62" providerId="LiveId" clId="{31473BE9-0D82-4ABB-A311-CB31F9F364DA}" dt="2022-11-28T12:00:26.799" v="105"/>
+          <ac:picMkLst>
+            <pc:docMk/>
+            <pc:sldMk cId="2180464758" sldId="341"/>
+            <ac:picMk id="10" creationId="{0E7D6C4D-BD41-2457-B378-6CE5307EDEDF}"/>
+          </ac:picMkLst>
+        </pc:picChg>
+      </pc:sldChg>
+      <pc:sldChg chg="addSp delSp modSp">
+        <pc:chgData name="Ziqing Yu" userId="76dbd0bb75f3aa62" providerId="LiveId" clId="{31473BE9-0D82-4ABB-A311-CB31F9F364DA}" dt="2022-11-28T12:00:33.363" v="107"/>
+        <pc:sldMkLst>
+          <pc:docMk/>
+          <pc:sldMk cId="1946814930" sldId="342"/>
+        </pc:sldMkLst>
+        <pc:spChg chg="add del mod">
+          <ac:chgData name="Ziqing Yu" userId="76dbd0bb75f3aa62" providerId="LiveId" clId="{31473BE9-0D82-4ABB-A311-CB31F9F364DA}" dt="2022-11-28T10:04:28.052" v="64"/>
+          <ac:spMkLst>
+            <pc:docMk/>
+            <pc:sldMk cId="1946814930" sldId="342"/>
+            <ac:spMk id="3" creationId="{701D5FAE-91F8-7708-2501-C5F240803BCE}"/>
+          </ac:spMkLst>
+        </pc:spChg>
+        <pc:spChg chg="add del mod">
+          <ac:chgData name="Ziqing Yu" userId="76dbd0bb75f3aa62" providerId="LiveId" clId="{31473BE9-0D82-4ABB-A311-CB31F9F364DA}" dt="2022-11-28T12:00:33.363" v="107"/>
+          <ac:spMkLst>
+            <pc:docMk/>
+            <pc:sldMk cId="1946814930" sldId="342"/>
+            <ac:spMk id="8" creationId="{2049FB2D-5E4E-7747-2A87-A224C1B4F80F}"/>
+          </ac:spMkLst>
+        </pc:spChg>
+        <pc:picChg chg="del">
+          <ac:chgData name="Ziqing Yu" userId="76dbd0bb75f3aa62" providerId="LiveId" clId="{31473BE9-0D82-4ABB-A311-CB31F9F364DA}" dt="2022-11-28T10:03:02.902" v="50" actId="478"/>
+          <ac:picMkLst>
+            <pc:docMk/>
+            <pc:sldMk cId="1946814930" sldId="342"/>
+            <ac:picMk id="6" creationId="{E0AFB8F3-EDBC-F4C3-BE84-3859F090F6F6}"/>
+          </ac:picMkLst>
+        </pc:picChg>
+        <pc:picChg chg="add del mod">
+          <ac:chgData name="Ziqing Yu" userId="76dbd0bb75f3aa62" providerId="LiveId" clId="{31473BE9-0D82-4ABB-A311-CB31F9F364DA}" dt="2022-11-28T12:00:31.335" v="106" actId="478"/>
+          <ac:picMkLst>
+            <pc:docMk/>
+            <pc:sldMk cId="1946814930" sldId="342"/>
+            <ac:picMk id="7" creationId="{E5C74089-833A-2095-0EB1-961386142761}"/>
+          </ac:picMkLst>
+        </pc:picChg>
+        <pc:picChg chg="add mod">
+          <ac:chgData name="Ziqing Yu" userId="76dbd0bb75f3aa62" providerId="LiveId" clId="{31473BE9-0D82-4ABB-A311-CB31F9F364DA}" dt="2022-11-28T12:00:33.363" v="107"/>
+          <ac:picMkLst>
+            <pc:docMk/>
+            <pc:sldMk cId="1946814930" sldId="342"/>
+            <ac:picMk id="10" creationId="{4617C52E-A695-7082-F459-2AF0CE9E54FC}"/>
+          </ac:picMkLst>
+        </pc:picChg>
+      </pc:sldChg>
+      <pc:sldChg chg="addSp delSp modSp">
+        <pc:chgData name="Ziqing Yu" userId="76dbd0bb75f3aa62" providerId="LiveId" clId="{31473BE9-0D82-4ABB-A311-CB31F9F364DA}" dt="2022-11-28T12:00:38.722" v="109"/>
+        <pc:sldMkLst>
+          <pc:docMk/>
+          <pc:sldMk cId="2997382355" sldId="343"/>
+        </pc:sldMkLst>
+        <pc:spChg chg="add del mod">
+          <ac:chgData name="Ziqing Yu" userId="76dbd0bb75f3aa62" providerId="LiveId" clId="{31473BE9-0D82-4ABB-A311-CB31F9F364DA}" dt="2022-11-28T10:04:32.917" v="65"/>
+          <ac:spMkLst>
+            <pc:docMk/>
+            <pc:sldMk cId="2997382355" sldId="343"/>
+            <ac:spMk id="3" creationId="{33EB6375-DFF8-900D-DB7B-3D2BCF15661E}"/>
+          </ac:spMkLst>
+        </pc:spChg>
+        <pc:spChg chg="add del mod">
+          <ac:chgData name="Ziqing Yu" userId="76dbd0bb75f3aa62" providerId="LiveId" clId="{31473BE9-0D82-4ABB-A311-CB31F9F364DA}" dt="2022-11-28T12:00:38.722" v="109"/>
+          <ac:spMkLst>
+            <pc:docMk/>
+            <pc:sldMk cId="2997382355" sldId="343"/>
+            <ac:spMk id="8" creationId="{F0A68D4A-159C-F1E3-C290-97C73B920A6A}"/>
+          </ac:spMkLst>
+        </pc:spChg>
+        <pc:picChg chg="del">
+          <ac:chgData name="Ziqing Yu" userId="76dbd0bb75f3aa62" providerId="LiveId" clId="{31473BE9-0D82-4ABB-A311-CB31F9F364DA}" dt="2022-11-28T10:03:05.200" v="51" actId="478"/>
+          <ac:picMkLst>
+            <pc:docMk/>
+            <pc:sldMk cId="2997382355" sldId="343"/>
+            <ac:picMk id="6" creationId="{5B71D951-3393-940B-6778-FD80F6EBCADD}"/>
+          </ac:picMkLst>
+        </pc:picChg>
+        <pc:picChg chg="add del mod">
+          <ac:chgData name="Ziqing Yu" userId="76dbd0bb75f3aa62" providerId="LiveId" clId="{31473BE9-0D82-4ABB-A311-CB31F9F364DA}" dt="2022-11-28T12:00:35.511" v="108" actId="478"/>
+          <ac:picMkLst>
+            <pc:docMk/>
+            <pc:sldMk cId="2997382355" sldId="343"/>
+            <ac:picMk id="7" creationId="{A4D42452-DC61-A105-A279-85C5E11D88E2}"/>
+          </ac:picMkLst>
+        </pc:picChg>
+        <pc:picChg chg="add mod">
+          <ac:chgData name="Ziqing Yu" userId="76dbd0bb75f3aa62" providerId="LiveId" clId="{31473BE9-0D82-4ABB-A311-CB31F9F364DA}" dt="2022-11-28T12:00:38.722" v="109"/>
+          <ac:picMkLst>
+            <pc:docMk/>
+            <pc:sldMk cId="2997382355" sldId="343"/>
+            <ac:picMk id="10" creationId="{7FDC660C-A276-E360-8DD3-33A3606A0374}"/>
+          </ac:picMkLst>
+        </pc:picChg>
+      </pc:sldChg>
+      <pc:sldChg chg="addSp delSp modSp">
+        <pc:chgData name="Ziqing Yu" userId="76dbd0bb75f3aa62" providerId="LiveId" clId="{31473BE9-0D82-4ABB-A311-CB31F9F364DA}" dt="2022-11-28T12:00:42.193" v="111"/>
+        <pc:sldMkLst>
+          <pc:docMk/>
+          <pc:sldMk cId="1226457351" sldId="344"/>
+        </pc:sldMkLst>
+        <pc:spChg chg="add del mod">
+          <ac:chgData name="Ziqing Yu" userId="76dbd0bb75f3aa62" providerId="LiveId" clId="{31473BE9-0D82-4ABB-A311-CB31F9F364DA}" dt="2022-11-28T10:04:36.908" v="66"/>
+          <ac:spMkLst>
+            <pc:docMk/>
+            <pc:sldMk cId="1226457351" sldId="344"/>
+            <ac:spMk id="3" creationId="{DD5A3945-9A6F-0EAA-35D2-9A2953DFA767}"/>
+          </ac:spMkLst>
+        </pc:spChg>
+        <pc:spChg chg="add del mod">
+          <ac:chgData name="Ziqing Yu" userId="76dbd0bb75f3aa62" providerId="LiveId" clId="{31473BE9-0D82-4ABB-A311-CB31F9F364DA}" dt="2022-11-28T12:00:42.193" v="111"/>
+          <ac:spMkLst>
+            <pc:docMk/>
+            <pc:sldMk cId="1226457351" sldId="344"/>
+            <ac:spMk id="8" creationId="{C7D2B7BE-47E3-EBD4-C5AB-B3DCD0418D82}"/>
+          </ac:spMkLst>
+        </pc:spChg>
+        <pc:picChg chg="del">
+          <ac:chgData name="Ziqing Yu" userId="76dbd0bb75f3aa62" providerId="LiveId" clId="{31473BE9-0D82-4ABB-A311-CB31F9F364DA}" dt="2022-11-28T10:03:06.504" v="52" actId="478"/>
+          <ac:picMkLst>
+            <pc:docMk/>
+            <pc:sldMk cId="1226457351" sldId="344"/>
+            <ac:picMk id="6" creationId="{B9E4A37B-0551-F2B2-90C9-A960539106B2}"/>
+          </ac:picMkLst>
+        </pc:picChg>
+        <pc:picChg chg="add del mod">
+          <ac:chgData name="Ziqing Yu" userId="76dbd0bb75f3aa62" providerId="LiveId" clId="{31473BE9-0D82-4ABB-A311-CB31F9F364DA}" dt="2022-11-28T12:00:40.573" v="110" actId="478"/>
+          <ac:picMkLst>
+            <pc:docMk/>
+            <pc:sldMk cId="1226457351" sldId="344"/>
+            <ac:picMk id="7" creationId="{37608D7F-65DB-A4B0-83CB-6CF642DD9151}"/>
+          </ac:picMkLst>
+        </pc:picChg>
+        <pc:picChg chg="add mod">
+          <ac:chgData name="Ziqing Yu" userId="76dbd0bb75f3aa62" providerId="LiveId" clId="{31473BE9-0D82-4ABB-A311-CB31F9F364DA}" dt="2022-11-28T12:00:42.193" v="111"/>
+          <ac:picMkLst>
+            <pc:docMk/>
+            <pc:sldMk cId="1226457351" sldId="344"/>
+            <ac:picMk id="10" creationId="{C21653A5-D80D-3A00-ECB8-32D48C85D593}"/>
+          </ac:picMkLst>
+        </pc:picChg>
+      </pc:sldChg>
+      <pc:sldChg chg="addSp delSp modSp ord">
+        <pc:chgData name="Ziqing Yu" userId="76dbd0bb75f3aa62" providerId="LiveId" clId="{31473BE9-0D82-4ABB-A311-CB31F9F364DA}" dt="2022-11-28T11:56:09.271" v="85"/>
+        <pc:sldMkLst>
+          <pc:docMk/>
+          <pc:sldMk cId="2225581001" sldId="345"/>
+        </pc:sldMkLst>
+        <pc:spChg chg="add del mod">
+          <ac:chgData name="Ziqing Yu" userId="76dbd0bb75f3aa62" providerId="LiveId" clId="{31473BE9-0D82-4ABB-A311-CB31F9F364DA}" dt="2022-11-28T10:03:39.081" v="59"/>
+          <ac:spMkLst>
+            <pc:docMk/>
+            <pc:sldMk cId="2225581001" sldId="345"/>
+            <ac:spMk id="3" creationId="{5C1C85D3-1FDD-25EB-1B25-4FD6C3ADD866}"/>
+          </ac:spMkLst>
+        </pc:spChg>
+        <pc:spChg chg="add del mod">
+          <ac:chgData name="Ziqing Yu" userId="76dbd0bb75f3aa62" providerId="LiveId" clId="{31473BE9-0D82-4ABB-A311-CB31F9F364DA}" dt="2022-11-28T11:56:09.271" v="85"/>
+          <ac:spMkLst>
+            <pc:docMk/>
+            <pc:sldMk cId="2225581001" sldId="345"/>
+            <ac:spMk id="8" creationId="{BD3FCFA4-85DB-7282-A4E0-9B1472452A29}"/>
+          </ac:spMkLst>
+        </pc:spChg>
+        <pc:picChg chg="del">
+          <ac:chgData name="Ziqing Yu" userId="76dbd0bb75f3aa62" providerId="LiveId" clId="{31473BE9-0D82-4ABB-A311-CB31F9F364DA}" dt="2022-11-28T10:03:09.056" v="53" actId="478"/>
+          <ac:picMkLst>
+            <pc:docMk/>
+            <pc:sldMk cId="2225581001" sldId="345"/>
+            <ac:picMk id="6" creationId="{2AB0166D-F6D9-120B-2DA9-F05B11DBCF7C}"/>
+          </ac:picMkLst>
+        </pc:picChg>
+        <pc:picChg chg="add del mod">
+          <ac:chgData name="Ziqing Yu" userId="76dbd0bb75f3aa62" providerId="LiveId" clId="{31473BE9-0D82-4ABB-A311-CB31F9F364DA}" dt="2022-11-28T11:56:07.370" v="84" actId="478"/>
+          <ac:picMkLst>
+            <pc:docMk/>
+            <pc:sldMk cId="2225581001" sldId="345"/>
+            <ac:picMk id="7" creationId="{E59B8B2A-AF3A-FEFF-830B-165492BBF970}"/>
+          </ac:picMkLst>
+        </pc:picChg>
+        <pc:picChg chg="add mod">
+          <ac:chgData name="Ziqing Yu" userId="76dbd0bb75f3aa62" providerId="LiveId" clId="{31473BE9-0D82-4ABB-A311-CB31F9F364DA}" dt="2022-11-28T11:56:09.271" v="85"/>
+          <ac:picMkLst>
+            <pc:docMk/>
+            <pc:sldMk cId="2225581001" sldId="345"/>
+            <ac:picMk id="10" creationId="{678F0BEA-01FB-6474-2DE7-2B582F0D008F}"/>
+          </ac:picMkLst>
+        </pc:picChg>
+      </pc:sldChg>
+      <pc:sldChg chg="addSp delSp modSp ord">
+        <pc:chgData name="Ziqing Yu" userId="76dbd0bb75f3aa62" providerId="LiveId" clId="{31473BE9-0D82-4ABB-A311-CB31F9F364DA}" dt="2022-11-28T11:56:15.946" v="87"/>
+        <pc:sldMkLst>
+          <pc:docMk/>
+          <pc:sldMk cId="1589648065" sldId="346"/>
+        </pc:sldMkLst>
+        <pc:spChg chg="add del mod">
+          <ac:chgData name="Ziqing Yu" userId="76dbd0bb75f3aa62" providerId="LiveId" clId="{31473BE9-0D82-4ABB-A311-CB31F9F364DA}" dt="2022-11-28T10:03:46.142" v="60"/>
+          <ac:spMkLst>
+            <pc:docMk/>
+            <pc:sldMk cId="1589648065" sldId="346"/>
+            <ac:spMk id="3" creationId="{7ED57D73-D86E-C35D-83B0-585C4DD33474}"/>
+          </ac:spMkLst>
+        </pc:spChg>
+        <pc:spChg chg="add del mod">
+          <ac:chgData name="Ziqing Yu" userId="76dbd0bb75f3aa62" providerId="LiveId" clId="{31473BE9-0D82-4ABB-A311-CB31F9F364DA}" dt="2022-11-28T11:56:15.946" v="87"/>
+          <ac:spMkLst>
+            <pc:docMk/>
+            <pc:sldMk cId="1589648065" sldId="346"/>
+            <ac:spMk id="8" creationId="{C596F27F-DDAC-4332-B447-E0D759E33499}"/>
+          </ac:spMkLst>
+        </pc:spChg>
+        <pc:picChg chg="del">
+          <ac:chgData name="Ziqing Yu" userId="76dbd0bb75f3aa62" providerId="LiveId" clId="{31473BE9-0D82-4ABB-A311-CB31F9F364DA}" dt="2022-11-28T10:03:10.651" v="54" actId="478"/>
+          <ac:picMkLst>
+            <pc:docMk/>
+            <pc:sldMk cId="1589648065" sldId="346"/>
+            <ac:picMk id="6" creationId="{0D93D7EC-70E6-C79A-704B-BAAE0DA76A85}"/>
+          </ac:picMkLst>
+        </pc:picChg>
+        <pc:picChg chg="add del mod">
+          <ac:chgData name="Ziqing Yu" userId="76dbd0bb75f3aa62" providerId="LiveId" clId="{31473BE9-0D82-4ABB-A311-CB31F9F364DA}" dt="2022-11-28T11:56:13.020" v="86" actId="478"/>
+          <ac:picMkLst>
+            <pc:docMk/>
+            <pc:sldMk cId="1589648065" sldId="346"/>
+            <ac:picMk id="7" creationId="{D0BAAD7A-D93E-1937-D3E7-7074AC8D2BD2}"/>
+          </ac:picMkLst>
+        </pc:picChg>
+        <pc:picChg chg="add mod">
+          <ac:chgData name="Ziqing Yu" userId="76dbd0bb75f3aa62" providerId="LiveId" clId="{31473BE9-0D82-4ABB-A311-CB31F9F364DA}" dt="2022-11-28T11:56:15.946" v="87"/>
+          <ac:picMkLst>
+            <pc:docMk/>
+            <pc:sldMk cId="1589648065" sldId="346"/>
+            <ac:picMk id="10" creationId="{966DAEC7-1C5E-3FBC-23D7-8BCE95F52D48}"/>
+          </ac:picMkLst>
+        </pc:picChg>
+      </pc:sldChg>
+      <pc:sldChg chg="addSp delSp modSp new mod">
+        <pc:chgData name="Ziqing Yu" userId="76dbd0bb75f3aa62" providerId="LiveId" clId="{31473BE9-0D82-4ABB-A311-CB31F9F364DA}" dt="2022-11-28T12:04:43.447" v="266" actId="1076"/>
+        <pc:sldMkLst>
+          <pc:docMk/>
+          <pc:sldMk cId="4073100235" sldId="347"/>
+        </pc:sldMkLst>
+        <pc:spChg chg="mod">
+          <ac:chgData name="Ziqing Yu" userId="76dbd0bb75f3aa62" providerId="LiveId" clId="{31473BE9-0D82-4ABB-A311-CB31F9F364DA}" dt="2022-11-28T09:59:03.753" v="41" actId="20577"/>
+          <ac:spMkLst>
+            <pc:docMk/>
+            <pc:sldMk cId="4073100235" sldId="347"/>
+            <ac:spMk id="2" creationId="{1BD000A3-7086-5618-B3F5-0A3A9A4DADEC}"/>
+          </ac:spMkLst>
+        </pc:spChg>
+        <pc:spChg chg="del">
+          <ac:chgData name="Ziqing Yu" userId="76dbd0bb75f3aa62" providerId="LiveId" clId="{31473BE9-0D82-4ABB-A311-CB31F9F364DA}" dt="2022-11-28T10:02:50.649" v="46"/>
+          <ac:spMkLst>
+            <pc:docMk/>
+            <pc:sldMk cId="4073100235" sldId="347"/>
+            <ac:spMk id="3" creationId="{AADC61EA-1D42-5C1F-2652-4184952D3FD9}"/>
+          </ac:spMkLst>
+        </pc:spChg>
+        <pc:spChg chg="add del mod">
+          <ac:chgData name="Ziqing Yu" userId="76dbd0bb75f3aa62" providerId="LiveId" clId="{31473BE9-0D82-4ABB-A311-CB31F9F364DA}" dt="2022-11-28T11:56:49.233" v="97"/>
+          <ac:spMkLst>
+            <pc:docMk/>
+            <pc:sldMk cId="4073100235" sldId="347"/>
+            <ac:spMk id="7" creationId="{B8AC3339-C9AF-EB3F-EB87-FA9F4EEA42BE}"/>
+          </ac:spMkLst>
+        </pc:spChg>
+        <pc:spChg chg="add del mod">
+          <ac:chgData name="Ziqing Yu" userId="76dbd0bb75f3aa62" providerId="LiveId" clId="{31473BE9-0D82-4ABB-A311-CB31F9F364DA}" dt="2022-11-28T12:00:00.077" v="99"/>
+          <ac:spMkLst>
+            <pc:docMk/>
+            <pc:sldMk cId="4073100235" sldId="347"/>
+            <ac:spMk id="10" creationId="{7B2144B5-0603-3404-C180-58C79E8103A5}"/>
+          </ac:spMkLst>
+        </pc:spChg>
+        <pc:spChg chg="add mod">
+          <ac:chgData name="Ziqing Yu" userId="76dbd0bb75f3aa62" providerId="LiveId" clId="{31473BE9-0D82-4ABB-A311-CB31F9F364DA}" dt="2022-11-28T12:04:43.447" v="266" actId="1076"/>
+          <ac:spMkLst>
+            <pc:docMk/>
+            <pc:sldMk cId="4073100235" sldId="347"/>
+            <ac:spMk id="13" creationId="{27B21752-8558-A219-6EFA-DD9542AF6305}"/>
+          </ac:spMkLst>
+        </pc:spChg>
+        <pc:picChg chg="add del mod">
+          <ac:chgData name="Ziqing Yu" userId="76dbd0bb75f3aa62" providerId="LiveId" clId="{31473BE9-0D82-4ABB-A311-CB31F9F364DA}" dt="2022-11-28T11:56:44.396" v="96" actId="478"/>
+          <ac:picMkLst>
+            <pc:docMk/>
+            <pc:sldMk cId="4073100235" sldId="347"/>
+            <ac:picMk id="6" creationId="{D4390363-3474-316D-C578-75550E4DC60F}"/>
+          </ac:picMkLst>
+        </pc:picChg>
+        <pc:picChg chg="add del mod">
+          <ac:chgData name="Ziqing Yu" userId="76dbd0bb75f3aa62" providerId="LiveId" clId="{31473BE9-0D82-4ABB-A311-CB31F9F364DA}" dt="2022-11-28T11:59:58.136" v="98" actId="478"/>
+          <ac:picMkLst>
+            <pc:docMk/>
+            <pc:sldMk cId="4073100235" sldId="347"/>
+            <ac:picMk id="9" creationId="{DC83E2A2-58B4-1568-653F-255D71D0A571}"/>
+          </ac:picMkLst>
+        </pc:picChg>
+        <pc:picChg chg="add mod">
+          <ac:chgData name="Ziqing Yu" userId="76dbd0bb75f3aa62" providerId="LiveId" clId="{31473BE9-0D82-4ABB-A311-CB31F9F364DA}" dt="2022-11-28T12:00:00.077" v="99"/>
+          <ac:picMkLst>
+            <pc:docMk/>
+            <pc:sldMk cId="4073100235" sldId="347"/>
+            <ac:picMk id="12" creationId="{704F3BC9-331C-66C1-124D-29C57E087D5B}"/>
+          </ac:picMkLst>
+        </pc:picChg>
+      </pc:sldChg>
+      <pc:sldChg chg="addSp delSp modSp new mod">
+        <pc:chgData name="Ziqing Yu" userId="76dbd0bb75f3aa62" providerId="LiveId" clId="{31473BE9-0D82-4ABB-A311-CB31F9F364DA}" dt="2022-11-28T12:17:32.979" v="432" actId="1076"/>
+        <pc:sldMkLst>
+          <pc:docMk/>
+          <pc:sldMk cId="3534031894" sldId="348"/>
+        </pc:sldMkLst>
+        <pc:spChg chg="mod">
+          <ac:chgData name="Ziqing Yu" userId="76dbd0bb75f3aa62" providerId="LiveId" clId="{31473BE9-0D82-4ABB-A311-CB31F9F364DA}" dt="2022-11-28T10:04:50.755" v="73" actId="20577"/>
+          <ac:spMkLst>
+            <pc:docMk/>
+            <pc:sldMk cId="3534031894" sldId="348"/>
+            <ac:spMk id="2" creationId="{0970B95D-1CF7-AF42-D6D7-E925F0D50440}"/>
+          </ac:spMkLst>
+        </pc:spChg>
+        <pc:spChg chg="del">
+          <ac:chgData name="Ziqing Yu" userId="76dbd0bb75f3aa62" providerId="LiveId" clId="{31473BE9-0D82-4ABB-A311-CB31F9F364DA}" dt="2022-11-28T10:04:46.865" v="68"/>
+          <ac:spMkLst>
+            <pc:docMk/>
+            <pc:sldMk cId="3534031894" sldId="348"/>
+            <ac:spMk id="3" creationId="{3DD36312-8746-3776-E895-5CEF0C201449}"/>
+          </ac:spMkLst>
+        </pc:spChg>
+        <pc:spChg chg="add del mod">
+          <ac:chgData name="Ziqing Yu" userId="76dbd0bb75f3aa62" providerId="LiveId" clId="{31473BE9-0D82-4ABB-A311-CB31F9F364DA}" dt="2022-11-28T12:00:47.866" v="113"/>
+          <ac:spMkLst>
+            <pc:docMk/>
+            <pc:sldMk cId="3534031894" sldId="348"/>
+            <ac:spMk id="7" creationId="{FC9FF127-B889-3FC1-E6EF-C034ED1A344D}"/>
+          </ac:spMkLst>
+        </pc:spChg>
+        <pc:picChg chg="add del mod">
+          <ac:chgData name="Ziqing Yu" userId="76dbd0bb75f3aa62" providerId="LiveId" clId="{31473BE9-0D82-4ABB-A311-CB31F9F364DA}" dt="2022-11-28T12:00:46.047" v="112" actId="478"/>
+          <ac:picMkLst>
+            <pc:docMk/>
+            <pc:sldMk cId="3534031894" sldId="348"/>
+            <ac:picMk id="6" creationId="{7EB81906-264F-0C98-9E2C-675813D90127}"/>
+          </ac:picMkLst>
+        </pc:picChg>
+        <pc:picChg chg="add mod">
+          <ac:chgData name="Ziqing Yu" userId="76dbd0bb75f3aa62" providerId="LiveId" clId="{31473BE9-0D82-4ABB-A311-CB31F9F364DA}" dt="2022-11-28T12:17:32.979" v="432" actId="1076"/>
+          <ac:picMkLst>
+            <pc:docMk/>
+            <pc:sldMk cId="3534031894" sldId="348"/>
+            <ac:picMk id="9" creationId="{3047CD55-112C-107A-F2E2-FF10B5420B93}"/>
+          </ac:picMkLst>
+        </pc:picChg>
+      </pc:sldChg>
+      <pc:sldChg chg="modSp new mod">
+        <pc:chgData name="Ziqing Yu" userId="76dbd0bb75f3aa62" providerId="LiveId" clId="{31473BE9-0D82-4ABB-A311-CB31F9F364DA}" dt="2022-11-28T12:09:11.524" v="339" actId="20577"/>
+        <pc:sldMkLst>
+          <pc:docMk/>
+          <pc:sldMk cId="2777479108" sldId="349"/>
+        </pc:sldMkLst>
+        <pc:spChg chg="mod">
+          <ac:chgData name="Ziqing Yu" userId="76dbd0bb75f3aa62" providerId="LiveId" clId="{31473BE9-0D82-4ABB-A311-CB31F9F364DA}" dt="2022-11-28T12:08:53.870" v="334" actId="20577"/>
+          <ac:spMkLst>
+            <pc:docMk/>
+            <pc:sldMk cId="2777479108" sldId="349"/>
+            <ac:spMk id="2" creationId="{D974E570-66E9-08E8-17FD-F7091F2C083D}"/>
+          </ac:spMkLst>
+        </pc:spChg>
+        <pc:spChg chg="mod">
+          <ac:chgData name="Ziqing Yu" userId="76dbd0bb75f3aa62" providerId="LiveId" clId="{31473BE9-0D82-4ABB-A311-CB31F9F364DA}" dt="2022-11-28T12:09:11.524" v="339" actId="20577"/>
+          <ac:spMkLst>
+            <pc:docMk/>
+            <pc:sldMk cId="2777479108" sldId="349"/>
+            <ac:spMk id="3" creationId="{3716E3B6-A8FE-D458-529B-2F41ED6AD166}"/>
+          </ac:spMkLst>
+        </pc:spChg>
+      </pc:sldChg>
+      <pc:sldChg chg="modSp new mod">
+        <pc:chgData name="Ziqing Yu" userId="76dbd0bb75f3aa62" providerId="LiveId" clId="{31473BE9-0D82-4ABB-A311-CB31F9F364DA}" dt="2022-11-28T12:12:37.800" v="383" actId="20577"/>
+        <pc:sldMkLst>
+          <pc:docMk/>
+          <pc:sldMk cId="1431695431" sldId="350"/>
+        </pc:sldMkLst>
+        <pc:spChg chg="mod">
+          <ac:chgData name="Ziqing Yu" userId="76dbd0bb75f3aa62" providerId="LiveId" clId="{31473BE9-0D82-4ABB-A311-CB31F9F364DA}" dt="2022-11-28T12:12:37.800" v="383" actId="20577"/>
+          <ac:spMkLst>
+            <pc:docMk/>
+            <pc:sldMk cId="1431695431" sldId="350"/>
+            <ac:spMk id="2" creationId="{CD725CEB-8496-7B7C-2B9E-B50AC716951E}"/>
+          </ac:spMkLst>
+        </pc:spChg>
+        <pc:spChg chg="mod">
+          <ac:chgData name="Ziqing Yu" userId="76dbd0bb75f3aa62" providerId="LiveId" clId="{31473BE9-0D82-4ABB-A311-CB31F9F364DA}" dt="2022-11-28T12:11:57.550" v="373" actId="20577"/>
+          <ac:spMkLst>
+            <pc:docMk/>
+            <pc:sldMk cId="1431695431" sldId="350"/>
+            <ac:spMk id="3" creationId="{66BD02D9-1310-76BF-1046-C4F630828CF7}"/>
+          </ac:spMkLst>
+        </pc:spChg>
+      </pc:sldChg>
+      <pc:sldChg chg="modSp new mod">
+        <pc:chgData name="Ziqing Yu" userId="76dbd0bb75f3aa62" providerId="LiveId" clId="{31473BE9-0D82-4ABB-A311-CB31F9F364DA}" dt="2022-11-28T12:17:25.820" v="431" actId="20577"/>
+        <pc:sldMkLst>
+          <pc:docMk/>
+          <pc:sldMk cId="3500917354" sldId="351"/>
+        </pc:sldMkLst>
+        <pc:spChg chg="mod">
+          <ac:chgData name="Ziqing Yu" userId="76dbd0bb75f3aa62" providerId="LiveId" clId="{31473BE9-0D82-4ABB-A311-CB31F9F364DA}" dt="2022-11-28T12:12:46.683" v="411" actId="20577"/>
+          <ac:spMkLst>
+            <pc:docMk/>
+            <pc:sldMk cId="3500917354" sldId="351"/>
+            <ac:spMk id="2" creationId="{E262DF64-DF60-3AE2-5CB2-C16B9B913E15}"/>
+          </ac:spMkLst>
+        </pc:spChg>
+        <pc:spChg chg="mod">
+          <ac:chgData name="Ziqing Yu" userId="76dbd0bb75f3aa62" providerId="LiveId" clId="{31473BE9-0D82-4ABB-A311-CB31F9F364DA}" dt="2022-11-28T12:17:25.820" v="431" actId="20577"/>
+          <ac:spMkLst>
+            <pc:docMk/>
+            <pc:sldMk cId="3500917354" sldId="351"/>
+            <ac:spMk id="3" creationId="{52300C93-EBAB-2E27-9035-E8F3E5857265}"/>
           </ac:spMkLst>
         </pc:spChg>
       </pc:sldChg>
@@ -2391,6 +2357,46 @@
           <pc:docMk/>
           <pc:sldMk cId="849482983" sldId="291"/>
         </pc:sldMkLst>
+      </pc:sldChg>
+    </pc:docChg>
+  </pc:docChgLst>
+  <pc:docChgLst>
+    <pc:chgData name="Ziqing Yu" userId="76dbd0bb75f3aa62" providerId="LiveId" clId="{D35B35E3-E0DF-441C-8EAA-AE91011677CB}"/>
+    <pc:docChg chg="modSld">
+      <pc:chgData name="Ziqing Yu" userId="76dbd0bb75f3aa62" providerId="LiveId" clId="{D35B35E3-E0DF-441C-8EAA-AE91011677CB}" dt="2022-11-28T17:12:14.790" v="4" actId="1076"/>
+      <pc:docMkLst>
+        <pc:docMk/>
+      </pc:docMkLst>
+      <pc:sldChg chg="addSp delSp modSp">
+        <pc:chgData name="Ziqing Yu" userId="76dbd0bb75f3aa62" providerId="LiveId" clId="{D35B35E3-E0DF-441C-8EAA-AE91011677CB}" dt="2022-11-28T17:12:14.790" v="4" actId="1076"/>
+        <pc:sldMkLst>
+          <pc:docMk/>
+          <pc:sldMk cId="4073100235" sldId="347"/>
+        </pc:sldMkLst>
+        <pc:spChg chg="add del mod">
+          <ac:chgData name="Ziqing Yu" userId="76dbd0bb75f3aa62" providerId="LiveId" clId="{D35B35E3-E0DF-441C-8EAA-AE91011677CB}" dt="2022-11-28T17:12:13.116" v="1"/>
+          <ac:spMkLst>
+            <pc:docMk/>
+            <pc:sldMk cId="4073100235" sldId="347"/>
+            <ac:spMk id="3" creationId="{10FE0661-E6D2-C348-C14B-14160EB01E5B}"/>
+          </ac:spMkLst>
+        </pc:spChg>
+        <pc:picChg chg="add mod">
+          <ac:chgData name="Ziqing Yu" userId="76dbd0bb75f3aa62" providerId="LiveId" clId="{D35B35E3-E0DF-441C-8EAA-AE91011677CB}" dt="2022-11-28T17:12:14.790" v="4" actId="1076"/>
+          <ac:picMkLst>
+            <pc:docMk/>
+            <pc:sldMk cId="4073100235" sldId="347"/>
+            <ac:picMk id="6" creationId="{7C0837E7-DDFE-7628-D565-F337296304A8}"/>
+          </ac:picMkLst>
+        </pc:picChg>
+        <pc:picChg chg="del">
+          <ac:chgData name="Ziqing Yu" userId="76dbd0bb75f3aa62" providerId="LiveId" clId="{D35B35E3-E0DF-441C-8EAA-AE91011677CB}" dt="2022-11-28T17:11:52.943" v="0" actId="478"/>
+          <ac:picMkLst>
+            <pc:docMk/>
+            <pc:sldMk cId="4073100235" sldId="347"/>
+            <ac:picMk id="12" creationId="{704F3BC9-331C-66C1-124D-29C57E087D5B}"/>
+          </ac:picMkLst>
+        </pc:picChg>
       </pc:sldChg>
     </pc:docChg>
   </pc:docChgLst>
@@ -7344,35 +7350,53 @@
           <a:bodyPr/>
           <a:lstStyle/>
           <a:p>
-            <a:endParaRPr lang="zh-CN" altLang="en-US"/>
-          </a:p>
-        </p:txBody>
-      </p:sp>
-      <p:sp>
-        <p:nvSpPr>
-          <p:cNvPr id="3" name="Content Placeholder 2">
+            <a:r>
+              <a:rPr lang="en-US" altLang="zh-CN" dirty="0"/>
+              <a:t>ISS orbit </a:t>
+            </a:r>
+            <a:r>
+              <a:rPr lang="en-US" altLang="zh-CN" dirty="0" err="1"/>
+              <a:t>manuever</a:t>
+            </a:r>
+            <a:endParaRPr lang="zh-CN" altLang="en-US" dirty="0"/>
+          </a:p>
+        </p:txBody>
+      </p:sp>
+      <p:pic>
+        <p:nvPicPr>
+          <p:cNvPr id="6" name="内容占位符 5" descr="图示&#10;&#10;描述已自动生成">
             <a:extLst>
               <a:ext uri="{FF2B5EF4-FFF2-40B4-BE49-F238E27FC236}">
-                <a16:creationId xmlns:a16="http://schemas.microsoft.com/office/drawing/2014/main" id="{1529C16B-030D-CFB5-B2E8-538A8DE0093F}"/>
+                <a16:creationId xmlns:a16="http://schemas.microsoft.com/office/drawing/2014/main" id="{B22F69DE-94C0-8922-0A2B-8EE114B3B41F}"/>
               </a:ext>
             </a:extLst>
           </p:cNvPr>
-          <p:cNvSpPr>
-            <a:spLocks noGrp="1"/>
-          </p:cNvSpPr>
+          <p:cNvPicPr>
+            <a:picLocks noGrp="1" noChangeAspect="1"/>
+          </p:cNvPicPr>
           <p:nvPr>
             <p:ph idx="1"/>
           </p:nvPr>
-        </p:nvSpPr>
-        <p:spPr/>
-        <p:txBody>
-          <a:bodyPr/>
-          <a:lstStyle/>
-          <a:p>
-            <a:endParaRPr lang="zh-CN" altLang="en-US"/>
-          </a:p>
-        </p:txBody>
-      </p:sp>
+        </p:nvPicPr>
+        <p:blipFill>
+          <a:blip r:embed="rId2">
+            <a:extLst>
+              <a:ext uri="{28A0092B-C50C-407E-A947-70E740481C1C}">
+                <a14:useLocalDpi xmlns:a14="http://schemas.microsoft.com/office/drawing/2010/main" val="0"/>
+              </a:ext>
+            </a:extLst>
+          </a:blip>
+          <a:stretch>
+            <a:fillRect/>
+          </a:stretch>
+        </p:blipFill>
+        <p:spPr>
+          <a:xfrm>
+            <a:off x="685800" y="1232297"/>
+            <a:ext cx="7772400" cy="4622006"/>
+          </a:xfrm>
+        </p:spPr>
+      </p:pic>
       <p:sp>
         <p:nvSpPr>
           <p:cNvPr id="4" name="Slide Number Placeholder 3">
@@ -7411,7 +7435,7 @@
     </p:spTree>
     <p:extLst>
       <p:ext uri="{BB962C8B-B14F-4D97-AF65-F5344CB8AC3E}">
-        <p14:creationId xmlns:p14="http://schemas.microsoft.com/office/powerpoint/2010/main" val="246549703"/>
+        <p14:creationId xmlns:p14="http://schemas.microsoft.com/office/powerpoint/2010/main" val="1056291213"/>
       </p:ext>
     </p:extLst>
   </p:cSld>
@@ -7459,35 +7483,147 @@
           <a:bodyPr/>
           <a:lstStyle/>
           <a:p>
-            <a:endParaRPr lang="zh-CN" altLang="en-US"/>
-          </a:p>
-        </p:txBody>
-      </p:sp>
-      <p:sp>
-        <p:nvSpPr>
-          <p:cNvPr id="3" name="Content Placeholder 2">
-            <a:extLst>
-              <a:ext uri="{FF2B5EF4-FFF2-40B4-BE49-F238E27FC236}">
-                <a16:creationId xmlns:a16="http://schemas.microsoft.com/office/drawing/2014/main" id="{1529C16B-030D-CFB5-B2E8-538A8DE0093F}"/>
-              </a:ext>
-            </a:extLst>
-          </p:cNvPr>
-          <p:cNvSpPr>
-            <a:spLocks noGrp="1"/>
-          </p:cNvSpPr>
-          <p:nvPr>
-            <p:ph idx="1"/>
-          </p:nvPr>
-        </p:nvSpPr>
-        <p:spPr/>
-        <p:txBody>
-          <a:bodyPr/>
-          <a:lstStyle/>
-          <a:p>
-            <a:endParaRPr lang="zh-CN" altLang="en-US"/>
-          </a:p>
-        </p:txBody>
-      </p:sp>
+            <a:r>
+              <a:rPr lang="en-US" altLang="zh-CN" dirty="0"/>
+              <a:t>Orbit integration parameter</a:t>
+            </a:r>
+            <a:endParaRPr lang="zh-CN" altLang="en-US" dirty="0"/>
+          </a:p>
+        </p:txBody>
+      </p:sp>
+      <mc:AlternateContent xmlns:mc="http://schemas.openxmlformats.org/markup-compatibility/2006">
+        <mc:Choice xmlns:a14="http://schemas.microsoft.com/office/drawing/2010/main" Requires="a14">
+          <p:sp>
+            <p:nvSpPr>
+              <p:cNvPr id="3" name="Content Placeholder 2">
+                <a:extLst>
+                  <a:ext uri="{FF2B5EF4-FFF2-40B4-BE49-F238E27FC236}">
+                    <a16:creationId xmlns:a16="http://schemas.microsoft.com/office/drawing/2014/main" id="{1529C16B-030D-CFB5-B2E8-538A8DE0093F}"/>
+                  </a:ext>
+                </a:extLst>
+              </p:cNvPr>
+              <p:cNvSpPr>
+                <a:spLocks noGrp="1"/>
+              </p:cNvSpPr>
+              <p:nvPr>
+                <p:ph idx="1"/>
+              </p:nvPr>
+            </p:nvSpPr>
+            <p:spPr/>
+            <p:txBody>
+              <a:bodyPr/>
+              <a:lstStyle/>
+              <a:p>
+                <a:r>
+                  <a:rPr lang="en-US" altLang="zh-CN" dirty="0"/>
+                  <a:t>Section area: </a:t>
+                </a:r>
+                <a14:m>
+                  <m:oMath xmlns:m="http://schemas.openxmlformats.org/officeDocument/2006/math">
+                    <m:r>
+                      <a:rPr lang="en-US" altLang="zh-CN" b="0" i="1" smtClean="0">
+                        <a:latin typeface="Cambria Math" panose="02040503050406030204" pitchFamily="18" charset="0"/>
+                      </a:rPr>
+                      <m:t>5</m:t>
+                    </m:r>
+                    <m:sSup>
+                      <m:sSupPr>
+                        <m:ctrlPr>
+                          <a:rPr lang="en-US" altLang="zh-CN" i="1" smtClean="0">
+                            <a:latin typeface="Cambria Math" panose="02040503050406030204" pitchFamily="18" charset="0"/>
+                          </a:rPr>
+                        </m:ctrlPr>
+                      </m:sSupPr>
+                      <m:e>
+                        <m:r>
+                          <a:rPr lang="en-US" altLang="zh-CN" b="0" i="1" smtClean="0">
+                            <a:latin typeface="Cambria Math" panose="02040503050406030204" pitchFamily="18" charset="0"/>
+                          </a:rPr>
+                          <m:t> </m:t>
+                        </m:r>
+                        <m:r>
+                          <a:rPr lang="en-US" altLang="zh-CN" b="0" i="1" smtClean="0">
+                            <a:latin typeface="Cambria Math" panose="02040503050406030204" pitchFamily="18" charset="0"/>
+                          </a:rPr>
+                          <m:t>𝑚</m:t>
+                        </m:r>
+                      </m:e>
+                      <m:sup>
+                        <m:r>
+                          <a:rPr lang="en-US" altLang="zh-CN" i="1" smtClean="0">
+                            <a:latin typeface="Cambria Math" panose="02040503050406030204" pitchFamily="18" charset="0"/>
+                          </a:rPr>
+                          <m:t>2</m:t>
+                        </m:r>
+                      </m:sup>
+                    </m:sSup>
+                  </m:oMath>
+                </a14:m>
+                <a:endParaRPr lang="en-US" altLang="zh-CN" dirty="0"/>
+              </a:p>
+              <a:p>
+                <a:r>
+                  <a:rPr lang="en-US" altLang="zh-CN" dirty="0"/>
+                  <a:t>Mass: 1250 </a:t>
+                </a:r>
+                <a14:m>
+                  <m:oMath xmlns:m="http://schemas.openxmlformats.org/officeDocument/2006/math">
+                    <m:r>
+                      <a:rPr lang="en-US" altLang="zh-CN" b="0" i="1" smtClean="0">
+                        <a:latin typeface="Cambria Math" panose="02040503050406030204" pitchFamily="18" charset="0"/>
+                      </a:rPr>
+                      <m:t>𝑘𝑔</m:t>
+                    </m:r>
+                  </m:oMath>
+                </a14:m>
+                <a:endParaRPr lang="en-US" altLang="zh-CN" dirty="0"/>
+              </a:p>
+              <a:p>
+                <a:endParaRPr lang="zh-CN" altLang="en-US" dirty="0"/>
+              </a:p>
+            </p:txBody>
+          </p:sp>
+        </mc:Choice>
+        <mc:Fallback>
+          <p:sp>
+            <p:nvSpPr>
+              <p:cNvPr id="3" name="Content Placeholder 2">
+                <a:extLst>
+                  <a:ext uri="{FF2B5EF4-FFF2-40B4-BE49-F238E27FC236}">
+                    <a16:creationId xmlns:a16="http://schemas.microsoft.com/office/drawing/2014/main" id="{1529C16B-030D-CFB5-B2E8-538A8DE0093F}"/>
+                  </a:ext>
+                </a:extLst>
+              </p:cNvPr>
+              <p:cNvSpPr>
+                <a:spLocks noGrp="1" noRot="1" noChangeAspect="1" noMove="1" noResize="1" noEditPoints="1" noAdjustHandles="1" noChangeArrowheads="1" noChangeShapeType="1" noTextEdit="1"/>
+              </p:cNvSpPr>
+              <p:nvPr>
+                <p:ph idx="1"/>
+              </p:nvPr>
+            </p:nvSpPr>
+            <p:spPr>
+              <a:blipFill>
+                <a:blip r:embed="rId2"/>
+                <a:stretch>
+                  <a:fillRect l="-1333" t="-1180"/>
+                </a:stretch>
+              </a:blipFill>
+            </p:spPr>
+            <p:txBody>
+              <a:bodyPr/>
+              <a:lstStyle/>
+              <a:p>
+                <a:r>
+                  <a:rPr lang="zh-CN" altLang="en-US">
+                    <a:noFill/>
+                  </a:rPr>
+                  <a:t> </a:t>
+                </a:r>
+              </a:p>
+            </p:txBody>
+          </p:sp>
+        </mc:Fallback>
+      </mc:AlternateContent>
       <p:sp>
         <p:nvSpPr>
           <p:cNvPr id="4" name="Slide Number Placeholder 3">
@@ -7526,7 +7662,7 @@
     </p:spTree>
     <p:extLst>
       <p:ext uri="{BB962C8B-B14F-4D97-AF65-F5344CB8AC3E}">
-        <p14:creationId xmlns:p14="http://schemas.microsoft.com/office/powerpoint/2010/main" val="1056291213"/>
+        <p14:creationId xmlns:p14="http://schemas.microsoft.com/office/powerpoint/2010/main" val="380934339"/>
       </p:ext>
     </p:extLst>
   </p:cSld>
@@ -7574,32 +7710,11 @@
           <a:bodyPr/>
           <a:lstStyle/>
           <a:p>
-            <a:endParaRPr lang="zh-CN" altLang="en-US"/>
-          </a:p>
-        </p:txBody>
-      </p:sp>
-      <p:sp>
-        <p:nvSpPr>
-          <p:cNvPr id="3" name="Content Placeholder 2">
-            <a:extLst>
-              <a:ext uri="{FF2B5EF4-FFF2-40B4-BE49-F238E27FC236}">
-                <a16:creationId xmlns:a16="http://schemas.microsoft.com/office/drawing/2014/main" id="{1529C16B-030D-CFB5-B2E8-538A8DE0093F}"/>
-              </a:ext>
-            </a:extLst>
-          </p:cNvPr>
-          <p:cNvSpPr>
-            <a:spLocks noGrp="1"/>
-          </p:cNvSpPr>
-          <p:nvPr>
-            <p:ph idx="1"/>
-          </p:nvPr>
-        </p:nvSpPr>
-        <p:spPr/>
-        <p:txBody>
-          <a:bodyPr/>
-          <a:lstStyle/>
-          <a:p>
-            <a:endParaRPr lang="zh-CN" altLang="en-US"/>
+            <a:r>
+              <a:rPr lang="en-US" altLang="zh-CN" dirty="0"/>
+              <a:t>a - R = 400 km, e = 0</a:t>
+            </a:r>
+            <a:endParaRPr lang="zh-CN" altLang="en-US" dirty="0"/>
           </a:p>
         </p:txBody>
       </p:sp>
@@ -7638,10 +7753,855 @@
           </a:p>
         </p:txBody>
       </p:sp>
+      <p:pic>
+        <p:nvPicPr>
+          <p:cNvPr id="7" name="内容占位符 6" descr="图示&#10;&#10;中度可信度描述已自动生成">
+            <a:extLst>
+              <a:ext uri="{FF2B5EF4-FFF2-40B4-BE49-F238E27FC236}">
+                <a16:creationId xmlns:a16="http://schemas.microsoft.com/office/drawing/2014/main" id="{E6D64BF6-3E9E-5AEC-4734-27C958826163}"/>
+              </a:ext>
+            </a:extLst>
+          </p:cNvPr>
+          <p:cNvPicPr>
+            <a:picLocks noGrp="1" noChangeAspect="1"/>
+          </p:cNvPicPr>
+          <p:nvPr>
+            <p:ph idx="1"/>
+          </p:nvPr>
+        </p:nvPicPr>
+        <p:blipFill>
+          <a:blip r:embed="rId2">
+            <a:extLst>
+              <a:ext uri="{28A0092B-C50C-407E-A947-70E740481C1C}">
+                <a14:useLocalDpi xmlns:a14="http://schemas.microsoft.com/office/drawing/2010/main" val="0"/>
+              </a:ext>
+            </a:extLst>
+          </a:blip>
+          <a:stretch>
+            <a:fillRect/>
+          </a:stretch>
+        </p:blipFill>
+        <p:spPr>
+          <a:xfrm>
+            <a:off x="1187624" y="908720"/>
+            <a:ext cx="6534952" cy="3189192"/>
+          </a:xfrm>
+        </p:spPr>
+      </p:pic>
+      <p:pic>
+        <p:nvPicPr>
+          <p:cNvPr id="9" name="图片 8" descr="图表&#10;&#10;描述已自动生成">
+            <a:extLst>
+              <a:ext uri="{FF2B5EF4-FFF2-40B4-BE49-F238E27FC236}">
+                <a16:creationId xmlns:a16="http://schemas.microsoft.com/office/drawing/2014/main" id="{5B28EF65-3B5F-8F52-B7C2-5B32B07EFDD3}"/>
+              </a:ext>
+            </a:extLst>
+          </p:cNvPr>
+          <p:cNvPicPr>
+            <a:picLocks noChangeAspect="1"/>
+          </p:cNvPicPr>
+          <p:nvPr/>
+        </p:nvPicPr>
+        <p:blipFill>
+          <a:blip r:embed="rId3">
+            <a:extLst>
+              <a:ext uri="{28A0092B-C50C-407E-A947-70E740481C1C}">
+                <a14:useLocalDpi xmlns:a14="http://schemas.microsoft.com/office/drawing/2010/main" val="0"/>
+              </a:ext>
+            </a:extLst>
+          </a:blip>
+          <a:stretch>
+            <a:fillRect/>
+          </a:stretch>
+        </p:blipFill>
+        <p:spPr>
+          <a:xfrm>
+            <a:off x="1187624" y="3717032"/>
+            <a:ext cx="7198951" cy="3513238"/>
+          </a:xfrm>
+          <a:prstGeom prst="rect">
+            <a:avLst/>
+          </a:prstGeom>
+        </p:spPr>
+      </p:pic>
+    </p:spTree>
+    <p:extLst>
+      <p:ext uri="{BB962C8B-B14F-4D97-AF65-F5344CB8AC3E}">
+        <p14:creationId xmlns:p14="http://schemas.microsoft.com/office/powerpoint/2010/main" val="246549703"/>
+      </p:ext>
+    </p:extLst>
+  </p:cSld>
+  <p:clrMapOvr>
+    <a:masterClrMapping/>
+  </p:clrMapOvr>
+</p:sld>
+</file>
+
+<file path=ppt/slides/slide13.xml><?xml version="1.0" encoding="utf-8"?>
+<p:sld xmlns:a="http://schemas.openxmlformats.org/drawingml/2006/main" xmlns:r="http://schemas.openxmlformats.org/officeDocument/2006/relationships" xmlns:p="http://schemas.openxmlformats.org/presentationml/2006/main">
+  <p:cSld>
+    <p:spTree>
+      <p:nvGrpSpPr>
+        <p:cNvPr id="1" name=""/>
+        <p:cNvGrpSpPr/>
+        <p:nvPr/>
+      </p:nvGrpSpPr>
+      <p:grpSpPr>
+        <a:xfrm>
+          <a:off x="0" y="0"/>
+          <a:ext cx="0" cy="0"/>
+          <a:chOff x="0" y="0"/>
+          <a:chExt cx="0" cy="0"/>
+        </a:xfrm>
+      </p:grpSpPr>
+      <p:sp>
+        <p:nvSpPr>
+          <p:cNvPr id="2" name="Title 1">
+            <a:extLst>
+              <a:ext uri="{FF2B5EF4-FFF2-40B4-BE49-F238E27FC236}">
+                <a16:creationId xmlns:a16="http://schemas.microsoft.com/office/drawing/2014/main" id="{856CA503-E60A-10E7-A684-3B219ACFEBE6}"/>
+              </a:ext>
+            </a:extLst>
+          </p:cNvPr>
+          <p:cNvSpPr>
+            <a:spLocks noGrp="1"/>
+          </p:cNvSpPr>
+          <p:nvPr>
+            <p:ph type="title"/>
+          </p:nvPr>
+        </p:nvSpPr>
+        <p:spPr/>
+        <p:txBody>
+          <a:bodyPr/>
+          <a:lstStyle/>
+          <a:p>
+            <a:r>
+              <a:rPr lang="en-US" altLang="zh-CN" dirty="0"/>
+              <a:t>a - R = 400 km, e = 0</a:t>
+            </a:r>
+            <a:endParaRPr lang="zh-CN" altLang="en-US" dirty="0"/>
+          </a:p>
+        </p:txBody>
+      </p:sp>
+      <p:pic>
+        <p:nvPicPr>
+          <p:cNvPr id="6" name="内容占位符 5" descr="图表, 折线图&#10;&#10;描述已自动生成">
+            <a:extLst>
+              <a:ext uri="{FF2B5EF4-FFF2-40B4-BE49-F238E27FC236}">
+                <a16:creationId xmlns:a16="http://schemas.microsoft.com/office/drawing/2014/main" id="{773C882D-1E31-A85A-ADDF-C156734926B7}"/>
+              </a:ext>
+            </a:extLst>
+          </p:cNvPr>
+          <p:cNvPicPr>
+            <a:picLocks noGrp="1" noChangeAspect="1"/>
+          </p:cNvPicPr>
+          <p:nvPr>
+            <p:ph idx="1"/>
+          </p:nvPr>
+        </p:nvPicPr>
+        <p:blipFill>
+          <a:blip r:embed="rId2">
+            <a:extLst>
+              <a:ext uri="{28A0092B-C50C-407E-A947-70E740481C1C}">
+                <a14:useLocalDpi xmlns:a14="http://schemas.microsoft.com/office/drawing/2010/main" val="0"/>
+              </a:ext>
+            </a:extLst>
+          </a:blip>
+          <a:stretch>
+            <a:fillRect/>
+          </a:stretch>
+        </p:blipFill>
+        <p:spPr>
+          <a:xfrm>
+            <a:off x="685800" y="1700808"/>
+            <a:ext cx="7772400" cy="3793092"/>
+          </a:xfrm>
+        </p:spPr>
+      </p:pic>
+      <p:sp>
+        <p:nvSpPr>
+          <p:cNvPr id="4" name="Slide Number Placeholder 3">
+            <a:extLst>
+              <a:ext uri="{FF2B5EF4-FFF2-40B4-BE49-F238E27FC236}">
+                <a16:creationId xmlns:a16="http://schemas.microsoft.com/office/drawing/2014/main" id="{D5A06891-AB17-CD62-45DC-02DFEA9A7635}"/>
+              </a:ext>
+            </a:extLst>
+          </p:cNvPr>
+          <p:cNvSpPr>
+            <a:spLocks noGrp="1"/>
+          </p:cNvSpPr>
+          <p:nvPr>
+            <p:ph type="sldNum" sz="quarter" idx="12"/>
+          </p:nvPr>
+        </p:nvSpPr>
+        <p:spPr/>
+        <p:txBody>
+          <a:bodyPr/>
+          <a:lstStyle/>
+          <a:p>
+            <a:pPr>
+              <a:defRPr/>
+            </a:pPr>
+            <a:fld id="{A26A0649-E50C-4844-BD05-C05B747519B9}" type="slidenum">
+              <a:rPr lang="de-DE" altLang="en-US" smtClean="0"/>
+              <a:pPr>
+                <a:defRPr/>
+              </a:pPr>
+              <a:t>13</a:t>
+            </a:fld>
+            <a:endParaRPr lang="de-DE" altLang="en-US"/>
+          </a:p>
+        </p:txBody>
+      </p:sp>
     </p:spTree>
     <p:extLst>
       <p:ext uri="{BB962C8B-B14F-4D97-AF65-F5344CB8AC3E}">
         <p14:creationId xmlns:p14="http://schemas.microsoft.com/office/powerpoint/2010/main" val="849482983"/>
+      </p:ext>
+    </p:extLst>
+  </p:cSld>
+  <p:clrMapOvr>
+    <a:masterClrMapping/>
+  </p:clrMapOvr>
+</p:sld>
+</file>
+
+<file path=ppt/slides/slide14.xml><?xml version="1.0" encoding="utf-8"?>
+<p:sld xmlns:a="http://schemas.openxmlformats.org/drawingml/2006/main" xmlns:r="http://schemas.openxmlformats.org/officeDocument/2006/relationships" xmlns:p="http://schemas.openxmlformats.org/presentationml/2006/main">
+  <p:cSld>
+    <p:spTree>
+      <p:nvGrpSpPr>
+        <p:cNvPr id="1" name=""/>
+        <p:cNvGrpSpPr/>
+        <p:nvPr/>
+      </p:nvGrpSpPr>
+      <p:grpSpPr>
+        <a:xfrm>
+          <a:off x="0" y="0"/>
+          <a:ext cx="0" cy="0"/>
+          <a:chOff x="0" y="0"/>
+          <a:chExt cx="0" cy="0"/>
+        </a:xfrm>
+      </p:grpSpPr>
+      <p:sp>
+        <p:nvSpPr>
+          <p:cNvPr id="2" name="标题 1">
+            <a:extLst>
+              <a:ext uri="{FF2B5EF4-FFF2-40B4-BE49-F238E27FC236}">
+                <a16:creationId xmlns:a16="http://schemas.microsoft.com/office/drawing/2014/main" id="{705FED2C-1023-890A-CD4C-481C8FA25F43}"/>
+              </a:ext>
+            </a:extLst>
+          </p:cNvPr>
+          <p:cNvSpPr>
+            <a:spLocks noGrp="1"/>
+          </p:cNvSpPr>
+          <p:nvPr>
+            <p:ph type="title"/>
+          </p:nvPr>
+        </p:nvSpPr>
+        <p:spPr/>
+        <p:txBody>
+          <a:bodyPr/>
+          <a:lstStyle/>
+          <a:p>
+            <a:r>
+              <a:rPr lang="en-US" altLang="zh-CN" dirty="0"/>
+              <a:t>a - R = 600 km, e = 0.01</a:t>
+            </a:r>
+            <a:endParaRPr lang="zh-CN" altLang="en-US" dirty="0"/>
+          </a:p>
+        </p:txBody>
+      </p:sp>
+      <p:pic>
+        <p:nvPicPr>
+          <p:cNvPr id="6" name="内容占位符 5" descr="图表&#10;&#10;描述已自动生成">
+            <a:extLst>
+              <a:ext uri="{FF2B5EF4-FFF2-40B4-BE49-F238E27FC236}">
+                <a16:creationId xmlns:a16="http://schemas.microsoft.com/office/drawing/2014/main" id="{C9CDC4A6-A34D-A687-2C19-E928CCCB23E4}"/>
+              </a:ext>
+            </a:extLst>
+          </p:cNvPr>
+          <p:cNvPicPr>
+            <a:picLocks noGrp="1" noChangeAspect="1"/>
+          </p:cNvPicPr>
+          <p:nvPr>
+            <p:ph idx="1"/>
+          </p:nvPr>
+        </p:nvPicPr>
+        <p:blipFill>
+          <a:blip r:embed="rId2">
+            <a:extLst>
+              <a:ext uri="{28A0092B-C50C-407E-A947-70E740481C1C}">
+                <a14:useLocalDpi xmlns:a14="http://schemas.microsoft.com/office/drawing/2010/main" val="0"/>
+              </a:ext>
+            </a:extLst>
+          </a:blip>
+          <a:stretch>
+            <a:fillRect/>
+          </a:stretch>
+        </p:blipFill>
+        <p:spPr>
+          <a:xfrm>
+            <a:off x="685800" y="1646754"/>
+            <a:ext cx="7772400" cy="3793092"/>
+          </a:xfrm>
+        </p:spPr>
+      </p:pic>
+      <p:sp>
+        <p:nvSpPr>
+          <p:cNvPr id="4" name="灯片编号占位符 3">
+            <a:extLst>
+              <a:ext uri="{FF2B5EF4-FFF2-40B4-BE49-F238E27FC236}">
+                <a16:creationId xmlns:a16="http://schemas.microsoft.com/office/drawing/2014/main" id="{C99DE2F7-AF26-DDD2-76EE-1DFD759271F1}"/>
+              </a:ext>
+            </a:extLst>
+          </p:cNvPr>
+          <p:cNvSpPr>
+            <a:spLocks noGrp="1"/>
+          </p:cNvSpPr>
+          <p:nvPr>
+            <p:ph type="sldNum" sz="quarter" idx="12"/>
+          </p:nvPr>
+        </p:nvSpPr>
+        <p:spPr/>
+        <p:txBody>
+          <a:bodyPr/>
+          <a:lstStyle/>
+          <a:p>
+            <a:pPr>
+              <a:defRPr/>
+            </a:pPr>
+            <a:fld id="{A26A0649-E50C-4844-BD05-C05B747519B9}" type="slidenum">
+              <a:rPr lang="de-DE" altLang="en-US" smtClean="0"/>
+              <a:pPr>
+                <a:defRPr/>
+              </a:pPr>
+              <a:t>14</a:t>
+            </a:fld>
+            <a:endParaRPr lang="de-DE" altLang="en-US"/>
+          </a:p>
+        </p:txBody>
+      </p:sp>
+    </p:spTree>
+    <p:extLst>
+      <p:ext uri="{BB962C8B-B14F-4D97-AF65-F5344CB8AC3E}">
+        <p14:creationId xmlns:p14="http://schemas.microsoft.com/office/powerpoint/2010/main" val="1759854234"/>
+      </p:ext>
+    </p:extLst>
+  </p:cSld>
+  <p:clrMapOvr>
+    <a:masterClrMapping/>
+  </p:clrMapOvr>
+</p:sld>
+</file>
+
+<file path=ppt/slides/slide15.xml><?xml version="1.0" encoding="utf-8"?>
+<p:sld xmlns:a="http://schemas.openxmlformats.org/drawingml/2006/main" xmlns:r="http://schemas.openxmlformats.org/officeDocument/2006/relationships" xmlns:p="http://schemas.openxmlformats.org/presentationml/2006/main">
+  <p:cSld>
+    <p:spTree>
+      <p:nvGrpSpPr>
+        <p:cNvPr id="1" name=""/>
+        <p:cNvGrpSpPr/>
+        <p:nvPr/>
+      </p:nvGrpSpPr>
+      <p:grpSpPr>
+        <a:xfrm>
+          <a:off x="0" y="0"/>
+          <a:ext cx="0" cy="0"/>
+          <a:chOff x="0" y="0"/>
+          <a:chExt cx="0" cy="0"/>
+        </a:xfrm>
+      </p:grpSpPr>
+      <p:sp>
+        <p:nvSpPr>
+          <p:cNvPr id="2" name="标题 1">
+            <a:extLst>
+              <a:ext uri="{FF2B5EF4-FFF2-40B4-BE49-F238E27FC236}">
+                <a16:creationId xmlns:a16="http://schemas.microsoft.com/office/drawing/2014/main" id="{705FED2C-1023-890A-CD4C-481C8FA25F43}"/>
+              </a:ext>
+            </a:extLst>
+          </p:cNvPr>
+          <p:cNvSpPr>
+            <a:spLocks noGrp="1"/>
+          </p:cNvSpPr>
+          <p:nvPr>
+            <p:ph type="title"/>
+          </p:nvPr>
+        </p:nvSpPr>
+        <p:spPr/>
+        <p:txBody>
+          <a:bodyPr/>
+          <a:lstStyle/>
+          <a:p>
+            <a:r>
+              <a:rPr lang="en-US" altLang="zh-CN" dirty="0"/>
+              <a:t>a - R = 600 km, e = 0.02</a:t>
+            </a:r>
+            <a:endParaRPr lang="zh-CN" altLang="en-US" dirty="0"/>
+          </a:p>
+        </p:txBody>
+      </p:sp>
+      <p:sp>
+        <p:nvSpPr>
+          <p:cNvPr id="4" name="灯片编号占位符 3">
+            <a:extLst>
+              <a:ext uri="{FF2B5EF4-FFF2-40B4-BE49-F238E27FC236}">
+                <a16:creationId xmlns:a16="http://schemas.microsoft.com/office/drawing/2014/main" id="{C99DE2F7-AF26-DDD2-76EE-1DFD759271F1}"/>
+              </a:ext>
+            </a:extLst>
+          </p:cNvPr>
+          <p:cNvSpPr>
+            <a:spLocks noGrp="1"/>
+          </p:cNvSpPr>
+          <p:nvPr>
+            <p:ph type="sldNum" sz="quarter" idx="12"/>
+          </p:nvPr>
+        </p:nvSpPr>
+        <p:spPr/>
+        <p:txBody>
+          <a:bodyPr/>
+          <a:lstStyle/>
+          <a:p>
+            <a:pPr>
+              <a:defRPr/>
+            </a:pPr>
+            <a:fld id="{A26A0649-E50C-4844-BD05-C05B747519B9}" type="slidenum">
+              <a:rPr lang="de-DE" altLang="en-US" smtClean="0"/>
+              <a:pPr>
+                <a:defRPr/>
+              </a:pPr>
+              <a:t>15</a:t>
+            </a:fld>
+            <a:endParaRPr lang="de-DE" altLang="en-US"/>
+          </a:p>
+        </p:txBody>
+      </p:sp>
+      <p:pic>
+        <p:nvPicPr>
+          <p:cNvPr id="7" name="内容占位符 6" descr="图表, 图示&#10;&#10;描述已自动生成">
+            <a:extLst>
+              <a:ext uri="{FF2B5EF4-FFF2-40B4-BE49-F238E27FC236}">
+                <a16:creationId xmlns:a16="http://schemas.microsoft.com/office/drawing/2014/main" id="{7A653AC8-E20F-84C2-E5AC-97BC1FCC5757}"/>
+              </a:ext>
+            </a:extLst>
+          </p:cNvPr>
+          <p:cNvPicPr>
+            <a:picLocks noGrp="1" noChangeAspect="1"/>
+          </p:cNvPicPr>
+          <p:nvPr>
+            <p:ph idx="1"/>
+          </p:nvPr>
+        </p:nvPicPr>
+        <p:blipFill>
+          <a:blip r:embed="rId2">
+            <a:extLst>
+              <a:ext uri="{28A0092B-C50C-407E-A947-70E740481C1C}">
+                <a14:useLocalDpi xmlns:a14="http://schemas.microsoft.com/office/drawing/2010/main" val="0"/>
+              </a:ext>
+            </a:extLst>
+          </a:blip>
+          <a:stretch>
+            <a:fillRect/>
+          </a:stretch>
+        </p:blipFill>
+        <p:spPr>
+          <a:xfrm>
+            <a:off x="685800" y="1570554"/>
+            <a:ext cx="7772400" cy="3793092"/>
+          </a:xfrm>
+        </p:spPr>
+      </p:pic>
+    </p:spTree>
+    <p:extLst>
+      <p:ext uri="{BB962C8B-B14F-4D97-AF65-F5344CB8AC3E}">
+        <p14:creationId xmlns:p14="http://schemas.microsoft.com/office/powerpoint/2010/main" val="2196657234"/>
+      </p:ext>
+    </p:extLst>
+  </p:cSld>
+  <p:clrMapOvr>
+    <a:masterClrMapping/>
+  </p:clrMapOvr>
+</p:sld>
+</file>
+
+<file path=ppt/slides/slide16.xml><?xml version="1.0" encoding="utf-8"?>
+<p:sld xmlns:a="http://schemas.openxmlformats.org/drawingml/2006/main" xmlns:r="http://schemas.openxmlformats.org/officeDocument/2006/relationships" xmlns:p="http://schemas.openxmlformats.org/presentationml/2006/main">
+  <p:cSld>
+    <p:spTree>
+      <p:nvGrpSpPr>
+        <p:cNvPr id="1" name=""/>
+        <p:cNvGrpSpPr/>
+        <p:nvPr/>
+      </p:nvGrpSpPr>
+      <p:grpSpPr>
+        <a:xfrm>
+          <a:off x="0" y="0"/>
+          <a:ext cx="0" cy="0"/>
+          <a:chOff x="0" y="0"/>
+          <a:chExt cx="0" cy="0"/>
+        </a:xfrm>
+      </p:grpSpPr>
+      <p:sp>
+        <p:nvSpPr>
+          <p:cNvPr id="2" name="标题 1">
+            <a:extLst>
+              <a:ext uri="{FF2B5EF4-FFF2-40B4-BE49-F238E27FC236}">
+                <a16:creationId xmlns:a16="http://schemas.microsoft.com/office/drawing/2014/main" id="{705FED2C-1023-890A-CD4C-481C8FA25F43}"/>
+              </a:ext>
+            </a:extLst>
+          </p:cNvPr>
+          <p:cNvSpPr>
+            <a:spLocks noGrp="1"/>
+          </p:cNvSpPr>
+          <p:nvPr>
+            <p:ph type="title"/>
+          </p:nvPr>
+        </p:nvSpPr>
+        <p:spPr/>
+        <p:txBody>
+          <a:bodyPr/>
+          <a:lstStyle/>
+          <a:p>
+            <a:r>
+              <a:rPr lang="en-US" altLang="zh-CN" dirty="0"/>
+              <a:t>a - R = 600 km, e = 0.03</a:t>
+            </a:r>
+            <a:endParaRPr lang="zh-CN" altLang="en-US" dirty="0"/>
+          </a:p>
+        </p:txBody>
+      </p:sp>
+      <p:sp>
+        <p:nvSpPr>
+          <p:cNvPr id="4" name="灯片编号占位符 3">
+            <a:extLst>
+              <a:ext uri="{FF2B5EF4-FFF2-40B4-BE49-F238E27FC236}">
+                <a16:creationId xmlns:a16="http://schemas.microsoft.com/office/drawing/2014/main" id="{C99DE2F7-AF26-DDD2-76EE-1DFD759271F1}"/>
+              </a:ext>
+            </a:extLst>
+          </p:cNvPr>
+          <p:cNvSpPr>
+            <a:spLocks noGrp="1"/>
+          </p:cNvSpPr>
+          <p:nvPr>
+            <p:ph type="sldNum" sz="quarter" idx="12"/>
+          </p:nvPr>
+        </p:nvSpPr>
+        <p:spPr/>
+        <p:txBody>
+          <a:bodyPr/>
+          <a:lstStyle/>
+          <a:p>
+            <a:pPr>
+              <a:defRPr/>
+            </a:pPr>
+            <a:fld id="{A26A0649-E50C-4844-BD05-C05B747519B9}" type="slidenum">
+              <a:rPr lang="de-DE" altLang="en-US" smtClean="0"/>
+              <a:pPr>
+                <a:defRPr/>
+              </a:pPr>
+              <a:t>16</a:t>
+            </a:fld>
+            <a:endParaRPr lang="de-DE" altLang="en-US"/>
+          </a:p>
+        </p:txBody>
+      </p:sp>
+      <p:pic>
+        <p:nvPicPr>
+          <p:cNvPr id="7" name="内容占位符 6" descr="图表&#10;&#10;描述已自动生成">
+            <a:extLst>
+              <a:ext uri="{FF2B5EF4-FFF2-40B4-BE49-F238E27FC236}">
+                <a16:creationId xmlns:a16="http://schemas.microsoft.com/office/drawing/2014/main" id="{1A1D1AD3-C4CF-E854-A88A-9C15E7018546}"/>
+              </a:ext>
+            </a:extLst>
+          </p:cNvPr>
+          <p:cNvPicPr>
+            <a:picLocks noGrp="1" noChangeAspect="1"/>
+          </p:cNvPicPr>
+          <p:nvPr>
+            <p:ph idx="1"/>
+          </p:nvPr>
+        </p:nvPicPr>
+        <p:blipFill>
+          <a:blip r:embed="rId2">
+            <a:extLst>
+              <a:ext uri="{28A0092B-C50C-407E-A947-70E740481C1C}">
+                <a14:useLocalDpi xmlns:a14="http://schemas.microsoft.com/office/drawing/2010/main" val="0"/>
+              </a:ext>
+            </a:extLst>
+          </a:blip>
+          <a:stretch>
+            <a:fillRect/>
+          </a:stretch>
+        </p:blipFill>
+        <p:spPr>
+          <a:xfrm>
+            <a:off x="685800" y="1646754"/>
+            <a:ext cx="7772400" cy="3793092"/>
+          </a:xfrm>
+        </p:spPr>
+      </p:pic>
+    </p:spTree>
+    <p:extLst>
+      <p:ext uri="{BB962C8B-B14F-4D97-AF65-F5344CB8AC3E}">
+        <p14:creationId xmlns:p14="http://schemas.microsoft.com/office/powerpoint/2010/main" val="531264829"/>
+      </p:ext>
+    </p:extLst>
+  </p:cSld>
+  <p:clrMapOvr>
+    <a:masterClrMapping/>
+  </p:clrMapOvr>
+</p:sld>
+</file>
+
+<file path=ppt/slides/slide17.xml><?xml version="1.0" encoding="utf-8"?>
+<p:sld xmlns:a="http://schemas.openxmlformats.org/drawingml/2006/main" xmlns:r="http://schemas.openxmlformats.org/officeDocument/2006/relationships" xmlns:p="http://schemas.openxmlformats.org/presentationml/2006/main">
+  <p:cSld>
+    <p:spTree>
+      <p:nvGrpSpPr>
+        <p:cNvPr id="1" name=""/>
+        <p:cNvGrpSpPr/>
+        <p:nvPr/>
+      </p:nvGrpSpPr>
+      <p:grpSpPr>
+        <a:xfrm>
+          <a:off x="0" y="0"/>
+          <a:ext cx="0" cy="0"/>
+          <a:chOff x="0" y="0"/>
+          <a:chExt cx="0" cy="0"/>
+        </a:xfrm>
+      </p:grpSpPr>
+      <p:sp>
+        <p:nvSpPr>
+          <p:cNvPr id="2" name="标题 1">
+            <a:extLst>
+              <a:ext uri="{FF2B5EF4-FFF2-40B4-BE49-F238E27FC236}">
+                <a16:creationId xmlns:a16="http://schemas.microsoft.com/office/drawing/2014/main" id="{705FED2C-1023-890A-CD4C-481C8FA25F43}"/>
+              </a:ext>
+            </a:extLst>
+          </p:cNvPr>
+          <p:cNvSpPr>
+            <a:spLocks noGrp="1"/>
+          </p:cNvSpPr>
+          <p:nvPr>
+            <p:ph type="title"/>
+          </p:nvPr>
+        </p:nvSpPr>
+        <p:spPr/>
+        <p:txBody>
+          <a:bodyPr/>
+          <a:lstStyle/>
+          <a:p>
+            <a:r>
+              <a:rPr lang="en-US" altLang="zh-CN" dirty="0"/>
+              <a:t>a - R = 600 km, e = 0.04</a:t>
+            </a:r>
+            <a:endParaRPr lang="zh-CN" altLang="en-US" dirty="0"/>
+          </a:p>
+        </p:txBody>
+      </p:sp>
+      <p:sp>
+        <p:nvSpPr>
+          <p:cNvPr id="4" name="灯片编号占位符 3">
+            <a:extLst>
+              <a:ext uri="{FF2B5EF4-FFF2-40B4-BE49-F238E27FC236}">
+                <a16:creationId xmlns:a16="http://schemas.microsoft.com/office/drawing/2014/main" id="{C99DE2F7-AF26-DDD2-76EE-1DFD759271F1}"/>
+              </a:ext>
+            </a:extLst>
+          </p:cNvPr>
+          <p:cNvSpPr>
+            <a:spLocks noGrp="1"/>
+          </p:cNvSpPr>
+          <p:nvPr>
+            <p:ph type="sldNum" sz="quarter" idx="12"/>
+          </p:nvPr>
+        </p:nvSpPr>
+        <p:spPr/>
+        <p:txBody>
+          <a:bodyPr/>
+          <a:lstStyle/>
+          <a:p>
+            <a:pPr>
+              <a:defRPr/>
+            </a:pPr>
+            <a:fld id="{A26A0649-E50C-4844-BD05-C05B747519B9}" type="slidenum">
+              <a:rPr lang="de-DE" altLang="en-US" smtClean="0"/>
+              <a:pPr>
+                <a:defRPr/>
+              </a:pPr>
+              <a:t>17</a:t>
+            </a:fld>
+            <a:endParaRPr lang="de-DE" altLang="en-US"/>
+          </a:p>
+        </p:txBody>
+      </p:sp>
+      <p:pic>
+        <p:nvPicPr>
+          <p:cNvPr id="7" name="内容占位符 6" descr="图表&#10;&#10;中度可信度描述已自动生成">
+            <a:extLst>
+              <a:ext uri="{FF2B5EF4-FFF2-40B4-BE49-F238E27FC236}">
+                <a16:creationId xmlns:a16="http://schemas.microsoft.com/office/drawing/2014/main" id="{0F8D77E5-3E1A-C234-FE88-91E058482184}"/>
+              </a:ext>
+            </a:extLst>
+          </p:cNvPr>
+          <p:cNvPicPr>
+            <a:picLocks noGrp="1" noChangeAspect="1"/>
+          </p:cNvPicPr>
+          <p:nvPr>
+            <p:ph idx="1"/>
+          </p:nvPr>
+        </p:nvPicPr>
+        <p:blipFill>
+          <a:blip r:embed="rId2">
+            <a:extLst>
+              <a:ext uri="{28A0092B-C50C-407E-A947-70E740481C1C}">
+                <a14:useLocalDpi xmlns:a14="http://schemas.microsoft.com/office/drawing/2010/main" val="0"/>
+              </a:ext>
+            </a:extLst>
+          </a:blip>
+          <a:stretch>
+            <a:fillRect/>
+          </a:stretch>
+        </p:blipFill>
+        <p:spPr>
+          <a:xfrm>
+            <a:off x="755576" y="1700808"/>
+            <a:ext cx="7772400" cy="3793092"/>
+          </a:xfrm>
+        </p:spPr>
+      </p:pic>
+    </p:spTree>
+    <p:extLst>
+      <p:ext uri="{BB962C8B-B14F-4D97-AF65-F5344CB8AC3E}">
+        <p14:creationId xmlns:p14="http://schemas.microsoft.com/office/powerpoint/2010/main" val="378594328"/>
+      </p:ext>
+    </p:extLst>
+  </p:cSld>
+  <p:clrMapOvr>
+    <a:masterClrMapping/>
+  </p:clrMapOvr>
+</p:sld>
+</file>
+
+<file path=ppt/slides/slide18.xml><?xml version="1.0" encoding="utf-8"?>
+<p:sld xmlns:a="http://schemas.openxmlformats.org/drawingml/2006/main" xmlns:r="http://schemas.openxmlformats.org/officeDocument/2006/relationships" xmlns:p="http://schemas.openxmlformats.org/presentationml/2006/main">
+  <p:cSld>
+    <p:spTree>
+      <p:nvGrpSpPr>
+        <p:cNvPr id="1" name=""/>
+        <p:cNvGrpSpPr/>
+        <p:nvPr/>
+      </p:nvGrpSpPr>
+      <p:grpSpPr>
+        <a:xfrm>
+          <a:off x="0" y="0"/>
+          <a:ext cx="0" cy="0"/>
+          <a:chOff x="0" y="0"/>
+          <a:chExt cx="0" cy="0"/>
+        </a:xfrm>
+      </p:grpSpPr>
+      <p:sp>
+        <p:nvSpPr>
+          <p:cNvPr id="2" name="标题 1">
+            <a:extLst>
+              <a:ext uri="{FF2B5EF4-FFF2-40B4-BE49-F238E27FC236}">
+                <a16:creationId xmlns:a16="http://schemas.microsoft.com/office/drawing/2014/main" id="{705FED2C-1023-890A-CD4C-481C8FA25F43}"/>
+              </a:ext>
+            </a:extLst>
+          </p:cNvPr>
+          <p:cNvSpPr>
+            <a:spLocks noGrp="1"/>
+          </p:cNvSpPr>
+          <p:nvPr>
+            <p:ph type="title"/>
+          </p:nvPr>
+        </p:nvSpPr>
+        <p:spPr/>
+        <p:txBody>
+          <a:bodyPr/>
+          <a:lstStyle/>
+          <a:p>
+            <a:r>
+              <a:rPr lang="en-US" altLang="zh-CN" dirty="0"/>
+              <a:t>a - R = 600 km, e = 0.05</a:t>
+            </a:r>
+            <a:endParaRPr lang="zh-CN" altLang="en-US" dirty="0"/>
+          </a:p>
+        </p:txBody>
+      </p:sp>
+      <p:sp>
+        <p:nvSpPr>
+          <p:cNvPr id="4" name="灯片编号占位符 3">
+            <a:extLst>
+              <a:ext uri="{FF2B5EF4-FFF2-40B4-BE49-F238E27FC236}">
+                <a16:creationId xmlns:a16="http://schemas.microsoft.com/office/drawing/2014/main" id="{C99DE2F7-AF26-DDD2-76EE-1DFD759271F1}"/>
+              </a:ext>
+            </a:extLst>
+          </p:cNvPr>
+          <p:cNvSpPr>
+            <a:spLocks noGrp="1"/>
+          </p:cNvSpPr>
+          <p:nvPr>
+            <p:ph type="sldNum" sz="quarter" idx="12"/>
+          </p:nvPr>
+        </p:nvSpPr>
+        <p:spPr/>
+        <p:txBody>
+          <a:bodyPr/>
+          <a:lstStyle/>
+          <a:p>
+            <a:pPr>
+              <a:defRPr/>
+            </a:pPr>
+            <a:fld id="{A26A0649-E50C-4844-BD05-C05B747519B9}" type="slidenum">
+              <a:rPr lang="de-DE" altLang="en-US" smtClean="0"/>
+              <a:pPr>
+                <a:defRPr/>
+              </a:pPr>
+              <a:t>18</a:t>
+            </a:fld>
+            <a:endParaRPr lang="de-DE" altLang="en-US"/>
+          </a:p>
+        </p:txBody>
+      </p:sp>
+      <p:pic>
+        <p:nvPicPr>
+          <p:cNvPr id="7" name="内容占位符 6" descr="图表&#10;&#10;描述已自动生成">
+            <a:extLst>
+              <a:ext uri="{FF2B5EF4-FFF2-40B4-BE49-F238E27FC236}">
+                <a16:creationId xmlns:a16="http://schemas.microsoft.com/office/drawing/2014/main" id="{02756D51-3977-7A8A-D73F-29D0ED33E7A9}"/>
+              </a:ext>
+            </a:extLst>
+          </p:cNvPr>
+          <p:cNvPicPr>
+            <a:picLocks noGrp="1" noChangeAspect="1"/>
+          </p:cNvPicPr>
+          <p:nvPr>
+            <p:ph idx="1"/>
+          </p:nvPr>
+        </p:nvPicPr>
+        <p:blipFill>
+          <a:blip r:embed="rId2">
+            <a:extLst>
+              <a:ext uri="{28A0092B-C50C-407E-A947-70E740481C1C}">
+                <a14:useLocalDpi xmlns:a14="http://schemas.microsoft.com/office/drawing/2010/main" val="0"/>
+              </a:ext>
+            </a:extLst>
+          </a:blip>
+          <a:stretch>
+            <a:fillRect/>
+          </a:stretch>
+        </p:blipFill>
+        <p:spPr>
+          <a:xfrm>
+            <a:off x="685800" y="1646754"/>
+            <a:ext cx="7772400" cy="3793092"/>
+          </a:xfrm>
+        </p:spPr>
+      </p:pic>
+    </p:spTree>
+    <p:extLst>
+      <p:ext uri="{BB962C8B-B14F-4D97-AF65-F5344CB8AC3E}">
+        <p14:creationId xmlns:p14="http://schemas.microsoft.com/office/powerpoint/2010/main" val="1996456368"/>
       </p:ext>
     </p:extLst>
   </p:cSld>
@@ -8651,8 +9611,8 @@
           </a:p>
         </p:txBody>
       </p:sp>
-      <mc:AlternateContent xmlns:mc="http://schemas.openxmlformats.org/markup-compatibility/2006">
-        <mc:Choice xmlns:a14="http://schemas.microsoft.com/office/drawing/2010/main" Requires="a14">
+      <mc:AlternateContent xmlns:mc="http://schemas.openxmlformats.org/markup-compatibility/2006" xmlns:a14="http://schemas.microsoft.com/office/drawing/2010/main">
+        <mc:Choice Requires="a14">
           <p:sp>
             <p:nvSpPr>
               <p:cNvPr id="3" name="Content Placeholder 2">
@@ -8871,7 +9831,7 @@
             </p:txBody>
           </p:sp>
         </mc:Choice>
-        <mc:Fallback>
+        <mc:Fallback xmlns="">
           <p:sp>
             <p:nvSpPr>
               <p:cNvPr id="3" name="Content Placeholder 2">
